--- a/Apresentação para Sprint/Sprint 3/Slide sprint 3 grupo9 .pptx
+++ b/Apresentação para Sprint/Sprint 3/Slide sprint 3 grupo9 .pptx
@@ -8,19 +8,17 @@
     <p:sldId id="256" r:id="rId5"/>
     <p:sldId id="257" r:id="rId6"/>
     <p:sldId id="258" r:id="rId7"/>
-    <p:sldId id="281" r:id="rId8"/>
+    <p:sldId id="267" r:id="rId8"/>
     <p:sldId id="260" r:id="rId9"/>
     <p:sldId id="265" r:id="rId10"/>
-    <p:sldId id="267" r:id="rId11"/>
-    <p:sldId id="269" r:id="rId12"/>
-    <p:sldId id="270" r:id="rId13"/>
-    <p:sldId id="282" r:id="rId14"/>
+    <p:sldId id="270" r:id="rId11"/>
+    <p:sldId id="282" r:id="rId12"/>
+    <p:sldId id="274" r:id="rId13"/>
+    <p:sldId id="273" r:id="rId14"/>
     <p:sldId id="272" r:id="rId15"/>
-    <p:sldId id="273" r:id="rId16"/>
-    <p:sldId id="274" r:id="rId17"/>
-    <p:sldId id="278" r:id="rId18"/>
-    <p:sldId id="280" r:id="rId19"/>
-    <p:sldId id="279" r:id="rId20"/>
+    <p:sldId id="278" r:id="rId16"/>
+    <p:sldId id="280" r:id="rId17"/>
+    <p:sldId id="279" r:id="rId18"/>
   </p:sldIdLst>
   <p:sldSz cx="12192000" cy="6858000"/>
   <p:notesSz cx="12192000" cy="6858000"/>
@@ -286,7 +284,7 @@
           <a:p>
             <a:fld id="{1D8BD707-D9CF-40AE-B4C6-C98DA3205C09}" type="datetimeFigureOut">
               <a:rPr lang="en-US"/>
-              <a:t>6/6/2022</a:t>
+              <a:t>6/7/2022</a:t>
             </a:fld>
             <a:endParaRPr lang="en-US"/>
           </a:p>
@@ -461,7 +459,7 @@
           <a:p>
             <a:fld id="{1D8BD707-D9CF-40AE-B4C6-C98DA3205C09}" type="datetimeFigureOut">
               <a:rPr lang="en-US"/>
-              <a:t>6/6/2022</a:t>
+              <a:t>6/7/2022</a:t>
             </a:fld>
             <a:endParaRPr lang="en-US"/>
           </a:p>
@@ -1519,7 +1517,7 @@
           <a:p>
             <a:fld id="{1D8BD707-D9CF-40AE-B4C6-C98DA3205C09}" type="datetimeFigureOut">
               <a:rPr lang="en-US"/>
-              <a:t>6/6/2022</a:t>
+              <a:t>6/7/2022</a:t>
             </a:fld>
             <a:endParaRPr lang="en-US"/>
           </a:p>
@@ -1667,7 +1665,7 @@
           <a:p>
             <a:fld id="{1D8BD707-D9CF-40AE-B4C6-C98DA3205C09}" type="datetimeFigureOut">
               <a:rPr lang="en-US"/>
-              <a:t>6/6/2022</a:t>
+              <a:t>6/7/2022</a:t>
             </a:fld>
             <a:endParaRPr lang="en-US"/>
           </a:p>
@@ -1786,7 +1784,7 @@
           <a:p>
             <a:fld id="{1D8BD707-D9CF-40AE-B4C6-C98DA3205C09}" type="datetimeFigureOut">
               <a:rPr lang="en-US"/>
-              <a:t>6/6/2022</a:t>
+              <a:t>6/7/2022</a:t>
             </a:fld>
             <a:endParaRPr lang="en-US"/>
           </a:p>
@@ -2059,7 +2057,7 @@
           <a:p>
             <a:fld id="{1D8BD707-D9CF-40AE-B4C6-C98DA3205C09}" type="datetimeFigureOut">
               <a:rPr lang="en-US"/>
-              <a:t>6/6/2022</a:t>
+              <a:t>6/7/2022</a:t>
             </a:fld>
             <a:endParaRPr lang="en-US"/>
           </a:p>
@@ -2381,7 +2379,7 @@
 </file>
 
 <file path=ppt/slides/slide10.xml><?xml version="1.0" encoding="utf-8"?>
-<p:sld xmlns:a="http://schemas.openxmlformats.org/drawingml/2006/main" xmlns:r="http://schemas.openxmlformats.org/officeDocument/2006/relationships" xmlns:p="http://schemas.openxmlformats.org/presentationml/2006/main" showMasterSp="0">
+<p:sld xmlns:a="http://schemas.openxmlformats.org/drawingml/2006/main" xmlns:r="http://schemas.openxmlformats.org/officeDocument/2006/relationships" xmlns:p="http://schemas.openxmlformats.org/presentationml/2006/main">
   <p:cSld>
     <p:spTree>
       <p:nvGrpSpPr>
@@ -2397,70 +2395,251 @@
           <a:chExt cx="0" cy="0"/>
         </a:xfrm>
       </p:grpSpPr>
+      <p:grpSp>
+        <p:nvGrpSpPr>
+          <p:cNvPr id="2" name="object 2"/>
+          <p:cNvGrpSpPr/>
+          <p:nvPr/>
+        </p:nvGrpSpPr>
+        <p:grpSpPr>
+          <a:xfrm>
+            <a:off x="0" y="63"/>
+            <a:ext cx="12197080" cy="2200275"/>
+            <a:chOff x="0" y="63"/>
+            <a:chExt cx="12197080" cy="2200275"/>
+          </a:xfrm>
+        </p:grpSpPr>
+        <p:pic>
+          <p:nvPicPr>
+            <p:cNvPr id="3" name="object 3"/>
+            <p:cNvPicPr/>
+            <p:nvPr/>
+          </p:nvPicPr>
+          <p:blipFill>
+            <a:blip r:embed="rId2" cstate="print"/>
+            <a:stretch>
+              <a:fillRect/>
+            </a:stretch>
+          </p:blipFill>
+          <p:spPr>
+            <a:xfrm>
+              <a:off x="4763" y="4825"/>
+              <a:ext cx="12187236" cy="2190750"/>
+            </a:xfrm>
+            <a:prstGeom prst="rect">
+              <a:avLst/>
+            </a:prstGeom>
+          </p:spPr>
+        </p:pic>
+        <p:sp>
+          <p:nvSpPr>
+            <p:cNvPr id="4" name="object 4"/>
+            <p:cNvSpPr/>
+            <p:nvPr/>
+          </p:nvSpPr>
+          <p:spPr>
+            <a:xfrm>
+              <a:off x="4763" y="4825"/>
+              <a:ext cx="12187555" cy="2190750"/>
+            </a:xfrm>
+            <a:custGeom>
+              <a:avLst/>
+              <a:gdLst/>
+              <a:ahLst/>
+              <a:cxnLst/>
+              <a:rect l="l" t="t" r="r" b="b"/>
+              <a:pathLst>
+                <a:path w="12187555" h="2190750">
+                  <a:moveTo>
+                    <a:pt x="12187236" y="0"/>
+                  </a:moveTo>
+                  <a:lnTo>
+                    <a:pt x="0" y="0"/>
+                  </a:lnTo>
+                  <a:lnTo>
+                    <a:pt x="0" y="1891538"/>
+                  </a:lnTo>
+                  <a:lnTo>
+                    <a:pt x="1995994" y="1891538"/>
+                  </a:lnTo>
+                  <a:lnTo>
+                    <a:pt x="2376994" y="2177923"/>
+                  </a:lnTo>
+                  <a:lnTo>
+                    <a:pt x="2385503" y="2181098"/>
+                  </a:lnTo>
+                  <a:lnTo>
+                    <a:pt x="2398203" y="2185924"/>
+                  </a:lnTo>
+                  <a:lnTo>
+                    <a:pt x="2410903" y="2190750"/>
+                  </a:lnTo>
+                  <a:lnTo>
+                    <a:pt x="2421444" y="2190750"/>
+                  </a:lnTo>
+                  <a:lnTo>
+                    <a:pt x="2434144" y="2190750"/>
+                  </a:lnTo>
+                  <a:lnTo>
+                    <a:pt x="2444812" y="2185924"/>
+                  </a:lnTo>
+                  <a:lnTo>
+                    <a:pt x="2457512" y="2181098"/>
+                  </a:lnTo>
+                  <a:lnTo>
+                    <a:pt x="2465894" y="2177923"/>
+                  </a:lnTo>
+                  <a:lnTo>
+                    <a:pt x="2846894" y="1891538"/>
+                  </a:lnTo>
+                  <a:lnTo>
+                    <a:pt x="12187236" y="1891538"/>
+                  </a:lnTo>
+                </a:path>
+              </a:pathLst>
+            </a:custGeom>
+            <a:ln w="9525">
+              <a:solidFill>
+                <a:srgbClr val="00C5BA"/>
+              </a:solidFill>
+            </a:ln>
+          </p:spPr>
+          <p:txBody>
+            <a:bodyPr wrap="square" lIns="0" tIns="0" rIns="0" bIns="0" rtlCol="0"/>
+            <a:lstStyle/>
+            <a:p>
+              <a:endParaRPr/>
+            </a:p>
+          </p:txBody>
+        </p:sp>
+      </p:grpSp>
+      <p:grpSp>
+        <p:nvGrpSpPr>
+          <p:cNvPr id="5" name="object 5"/>
+          <p:cNvGrpSpPr/>
+          <p:nvPr/>
+        </p:nvGrpSpPr>
+        <p:grpSpPr>
+          <a:xfrm>
+            <a:off x="-7937" y="0"/>
+            <a:ext cx="12207875" cy="1901825"/>
+            <a:chOff x="-7937" y="0"/>
+            <a:chExt cx="12207875" cy="1901825"/>
+          </a:xfrm>
+        </p:grpSpPr>
+        <p:sp>
+          <p:nvSpPr>
+            <p:cNvPr id="6" name="object 6"/>
+            <p:cNvSpPr/>
+            <p:nvPr/>
+          </p:nvSpPr>
+          <p:spPr>
+            <a:xfrm>
+              <a:off x="0" y="0"/>
+              <a:ext cx="12192000" cy="1885950"/>
+            </a:xfrm>
+            <a:custGeom>
+              <a:avLst/>
+              <a:gdLst/>
+              <a:ahLst/>
+              <a:cxnLst/>
+              <a:rect l="l" t="t" r="r" b="b"/>
+              <a:pathLst>
+                <a:path w="12192000" h="1885950">
+                  <a:moveTo>
+                    <a:pt x="12192000" y="0"/>
+                  </a:moveTo>
+                  <a:lnTo>
+                    <a:pt x="0" y="0"/>
+                  </a:lnTo>
+                  <a:lnTo>
+                    <a:pt x="0" y="1885950"/>
+                  </a:lnTo>
+                  <a:lnTo>
+                    <a:pt x="12192000" y="1885950"/>
+                  </a:lnTo>
+                  <a:lnTo>
+                    <a:pt x="12192000" y="0"/>
+                  </a:lnTo>
+                  <a:close/>
+                </a:path>
+              </a:pathLst>
+            </a:custGeom>
+            <a:solidFill>
+              <a:srgbClr val="273B5C"/>
+            </a:solidFill>
+          </p:spPr>
+          <p:txBody>
+            <a:bodyPr wrap="square" lIns="0" tIns="0" rIns="0" bIns="0" rtlCol="0"/>
+            <a:lstStyle/>
+            <a:p>
+              <a:endParaRPr/>
+            </a:p>
+          </p:txBody>
+        </p:sp>
+        <p:sp>
+          <p:nvSpPr>
+            <p:cNvPr id="7" name="object 7"/>
+            <p:cNvSpPr/>
+            <p:nvPr/>
+          </p:nvSpPr>
+          <p:spPr>
+            <a:xfrm>
+              <a:off x="0" y="0"/>
+              <a:ext cx="12192000" cy="1885950"/>
+            </a:xfrm>
+            <a:custGeom>
+              <a:avLst/>
+              <a:gdLst/>
+              <a:ahLst/>
+              <a:cxnLst/>
+              <a:rect l="l" t="t" r="r" b="b"/>
+              <a:pathLst>
+                <a:path w="12192000" h="1885950">
+                  <a:moveTo>
+                    <a:pt x="0" y="1885950"/>
+                  </a:moveTo>
+                  <a:lnTo>
+                    <a:pt x="12192000" y="1885950"/>
+                  </a:lnTo>
+                  <a:lnTo>
+                    <a:pt x="12192000" y="0"/>
+                  </a:lnTo>
+                  <a:lnTo>
+                    <a:pt x="0" y="0"/>
+                  </a:lnTo>
+                  <a:lnTo>
+                    <a:pt x="0" y="1885950"/>
+                  </a:lnTo>
+                  <a:close/>
+                </a:path>
+              </a:pathLst>
+            </a:custGeom>
+            <a:ln w="15875">
+              <a:solidFill>
+                <a:srgbClr val="273B5C"/>
+              </a:solidFill>
+            </a:ln>
+          </p:spPr>
+          <p:txBody>
+            <a:bodyPr wrap="square" lIns="0" tIns="0" rIns="0" bIns="0" rtlCol="0"/>
+            <a:lstStyle/>
+            <a:p>
+              <a:endParaRPr/>
+            </a:p>
+          </p:txBody>
+        </p:sp>
+      </p:grpSp>
       <p:sp>
         <p:nvSpPr>
-          <p:cNvPr id="2" name="object 2"/>
-          <p:cNvSpPr/>
+          <p:cNvPr id="8" name="object 8"/>
+          <p:cNvSpPr txBox="1"/>
           <p:nvPr/>
         </p:nvSpPr>
         <p:spPr>
           <a:xfrm>
-            <a:off x="0" y="0"/>
-            <a:ext cx="12192000" cy="6858000"/>
-          </a:xfrm>
-          <a:custGeom>
-            <a:avLst/>
-            <a:gdLst/>
-            <a:ahLst/>
-            <a:cxnLst/>
-            <a:rect l="l" t="t" r="r" b="b"/>
-            <a:pathLst>
-              <a:path w="12192000" h="6858000">
-                <a:moveTo>
-                  <a:pt x="12192000" y="0"/>
-                </a:moveTo>
-                <a:lnTo>
-                  <a:pt x="0" y="0"/>
-                </a:lnTo>
-                <a:lnTo>
-                  <a:pt x="0" y="6858000"/>
-                </a:lnTo>
-                <a:lnTo>
-                  <a:pt x="12192000" y="6858000"/>
-                </a:lnTo>
-                <a:lnTo>
-                  <a:pt x="12192000" y="0"/>
-                </a:lnTo>
-                <a:close/>
-              </a:path>
-            </a:pathLst>
-          </a:custGeom>
-          <a:solidFill>
-            <a:srgbClr val="273B5C"/>
-          </a:solidFill>
-        </p:spPr>
-        <p:txBody>
-          <a:bodyPr wrap="square" lIns="0" tIns="0" rIns="0" bIns="0" rtlCol="0"/>
-          <a:lstStyle/>
-          <a:p>
-            <a:endParaRPr/>
-          </a:p>
-        </p:txBody>
-      </p:sp>
-      <p:sp>
-        <p:nvSpPr>
-          <p:cNvPr id="3" name="object 3"/>
-          <p:cNvSpPr txBox="1">
-            <a:spLocks noGrp="1"/>
-          </p:cNvSpPr>
-          <p:nvPr>
-            <p:ph type="title"/>
-          </p:nvPr>
-        </p:nvSpPr>
-        <p:spPr>
-          <a:xfrm>
-            <a:off x="1776095" y="118110"/>
-            <a:ext cx="8641715" cy="758190"/>
+            <a:off x="5379339" y="524827"/>
+            <a:ext cx="1435735" cy="758190"/>
           </a:xfrm>
           <a:prstGeom prst="rect">
             <a:avLst/>
@@ -2472,7 +2651,7 @@
           </a:bodyPr>
           <a:lstStyle/>
           <a:p>
-            <a:pPr marL="12700" algn="ctr">
+            <a:pPr marL="12700">
               <a:lnSpc>
                 <a:spcPct val="100000"/>
               </a:lnSpc>
@@ -2481,157 +2660,212 @@
               </a:spcBef>
             </a:pPr>
             <a:r>
-              <a:rPr spc="-170" dirty="0" err="1"/>
-              <a:t>D</a:t>
-            </a:r>
-            <a:r>
-              <a:rPr spc="-50" dirty="0" err="1"/>
-              <a:t>i</a:t>
-            </a:r>
-            <a:r>
-              <a:rPr spc="-40" dirty="0" err="1"/>
-              <a:t>a</a:t>
-            </a:r>
-            <a:r>
-              <a:rPr spc="-140" dirty="0" err="1"/>
-              <a:t>g</a:t>
-            </a:r>
-            <a:r>
-              <a:rPr spc="-25" dirty="0" err="1"/>
-              <a:t>r</a:t>
-            </a:r>
-            <a:r>
-              <a:rPr spc="-40" dirty="0" err="1"/>
-              <a:t>a</a:t>
-            </a:r>
-            <a:r>
-              <a:rPr spc="-100" dirty="0" err="1"/>
-              <a:t>m</a:t>
-            </a:r>
-            <a:r>
-              <a:rPr spc="-60" dirty="0" err="1"/>
-              <a:t>a</a:t>
-            </a:r>
-            <a:r>
-              <a:rPr spc="-610" dirty="0"/>
-              <a:t> </a:t>
-            </a:r>
-            <a:r>
-              <a:rPr spc="10" dirty="0"/>
-              <a:t>d</a:t>
-            </a:r>
-            <a:r>
-              <a:rPr spc="-35" dirty="0"/>
-              <a:t>e</a:t>
-            </a:r>
-            <a:r>
-              <a:rPr lang="pt-BR" spc="-615" dirty="0"/>
-              <a:t> </a:t>
-            </a:r>
-            <a:r>
-              <a:rPr lang="pt-BR" spc="-615" dirty="0">
-                <a:latin typeface="Verdana" panose="020B0604030504040204" pitchFamily="34" charset="0"/>
-                <a:ea typeface="Verdana" panose="020B0604030504040204" pitchFamily="34" charset="0"/>
-              </a:rPr>
-              <a:t>Classe</a:t>
-            </a:r>
-            <a:endParaRPr spc="-20" dirty="0">
-              <a:latin typeface="Verdana" panose="020B0604030504040204" pitchFamily="34" charset="0"/>
-              <a:ea typeface="Verdana" panose="020B0604030504040204" pitchFamily="34" charset="0"/>
+              <a:rPr sz="4800" spc="70">
+                <a:solidFill>
+                  <a:srgbClr val="FFFFFF"/>
+                </a:solidFill>
+                <a:latin typeface="Verdana"/>
+                <a:cs typeface="Verdana"/>
+              </a:rPr>
+              <a:t>A</a:t>
+            </a:r>
+            <a:r>
+              <a:rPr sz="4800" spc="75">
+                <a:solidFill>
+                  <a:srgbClr val="FFFFFF"/>
+                </a:solidFill>
+                <a:latin typeface="Verdana"/>
+                <a:cs typeface="Verdana"/>
+              </a:rPr>
+              <a:t>W</a:t>
+            </a:r>
+            <a:r>
+              <a:rPr sz="4800" spc="-360">
+                <a:solidFill>
+                  <a:srgbClr val="FFFFFF"/>
+                </a:solidFill>
+                <a:latin typeface="Verdana"/>
+                <a:cs typeface="Verdana"/>
+              </a:rPr>
+              <a:t>S</a:t>
+            </a:r>
+            <a:endParaRPr sz="4800">
+              <a:latin typeface="Verdana"/>
+              <a:cs typeface="Verdana"/>
             </a:endParaRPr>
           </a:p>
         </p:txBody>
       </p:sp>
-      <p:pic>
-        <p:nvPicPr>
-          <p:cNvPr id="4" name="object 4"/>
-          <p:cNvPicPr/>
+      <p:grpSp>
+        <p:nvGrpSpPr>
+          <p:cNvPr id="9" name="object 9"/>
+          <p:cNvGrpSpPr/>
           <p:nvPr/>
-        </p:nvPicPr>
-        <p:blipFill>
-          <a:blip r:embed="rId2" cstate="print"/>
-          <a:stretch>
-            <a:fillRect/>
-          </a:stretch>
-        </p:blipFill>
-        <p:spPr>
+        </p:nvGrpSpPr>
+        <p:grpSpPr>
           <a:xfrm>
-            <a:off x="11087100" y="5753099"/>
-            <a:ext cx="1104900" cy="1104899"/>
+            <a:off x="171450" y="239152"/>
+            <a:ext cx="8139430" cy="6614404"/>
+            <a:chOff x="171450" y="228600"/>
+            <a:chExt cx="8139430" cy="6624955"/>
           </a:xfrm>
-          <a:prstGeom prst="rect">
-            <a:avLst/>
-          </a:prstGeom>
-        </p:spPr>
-      </p:pic>
-      <p:pic>
-        <p:nvPicPr>
-          <p:cNvPr id="6" name="Imagem 5" descr="Diagrama&#10;&#10;Descrição gerada automaticamente">
-            <a:extLst>
-              <a:ext uri="{FF2B5EF4-FFF2-40B4-BE49-F238E27FC236}">
-                <a16:creationId xmlns:a16="http://schemas.microsoft.com/office/drawing/2014/main" id="{06286825-9BEC-41BB-8CCB-204750961866}"/>
-              </a:ext>
-            </a:extLst>
-          </p:cNvPr>
-          <p:cNvPicPr>
-            <a:picLocks noChangeAspect="1"/>
-          </p:cNvPicPr>
-          <p:nvPr/>
-        </p:nvPicPr>
-        <p:blipFill>
-          <a:blip r:embed="rId3">
-            <a:extLst>
-              <a:ext uri="{28A0092B-C50C-407E-A947-70E740481C1C}">
-                <a14:useLocalDpi xmlns:a14="http://schemas.microsoft.com/office/drawing/2010/main" val="0"/>
-              </a:ext>
-            </a:extLst>
-          </a:blip>
-          <a:stretch>
-            <a:fillRect/>
-          </a:stretch>
-        </p:blipFill>
-        <p:spPr>
-          <a:xfrm>
-            <a:off x="2271287" y="1114423"/>
-            <a:ext cx="8007566" cy="5004729"/>
-          </a:xfrm>
-          <a:prstGeom prst="roundRect">
-            <a:avLst>
-              <a:gd name="adj" fmla="val 4167"/>
-            </a:avLst>
-          </a:prstGeom>
-          <a:solidFill>
-            <a:srgbClr val="FFFFFF"/>
-          </a:solidFill>
-          <a:ln w="76200" cap="sq">
+        </p:grpSpPr>
+        <p:sp>
+          <p:nvSpPr>
+            <p:cNvPr id="10" name="object 10"/>
+            <p:cNvSpPr/>
+            <p:nvPr/>
+          </p:nvSpPr>
+          <p:spPr>
+            <a:xfrm>
+              <a:off x="1962150" y="1495425"/>
+              <a:ext cx="904875" cy="742950"/>
+            </a:xfrm>
+            <a:custGeom>
+              <a:avLst/>
+              <a:gdLst/>
+              <a:ahLst/>
+              <a:cxnLst/>
+              <a:rect l="l" t="t" r="r" b="b"/>
+              <a:pathLst>
+                <a:path w="904875" h="742950">
+                  <a:moveTo>
+                    <a:pt x="452500" y="0"/>
+                  </a:moveTo>
+                  <a:lnTo>
+                    <a:pt x="0" y="371475"/>
+                  </a:lnTo>
+                  <a:lnTo>
+                    <a:pt x="452500" y="742950"/>
+                  </a:lnTo>
+                  <a:lnTo>
+                    <a:pt x="904875" y="371475"/>
+                  </a:lnTo>
+                  <a:lnTo>
+                    <a:pt x="452500" y="0"/>
+                  </a:lnTo>
+                  <a:close/>
+                </a:path>
+              </a:pathLst>
+            </a:custGeom>
             <a:solidFill>
-              <a:srgbClr val="002060"/>
+              <a:srgbClr val="273B5C"/>
             </a:solidFill>
-            <a:miter lim="800000"/>
-          </a:ln>
-          <a:effectLst>
-            <a:reflection blurRad="12700" stA="28000" endPos="28000" dist="5000" dir="5400000" sy="-100000" algn="bl" rotWithShape="0"/>
-          </a:effectLst>
-          <a:scene3d>
-            <a:camera prst="orthographicFront"/>
-            <a:lightRig rig="threePt" dir="t">
-              <a:rot lat="0" lon="0" rev="2700000"/>
-            </a:lightRig>
-          </a:scene3d>
-          <a:sp3d>
-            <a:bevelT h="38100"/>
-            <a:contourClr>
-              <a:srgbClr val="C0C0C0"/>
-            </a:contourClr>
-          </a:sp3d>
-        </p:spPr>
-      </p:pic>
+          </p:spPr>
+          <p:txBody>
+            <a:bodyPr wrap="square" lIns="0" tIns="0" rIns="0" bIns="0" rtlCol="0"/>
+            <a:lstStyle/>
+            <a:p>
+              <a:endParaRPr/>
+            </a:p>
+          </p:txBody>
+        </p:sp>
+        <p:sp>
+          <p:nvSpPr>
+            <p:cNvPr id="11" name="object 11"/>
+            <p:cNvSpPr/>
+            <p:nvPr/>
+          </p:nvSpPr>
+          <p:spPr>
+            <a:xfrm>
+              <a:off x="1962150" y="1495425"/>
+              <a:ext cx="904875" cy="742950"/>
+            </a:xfrm>
+            <a:custGeom>
+              <a:avLst/>
+              <a:gdLst/>
+              <a:ahLst/>
+              <a:cxnLst/>
+              <a:rect l="l" t="t" r="r" b="b"/>
+              <a:pathLst>
+                <a:path w="904875" h="742950">
+                  <a:moveTo>
+                    <a:pt x="0" y="371475"/>
+                  </a:moveTo>
+                  <a:lnTo>
+                    <a:pt x="904875" y="371475"/>
+                  </a:lnTo>
+                </a:path>
+                <a:path w="904875" h="742950">
+                  <a:moveTo>
+                    <a:pt x="0" y="371475"/>
+                  </a:moveTo>
+                  <a:lnTo>
+                    <a:pt x="452500" y="0"/>
+                  </a:lnTo>
+                  <a:lnTo>
+                    <a:pt x="904875" y="371475"/>
+                  </a:lnTo>
+                  <a:lnTo>
+                    <a:pt x="452500" y="742950"/>
+                  </a:lnTo>
+                  <a:lnTo>
+                    <a:pt x="0" y="371475"/>
+                  </a:lnTo>
+                  <a:close/>
+                </a:path>
+              </a:pathLst>
+            </a:custGeom>
+            <a:ln w="15875">
+              <a:solidFill>
+                <a:srgbClr val="273B5C"/>
+              </a:solidFill>
+            </a:ln>
+          </p:spPr>
+          <p:txBody>
+            <a:bodyPr wrap="square" lIns="0" tIns="0" rIns="0" bIns="0" rtlCol="0"/>
+            <a:lstStyle/>
+            <a:p>
+              <a:endParaRPr/>
+            </a:p>
+          </p:txBody>
+        </p:sp>
+        <p:pic>
+          <p:nvPicPr>
+            <p:cNvPr id="12" name="object 12"/>
+            <p:cNvPicPr/>
+            <p:nvPr/>
+          </p:nvPicPr>
+          <p:blipFill>
+            <a:blip r:embed="rId3" cstate="print"/>
+            <a:stretch>
+              <a:fillRect/>
+            </a:stretch>
+          </p:blipFill>
+          <p:spPr>
+            <a:xfrm>
+              <a:off x="171450" y="228600"/>
+              <a:ext cx="1400175" cy="1409700"/>
+            </a:xfrm>
+            <a:prstGeom prst="rect">
+              <a:avLst/>
+            </a:prstGeom>
+          </p:spPr>
+        </p:pic>
+        <p:pic>
+          <p:nvPicPr>
+            <p:cNvPr id="13" name="object 13"/>
+            <p:cNvPicPr/>
+            <p:nvPr/>
+          </p:nvPicPr>
+          <p:blipFill>
+            <a:blip r:embed="rId4" cstate="print"/>
+            <a:stretch>
+              <a:fillRect/>
+            </a:stretch>
+          </p:blipFill>
+          <p:spPr>
+            <a:xfrm>
+              <a:off x="3762375" y="2171636"/>
+              <a:ext cx="4548251" cy="4681601"/>
+            </a:xfrm>
+            <a:prstGeom prst="rect">
+              <a:avLst/>
+            </a:prstGeom>
+          </p:spPr>
+        </p:pic>
+      </p:grpSp>
     </p:spTree>
-    <p:extLst>
-      <p:ext uri="{BB962C8B-B14F-4D97-AF65-F5344CB8AC3E}">
-        <p14:creationId xmlns:p14="http://schemas.microsoft.com/office/powerpoint/2010/main" val="301955511"/>
-      </p:ext>
-    </p:extLst>
   </p:cSld>
   <p:clrMapOvr>
     <a:masterClrMapping/>
@@ -3239,1018 +3473,6 @@
       <p:sp>
         <p:nvSpPr>
           <p:cNvPr id="8" name="object 8"/>
-          <p:cNvSpPr txBox="1"/>
-          <p:nvPr/>
-        </p:nvSpPr>
-        <p:spPr>
-          <a:xfrm>
-            <a:off x="5379339" y="524827"/>
-            <a:ext cx="1435735" cy="758190"/>
-          </a:xfrm>
-          <a:prstGeom prst="rect">
-            <a:avLst/>
-          </a:prstGeom>
-        </p:spPr>
-        <p:txBody>
-          <a:bodyPr vert="horz" wrap="square" lIns="0" tIns="13335" rIns="0" bIns="0" rtlCol="0">
-            <a:spAutoFit/>
-          </a:bodyPr>
-          <a:lstStyle/>
-          <a:p>
-            <a:pPr marL="12700">
-              <a:lnSpc>
-                <a:spcPct val="100000"/>
-              </a:lnSpc>
-              <a:spcBef>
-                <a:spcPts val="105"/>
-              </a:spcBef>
-            </a:pPr>
-            <a:r>
-              <a:rPr sz="4800" spc="70">
-                <a:solidFill>
-                  <a:srgbClr val="FFFFFF"/>
-                </a:solidFill>
-                <a:latin typeface="Verdana"/>
-                <a:cs typeface="Verdana"/>
-              </a:rPr>
-              <a:t>A</a:t>
-            </a:r>
-            <a:r>
-              <a:rPr sz="4800" spc="75">
-                <a:solidFill>
-                  <a:srgbClr val="FFFFFF"/>
-                </a:solidFill>
-                <a:latin typeface="Verdana"/>
-                <a:cs typeface="Verdana"/>
-              </a:rPr>
-              <a:t>W</a:t>
-            </a:r>
-            <a:r>
-              <a:rPr sz="4800" spc="-360">
-                <a:solidFill>
-                  <a:srgbClr val="FFFFFF"/>
-                </a:solidFill>
-                <a:latin typeface="Verdana"/>
-                <a:cs typeface="Verdana"/>
-              </a:rPr>
-              <a:t>S</a:t>
-            </a:r>
-            <a:endParaRPr sz="4800">
-              <a:latin typeface="Verdana"/>
-              <a:cs typeface="Verdana"/>
-            </a:endParaRPr>
-          </a:p>
-        </p:txBody>
-      </p:sp>
-      <p:grpSp>
-        <p:nvGrpSpPr>
-          <p:cNvPr id="9" name="object 9"/>
-          <p:cNvGrpSpPr/>
-          <p:nvPr/>
-        </p:nvGrpSpPr>
-        <p:grpSpPr>
-          <a:xfrm>
-            <a:off x="171450" y="239152"/>
-            <a:ext cx="8139430" cy="6614404"/>
-            <a:chOff x="171450" y="228600"/>
-            <a:chExt cx="8139430" cy="6624955"/>
-          </a:xfrm>
-        </p:grpSpPr>
-        <p:sp>
-          <p:nvSpPr>
-            <p:cNvPr id="10" name="object 10"/>
-            <p:cNvSpPr/>
-            <p:nvPr/>
-          </p:nvSpPr>
-          <p:spPr>
-            <a:xfrm>
-              <a:off x="1962150" y="1495425"/>
-              <a:ext cx="904875" cy="742950"/>
-            </a:xfrm>
-            <a:custGeom>
-              <a:avLst/>
-              <a:gdLst/>
-              <a:ahLst/>
-              <a:cxnLst/>
-              <a:rect l="l" t="t" r="r" b="b"/>
-              <a:pathLst>
-                <a:path w="904875" h="742950">
-                  <a:moveTo>
-                    <a:pt x="452500" y="0"/>
-                  </a:moveTo>
-                  <a:lnTo>
-                    <a:pt x="0" y="371475"/>
-                  </a:lnTo>
-                  <a:lnTo>
-                    <a:pt x="452500" y="742950"/>
-                  </a:lnTo>
-                  <a:lnTo>
-                    <a:pt x="904875" y="371475"/>
-                  </a:lnTo>
-                  <a:lnTo>
-                    <a:pt x="452500" y="0"/>
-                  </a:lnTo>
-                  <a:close/>
-                </a:path>
-              </a:pathLst>
-            </a:custGeom>
-            <a:solidFill>
-              <a:srgbClr val="273B5C"/>
-            </a:solidFill>
-          </p:spPr>
-          <p:txBody>
-            <a:bodyPr wrap="square" lIns="0" tIns="0" rIns="0" bIns="0" rtlCol="0"/>
-            <a:lstStyle/>
-            <a:p>
-              <a:endParaRPr/>
-            </a:p>
-          </p:txBody>
-        </p:sp>
-        <p:sp>
-          <p:nvSpPr>
-            <p:cNvPr id="11" name="object 11"/>
-            <p:cNvSpPr/>
-            <p:nvPr/>
-          </p:nvSpPr>
-          <p:spPr>
-            <a:xfrm>
-              <a:off x="1962150" y="1495425"/>
-              <a:ext cx="904875" cy="742950"/>
-            </a:xfrm>
-            <a:custGeom>
-              <a:avLst/>
-              <a:gdLst/>
-              <a:ahLst/>
-              <a:cxnLst/>
-              <a:rect l="l" t="t" r="r" b="b"/>
-              <a:pathLst>
-                <a:path w="904875" h="742950">
-                  <a:moveTo>
-                    <a:pt x="0" y="371475"/>
-                  </a:moveTo>
-                  <a:lnTo>
-                    <a:pt x="904875" y="371475"/>
-                  </a:lnTo>
-                </a:path>
-                <a:path w="904875" h="742950">
-                  <a:moveTo>
-                    <a:pt x="0" y="371475"/>
-                  </a:moveTo>
-                  <a:lnTo>
-                    <a:pt x="452500" y="0"/>
-                  </a:lnTo>
-                  <a:lnTo>
-                    <a:pt x="904875" y="371475"/>
-                  </a:lnTo>
-                  <a:lnTo>
-                    <a:pt x="452500" y="742950"/>
-                  </a:lnTo>
-                  <a:lnTo>
-                    <a:pt x="0" y="371475"/>
-                  </a:lnTo>
-                  <a:close/>
-                </a:path>
-              </a:pathLst>
-            </a:custGeom>
-            <a:ln w="15875">
-              <a:solidFill>
-                <a:srgbClr val="273B5C"/>
-              </a:solidFill>
-            </a:ln>
-          </p:spPr>
-          <p:txBody>
-            <a:bodyPr wrap="square" lIns="0" tIns="0" rIns="0" bIns="0" rtlCol="0"/>
-            <a:lstStyle/>
-            <a:p>
-              <a:endParaRPr/>
-            </a:p>
-          </p:txBody>
-        </p:sp>
-        <p:pic>
-          <p:nvPicPr>
-            <p:cNvPr id="12" name="object 12"/>
-            <p:cNvPicPr/>
-            <p:nvPr/>
-          </p:nvPicPr>
-          <p:blipFill>
-            <a:blip r:embed="rId3" cstate="print"/>
-            <a:stretch>
-              <a:fillRect/>
-            </a:stretch>
-          </p:blipFill>
-          <p:spPr>
-            <a:xfrm>
-              <a:off x="171450" y="228600"/>
-              <a:ext cx="1400175" cy="1409700"/>
-            </a:xfrm>
-            <a:prstGeom prst="rect">
-              <a:avLst/>
-            </a:prstGeom>
-          </p:spPr>
-        </p:pic>
-        <p:pic>
-          <p:nvPicPr>
-            <p:cNvPr id="13" name="object 13"/>
-            <p:cNvPicPr/>
-            <p:nvPr/>
-          </p:nvPicPr>
-          <p:blipFill>
-            <a:blip r:embed="rId4" cstate="print"/>
-            <a:stretch>
-              <a:fillRect/>
-            </a:stretch>
-          </p:blipFill>
-          <p:spPr>
-            <a:xfrm>
-              <a:off x="3762375" y="2171636"/>
-              <a:ext cx="4548251" cy="4681601"/>
-            </a:xfrm>
-            <a:prstGeom prst="rect">
-              <a:avLst/>
-            </a:prstGeom>
-          </p:spPr>
-        </p:pic>
-      </p:grpSp>
-    </p:spTree>
-  </p:cSld>
-  <p:clrMapOvr>
-    <a:masterClrMapping/>
-  </p:clrMapOvr>
-</p:sld>
-</file>
-
-<file path=ppt/slides/slide13.xml><?xml version="1.0" encoding="utf-8"?>
-<p:sld xmlns:a="http://schemas.openxmlformats.org/drawingml/2006/main" xmlns:r="http://schemas.openxmlformats.org/officeDocument/2006/relationships" xmlns:p="http://schemas.openxmlformats.org/presentationml/2006/main">
-  <p:cSld>
-    <p:spTree>
-      <p:nvGrpSpPr>
-        <p:cNvPr id="1" name=""/>
-        <p:cNvGrpSpPr/>
-        <p:nvPr/>
-      </p:nvGrpSpPr>
-      <p:grpSpPr>
-        <a:xfrm>
-          <a:off x="0" y="0"/>
-          <a:ext cx="0" cy="0"/>
-          <a:chOff x="0" y="0"/>
-          <a:chExt cx="0" cy="0"/>
-        </a:xfrm>
-      </p:grpSpPr>
-      <p:grpSp>
-        <p:nvGrpSpPr>
-          <p:cNvPr id="2" name="object 2"/>
-          <p:cNvGrpSpPr/>
-          <p:nvPr/>
-        </p:nvGrpSpPr>
-        <p:grpSpPr>
-          <a:xfrm>
-            <a:off x="0" y="63"/>
-            <a:ext cx="12197080" cy="2200275"/>
-            <a:chOff x="0" y="63"/>
-            <a:chExt cx="12197080" cy="2200275"/>
-          </a:xfrm>
-        </p:grpSpPr>
-        <p:pic>
-          <p:nvPicPr>
-            <p:cNvPr id="3" name="object 3"/>
-            <p:cNvPicPr/>
-            <p:nvPr/>
-          </p:nvPicPr>
-          <p:blipFill>
-            <a:blip r:embed="rId2" cstate="print"/>
-            <a:stretch>
-              <a:fillRect/>
-            </a:stretch>
-          </p:blipFill>
-          <p:spPr>
-            <a:xfrm>
-              <a:off x="4763" y="4825"/>
-              <a:ext cx="12187236" cy="2190750"/>
-            </a:xfrm>
-            <a:prstGeom prst="rect">
-              <a:avLst/>
-            </a:prstGeom>
-          </p:spPr>
-        </p:pic>
-        <p:sp>
-          <p:nvSpPr>
-            <p:cNvPr id="4" name="object 4"/>
-            <p:cNvSpPr/>
-            <p:nvPr/>
-          </p:nvSpPr>
-          <p:spPr>
-            <a:xfrm>
-              <a:off x="4763" y="4825"/>
-              <a:ext cx="12187555" cy="2190750"/>
-            </a:xfrm>
-            <a:custGeom>
-              <a:avLst/>
-              <a:gdLst/>
-              <a:ahLst/>
-              <a:cxnLst/>
-              <a:rect l="l" t="t" r="r" b="b"/>
-              <a:pathLst>
-                <a:path w="12187555" h="2190750">
-                  <a:moveTo>
-                    <a:pt x="12187236" y="0"/>
-                  </a:moveTo>
-                  <a:lnTo>
-                    <a:pt x="0" y="0"/>
-                  </a:lnTo>
-                  <a:lnTo>
-                    <a:pt x="0" y="1891538"/>
-                  </a:lnTo>
-                  <a:lnTo>
-                    <a:pt x="1995994" y="1891538"/>
-                  </a:lnTo>
-                  <a:lnTo>
-                    <a:pt x="2376994" y="2177923"/>
-                  </a:lnTo>
-                  <a:lnTo>
-                    <a:pt x="2385503" y="2181098"/>
-                  </a:lnTo>
-                  <a:lnTo>
-                    <a:pt x="2398203" y="2185924"/>
-                  </a:lnTo>
-                  <a:lnTo>
-                    <a:pt x="2410903" y="2190750"/>
-                  </a:lnTo>
-                  <a:lnTo>
-                    <a:pt x="2421444" y="2190750"/>
-                  </a:lnTo>
-                  <a:lnTo>
-                    <a:pt x="2434144" y="2190750"/>
-                  </a:lnTo>
-                  <a:lnTo>
-                    <a:pt x="2444812" y="2185924"/>
-                  </a:lnTo>
-                  <a:lnTo>
-                    <a:pt x="2457512" y="2181098"/>
-                  </a:lnTo>
-                  <a:lnTo>
-                    <a:pt x="2465894" y="2177923"/>
-                  </a:lnTo>
-                  <a:lnTo>
-                    <a:pt x="2846894" y="1891538"/>
-                  </a:lnTo>
-                  <a:lnTo>
-                    <a:pt x="12187236" y="1891538"/>
-                  </a:lnTo>
-                </a:path>
-              </a:pathLst>
-            </a:custGeom>
-            <a:ln w="9525">
-              <a:solidFill>
-                <a:srgbClr val="00C5BA"/>
-              </a:solidFill>
-            </a:ln>
-          </p:spPr>
-          <p:txBody>
-            <a:bodyPr wrap="square" lIns="0" tIns="0" rIns="0" bIns="0" rtlCol="0"/>
-            <a:lstStyle/>
-            <a:p>
-              <a:endParaRPr/>
-            </a:p>
-          </p:txBody>
-        </p:sp>
-      </p:grpSp>
-      <p:grpSp>
-        <p:nvGrpSpPr>
-          <p:cNvPr id="5" name="object 5"/>
-          <p:cNvGrpSpPr/>
-          <p:nvPr/>
-        </p:nvGrpSpPr>
-        <p:grpSpPr>
-          <a:xfrm>
-            <a:off x="-7937" y="0"/>
-            <a:ext cx="12207875" cy="1901825"/>
-            <a:chOff x="-7937" y="0"/>
-            <a:chExt cx="12207875" cy="1901825"/>
-          </a:xfrm>
-        </p:grpSpPr>
-        <p:sp>
-          <p:nvSpPr>
-            <p:cNvPr id="6" name="object 6"/>
-            <p:cNvSpPr/>
-            <p:nvPr/>
-          </p:nvSpPr>
-          <p:spPr>
-            <a:xfrm>
-              <a:off x="0" y="0"/>
-              <a:ext cx="12192000" cy="1885950"/>
-            </a:xfrm>
-            <a:custGeom>
-              <a:avLst/>
-              <a:gdLst/>
-              <a:ahLst/>
-              <a:cxnLst/>
-              <a:rect l="l" t="t" r="r" b="b"/>
-              <a:pathLst>
-                <a:path w="12192000" h="1885950">
-                  <a:moveTo>
-                    <a:pt x="12192000" y="0"/>
-                  </a:moveTo>
-                  <a:lnTo>
-                    <a:pt x="0" y="0"/>
-                  </a:lnTo>
-                  <a:lnTo>
-                    <a:pt x="0" y="1885950"/>
-                  </a:lnTo>
-                  <a:lnTo>
-                    <a:pt x="12192000" y="1885950"/>
-                  </a:lnTo>
-                  <a:lnTo>
-                    <a:pt x="12192000" y="0"/>
-                  </a:lnTo>
-                  <a:close/>
-                </a:path>
-              </a:pathLst>
-            </a:custGeom>
-            <a:solidFill>
-              <a:srgbClr val="273B5C"/>
-            </a:solidFill>
-          </p:spPr>
-          <p:txBody>
-            <a:bodyPr wrap="square" lIns="0" tIns="0" rIns="0" bIns="0" rtlCol="0"/>
-            <a:lstStyle/>
-            <a:p>
-              <a:endParaRPr/>
-            </a:p>
-          </p:txBody>
-        </p:sp>
-        <p:sp>
-          <p:nvSpPr>
-            <p:cNvPr id="7" name="object 7"/>
-            <p:cNvSpPr/>
-            <p:nvPr/>
-          </p:nvSpPr>
-          <p:spPr>
-            <a:xfrm>
-              <a:off x="0" y="0"/>
-              <a:ext cx="12192000" cy="1885950"/>
-            </a:xfrm>
-            <a:custGeom>
-              <a:avLst/>
-              <a:gdLst/>
-              <a:ahLst/>
-              <a:cxnLst/>
-              <a:rect l="l" t="t" r="r" b="b"/>
-              <a:pathLst>
-                <a:path w="12192000" h="1885950">
-                  <a:moveTo>
-                    <a:pt x="0" y="1885950"/>
-                  </a:moveTo>
-                  <a:lnTo>
-                    <a:pt x="12192000" y="1885950"/>
-                  </a:lnTo>
-                  <a:lnTo>
-                    <a:pt x="12192000" y="0"/>
-                  </a:lnTo>
-                  <a:lnTo>
-                    <a:pt x="0" y="0"/>
-                  </a:lnTo>
-                  <a:lnTo>
-                    <a:pt x="0" y="1885950"/>
-                  </a:lnTo>
-                  <a:close/>
-                </a:path>
-              </a:pathLst>
-            </a:custGeom>
-            <a:ln w="15875">
-              <a:solidFill>
-                <a:srgbClr val="273B5C"/>
-              </a:solidFill>
-            </a:ln>
-          </p:spPr>
-          <p:txBody>
-            <a:bodyPr wrap="square" lIns="0" tIns="0" rIns="0" bIns="0" rtlCol="0"/>
-            <a:lstStyle/>
-            <a:p>
-              <a:endParaRPr/>
-            </a:p>
-          </p:txBody>
-        </p:sp>
-      </p:grpSp>
-      <p:sp>
-        <p:nvSpPr>
-          <p:cNvPr id="8" name="object 8"/>
-          <p:cNvSpPr txBox="1">
-            <a:spLocks noGrp="1"/>
-          </p:cNvSpPr>
-          <p:nvPr>
-            <p:ph type="title"/>
-          </p:nvPr>
-        </p:nvSpPr>
-        <p:spPr>
-          <a:xfrm>
-            <a:off x="3863594" y="524827"/>
-            <a:ext cx="4460240" cy="758190"/>
-          </a:xfrm>
-          <a:prstGeom prst="rect">
-            <a:avLst/>
-          </a:prstGeom>
-        </p:spPr>
-        <p:txBody>
-          <a:bodyPr vert="horz" wrap="square" lIns="0" tIns="13335" rIns="0" bIns="0" rtlCol="0">
-            <a:spAutoFit/>
-          </a:bodyPr>
-          <a:lstStyle/>
-          <a:p>
-            <a:pPr marL="12700">
-              <a:lnSpc>
-                <a:spcPct val="100000"/>
-              </a:lnSpc>
-              <a:spcBef>
-                <a:spcPts val="105"/>
-              </a:spcBef>
-            </a:pPr>
-            <a:r>
-              <a:rPr spc="25"/>
-              <a:t>A</a:t>
-            </a:r>
-            <a:r>
-              <a:rPr spc="-5"/>
-              <a:t>p</a:t>
-            </a:r>
-            <a:r>
-              <a:rPr spc="-55"/>
-              <a:t>l</a:t>
-            </a:r>
-            <a:r>
-              <a:rPr spc="-45"/>
-              <a:t>i</a:t>
-            </a:r>
-            <a:r>
-              <a:rPr spc="-5"/>
-              <a:t>c</a:t>
-            </a:r>
-            <a:r>
-              <a:rPr spc="15"/>
-              <a:t>a</a:t>
-            </a:r>
-            <a:r>
-              <a:rPr spc="-5"/>
-              <a:t>ç</a:t>
-            </a:r>
-            <a:r>
-              <a:rPr spc="15"/>
-              <a:t>ã</a:t>
-            </a:r>
-            <a:r>
-              <a:rPr spc="120"/>
-              <a:t>o</a:t>
-            </a:r>
-            <a:r>
-              <a:rPr spc="-670"/>
-              <a:t> </a:t>
-            </a:r>
-            <a:r>
-              <a:rPr spc="585"/>
-              <a:t>J</a:t>
-            </a:r>
-            <a:r>
-              <a:rPr spc="-45"/>
-              <a:t>a</a:t>
-            </a:r>
-            <a:r>
-              <a:rPr spc="-75"/>
-              <a:t>va</a:t>
-            </a:r>
-          </a:p>
-        </p:txBody>
-      </p:sp>
-      <p:grpSp>
-        <p:nvGrpSpPr>
-          <p:cNvPr id="9" name="object 9"/>
-          <p:cNvGrpSpPr/>
-          <p:nvPr/>
-        </p:nvGrpSpPr>
-        <p:grpSpPr>
-          <a:xfrm>
-            <a:off x="142875" y="238125"/>
-            <a:ext cx="7967980" cy="6615430"/>
-            <a:chOff x="142875" y="238125"/>
-            <a:chExt cx="7967980" cy="6615430"/>
-          </a:xfrm>
-        </p:grpSpPr>
-        <p:sp>
-          <p:nvSpPr>
-            <p:cNvPr id="10" name="object 10"/>
-            <p:cNvSpPr/>
-            <p:nvPr/>
-          </p:nvSpPr>
-          <p:spPr>
-            <a:xfrm>
-              <a:off x="1962150" y="1495425"/>
-              <a:ext cx="904875" cy="742950"/>
-            </a:xfrm>
-            <a:custGeom>
-              <a:avLst/>
-              <a:gdLst/>
-              <a:ahLst/>
-              <a:cxnLst/>
-              <a:rect l="l" t="t" r="r" b="b"/>
-              <a:pathLst>
-                <a:path w="904875" h="742950">
-                  <a:moveTo>
-                    <a:pt x="452500" y="0"/>
-                  </a:moveTo>
-                  <a:lnTo>
-                    <a:pt x="0" y="371475"/>
-                  </a:lnTo>
-                  <a:lnTo>
-                    <a:pt x="452500" y="742950"/>
-                  </a:lnTo>
-                  <a:lnTo>
-                    <a:pt x="904875" y="371475"/>
-                  </a:lnTo>
-                  <a:lnTo>
-                    <a:pt x="452500" y="0"/>
-                  </a:lnTo>
-                  <a:close/>
-                </a:path>
-              </a:pathLst>
-            </a:custGeom>
-            <a:solidFill>
-              <a:srgbClr val="273B5C"/>
-            </a:solidFill>
-          </p:spPr>
-          <p:txBody>
-            <a:bodyPr wrap="square" lIns="0" tIns="0" rIns="0" bIns="0" rtlCol="0"/>
-            <a:lstStyle/>
-            <a:p>
-              <a:endParaRPr/>
-            </a:p>
-          </p:txBody>
-        </p:sp>
-        <p:sp>
-          <p:nvSpPr>
-            <p:cNvPr id="11" name="object 11"/>
-            <p:cNvSpPr/>
-            <p:nvPr/>
-          </p:nvSpPr>
-          <p:spPr>
-            <a:xfrm>
-              <a:off x="1962150" y="1495425"/>
-              <a:ext cx="904875" cy="742950"/>
-            </a:xfrm>
-            <a:custGeom>
-              <a:avLst/>
-              <a:gdLst/>
-              <a:ahLst/>
-              <a:cxnLst/>
-              <a:rect l="l" t="t" r="r" b="b"/>
-              <a:pathLst>
-                <a:path w="904875" h="742950">
-                  <a:moveTo>
-                    <a:pt x="0" y="371475"/>
-                  </a:moveTo>
-                  <a:lnTo>
-                    <a:pt x="904875" y="371475"/>
-                  </a:lnTo>
-                </a:path>
-                <a:path w="904875" h="742950">
-                  <a:moveTo>
-                    <a:pt x="0" y="371475"/>
-                  </a:moveTo>
-                  <a:lnTo>
-                    <a:pt x="452500" y="0"/>
-                  </a:lnTo>
-                  <a:lnTo>
-                    <a:pt x="904875" y="371475"/>
-                  </a:lnTo>
-                  <a:lnTo>
-                    <a:pt x="452500" y="742950"/>
-                  </a:lnTo>
-                  <a:lnTo>
-                    <a:pt x="0" y="371475"/>
-                  </a:lnTo>
-                  <a:close/>
-                </a:path>
-              </a:pathLst>
-            </a:custGeom>
-            <a:ln w="15875">
-              <a:solidFill>
-                <a:srgbClr val="273B5C"/>
-              </a:solidFill>
-            </a:ln>
-          </p:spPr>
-          <p:txBody>
-            <a:bodyPr wrap="square" lIns="0" tIns="0" rIns="0" bIns="0" rtlCol="0"/>
-            <a:lstStyle/>
-            <a:p>
-              <a:endParaRPr/>
-            </a:p>
-          </p:txBody>
-        </p:sp>
-        <p:pic>
-          <p:nvPicPr>
-            <p:cNvPr id="12" name="object 12"/>
-            <p:cNvPicPr/>
-            <p:nvPr/>
-          </p:nvPicPr>
-          <p:blipFill>
-            <a:blip r:embed="rId3" cstate="print"/>
-            <a:stretch>
-              <a:fillRect/>
-            </a:stretch>
-          </p:blipFill>
-          <p:spPr>
-            <a:xfrm>
-              <a:off x="142875" y="238125"/>
-              <a:ext cx="1400175" cy="1400175"/>
-            </a:xfrm>
-            <a:prstGeom prst="rect">
-              <a:avLst/>
-            </a:prstGeom>
-          </p:spPr>
-        </p:pic>
-        <p:pic>
-          <p:nvPicPr>
-            <p:cNvPr id="13" name="object 13"/>
-            <p:cNvPicPr/>
-            <p:nvPr/>
-          </p:nvPicPr>
-          <p:blipFill>
-            <a:blip r:embed="rId4" cstate="print"/>
-            <a:stretch>
-              <a:fillRect/>
-            </a:stretch>
-          </p:blipFill>
-          <p:spPr>
-            <a:xfrm>
-              <a:off x="3714750" y="2171636"/>
-              <a:ext cx="4395851" cy="4681601"/>
-            </a:xfrm>
-            <a:prstGeom prst="rect">
-              <a:avLst/>
-            </a:prstGeom>
-          </p:spPr>
-        </p:pic>
-      </p:grpSp>
-    </p:spTree>
-  </p:cSld>
-  <p:clrMapOvr>
-    <a:masterClrMapping/>
-  </p:clrMapOvr>
-</p:sld>
-</file>
-
-<file path=ppt/slides/slide14.xml><?xml version="1.0" encoding="utf-8"?>
-<p:sld xmlns:a="http://schemas.openxmlformats.org/drawingml/2006/main" xmlns:r="http://schemas.openxmlformats.org/officeDocument/2006/relationships" xmlns:p="http://schemas.openxmlformats.org/presentationml/2006/main">
-  <p:cSld>
-    <p:spTree>
-      <p:nvGrpSpPr>
-        <p:cNvPr id="1" name=""/>
-        <p:cNvGrpSpPr/>
-        <p:nvPr/>
-      </p:nvGrpSpPr>
-      <p:grpSpPr>
-        <a:xfrm>
-          <a:off x="0" y="0"/>
-          <a:ext cx="0" cy="0"/>
-          <a:chOff x="0" y="0"/>
-          <a:chExt cx="0" cy="0"/>
-        </a:xfrm>
-      </p:grpSpPr>
-      <p:grpSp>
-        <p:nvGrpSpPr>
-          <p:cNvPr id="2" name="object 2"/>
-          <p:cNvGrpSpPr/>
-          <p:nvPr/>
-        </p:nvGrpSpPr>
-        <p:grpSpPr>
-          <a:xfrm>
-            <a:off x="0" y="63"/>
-            <a:ext cx="12197080" cy="2200275"/>
-            <a:chOff x="0" y="63"/>
-            <a:chExt cx="12197080" cy="2200275"/>
-          </a:xfrm>
-        </p:grpSpPr>
-        <p:pic>
-          <p:nvPicPr>
-            <p:cNvPr id="3" name="object 3"/>
-            <p:cNvPicPr/>
-            <p:nvPr/>
-          </p:nvPicPr>
-          <p:blipFill>
-            <a:blip r:embed="rId2" cstate="print"/>
-            <a:stretch>
-              <a:fillRect/>
-            </a:stretch>
-          </p:blipFill>
-          <p:spPr>
-            <a:xfrm>
-              <a:off x="4763" y="4825"/>
-              <a:ext cx="12187236" cy="2190750"/>
-            </a:xfrm>
-            <a:prstGeom prst="rect">
-              <a:avLst/>
-            </a:prstGeom>
-          </p:spPr>
-        </p:pic>
-        <p:sp>
-          <p:nvSpPr>
-            <p:cNvPr id="4" name="object 4"/>
-            <p:cNvSpPr/>
-            <p:nvPr/>
-          </p:nvSpPr>
-          <p:spPr>
-            <a:xfrm>
-              <a:off x="4763" y="4825"/>
-              <a:ext cx="12187555" cy="2190750"/>
-            </a:xfrm>
-            <a:custGeom>
-              <a:avLst/>
-              <a:gdLst/>
-              <a:ahLst/>
-              <a:cxnLst/>
-              <a:rect l="l" t="t" r="r" b="b"/>
-              <a:pathLst>
-                <a:path w="12187555" h="2190750">
-                  <a:moveTo>
-                    <a:pt x="12187236" y="0"/>
-                  </a:moveTo>
-                  <a:lnTo>
-                    <a:pt x="0" y="0"/>
-                  </a:lnTo>
-                  <a:lnTo>
-                    <a:pt x="0" y="1891538"/>
-                  </a:lnTo>
-                  <a:lnTo>
-                    <a:pt x="1995994" y="1891538"/>
-                  </a:lnTo>
-                  <a:lnTo>
-                    <a:pt x="2376994" y="2177923"/>
-                  </a:lnTo>
-                  <a:lnTo>
-                    <a:pt x="2385503" y="2181098"/>
-                  </a:lnTo>
-                  <a:lnTo>
-                    <a:pt x="2398203" y="2185924"/>
-                  </a:lnTo>
-                  <a:lnTo>
-                    <a:pt x="2410903" y="2190750"/>
-                  </a:lnTo>
-                  <a:lnTo>
-                    <a:pt x="2421444" y="2190750"/>
-                  </a:lnTo>
-                  <a:lnTo>
-                    <a:pt x="2434144" y="2190750"/>
-                  </a:lnTo>
-                  <a:lnTo>
-                    <a:pt x="2444812" y="2185924"/>
-                  </a:lnTo>
-                  <a:lnTo>
-                    <a:pt x="2457512" y="2181098"/>
-                  </a:lnTo>
-                  <a:lnTo>
-                    <a:pt x="2465894" y="2177923"/>
-                  </a:lnTo>
-                  <a:lnTo>
-                    <a:pt x="2846894" y="1891538"/>
-                  </a:lnTo>
-                  <a:lnTo>
-                    <a:pt x="12187236" y="1891538"/>
-                  </a:lnTo>
-                </a:path>
-              </a:pathLst>
-            </a:custGeom>
-            <a:ln w="9525">
-              <a:solidFill>
-                <a:srgbClr val="00C5BA"/>
-              </a:solidFill>
-            </a:ln>
-          </p:spPr>
-          <p:txBody>
-            <a:bodyPr wrap="square" lIns="0" tIns="0" rIns="0" bIns="0" rtlCol="0"/>
-            <a:lstStyle/>
-            <a:p>
-              <a:endParaRPr/>
-            </a:p>
-          </p:txBody>
-        </p:sp>
-      </p:grpSp>
-      <p:grpSp>
-        <p:nvGrpSpPr>
-          <p:cNvPr id="5" name="object 5"/>
-          <p:cNvGrpSpPr/>
-          <p:nvPr/>
-        </p:nvGrpSpPr>
-        <p:grpSpPr>
-          <a:xfrm>
-            <a:off x="-7937" y="0"/>
-            <a:ext cx="12207875" cy="1901825"/>
-            <a:chOff x="-7937" y="0"/>
-            <a:chExt cx="12207875" cy="1901825"/>
-          </a:xfrm>
-        </p:grpSpPr>
-        <p:sp>
-          <p:nvSpPr>
-            <p:cNvPr id="6" name="object 6"/>
-            <p:cNvSpPr/>
-            <p:nvPr/>
-          </p:nvSpPr>
-          <p:spPr>
-            <a:xfrm>
-              <a:off x="0" y="0"/>
-              <a:ext cx="12192000" cy="1885950"/>
-            </a:xfrm>
-            <a:custGeom>
-              <a:avLst/>
-              <a:gdLst/>
-              <a:ahLst/>
-              <a:cxnLst/>
-              <a:rect l="l" t="t" r="r" b="b"/>
-              <a:pathLst>
-                <a:path w="12192000" h="1885950">
-                  <a:moveTo>
-                    <a:pt x="12192000" y="0"/>
-                  </a:moveTo>
-                  <a:lnTo>
-                    <a:pt x="0" y="0"/>
-                  </a:lnTo>
-                  <a:lnTo>
-                    <a:pt x="0" y="1885950"/>
-                  </a:lnTo>
-                  <a:lnTo>
-                    <a:pt x="12192000" y="1885950"/>
-                  </a:lnTo>
-                  <a:lnTo>
-                    <a:pt x="12192000" y="0"/>
-                  </a:lnTo>
-                  <a:close/>
-                </a:path>
-              </a:pathLst>
-            </a:custGeom>
-            <a:solidFill>
-              <a:srgbClr val="273B5C"/>
-            </a:solidFill>
-          </p:spPr>
-          <p:txBody>
-            <a:bodyPr wrap="square" lIns="0" tIns="0" rIns="0" bIns="0" rtlCol="0"/>
-            <a:lstStyle/>
-            <a:p>
-              <a:endParaRPr/>
-            </a:p>
-          </p:txBody>
-        </p:sp>
-        <p:sp>
-          <p:nvSpPr>
-            <p:cNvPr id="7" name="object 7"/>
-            <p:cNvSpPr/>
-            <p:nvPr/>
-          </p:nvSpPr>
-          <p:spPr>
-            <a:xfrm>
-              <a:off x="0" y="0"/>
-              <a:ext cx="12192000" cy="1885950"/>
-            </a:xfrm>
-            <a:custGeom>
-              <a:avLst/>
-              <a:gdLst/>
-              <a:ahLst/>
-              <a:cxnLst/>
-              <a:rect l="l" t="t" r="r" b="b"/>
-              <a:pathLst>
-                <a:path w="12192000" h="1885950">
-                  <a:moveTo>
-                    <a:pt x="0" y="1885950"/>
-                  </a:moveTo>
-                  <a:lnTo>
-                    <a:pt x="12192000" y="1885950"/>
-                  </a:lnTo>
-                  <a:lnTo>
-                    <a:pt x="12192000" y="0"/>
-                  </a:lnTo>
-                  <a:lnTo>
-                    <a:pt x="0" y="0"/>
-                  </a:lnTo>
-                  <a:lnTo>
-                    <a:pt x="0" y="1885950"/>
-                  </a:lnTo>
-                  <a:close/>
-                </a:path>
-              </a:pathLst>
-            </a:custGeom>
-            <a:ln w="15875">
-              <a:solidFill>
-                <a:srgbClr val="273B5C"/>
-              </a:solidFill>
-            </a:ln>
-          </p:spPr>
-          <p:txBody>
-            <a:bodyPr wrap="square" lIns="0" tIns="0" rIns="0" bIns="0" rtlCol="0"/>
-            <a:lstStyle/>
-            <a:p>
-              <a:endParaRPr/>
-            </a:p>
-          </p:txBody>
-        </p:sp>
-      </p:grpSp>
-      <p:sp>
-        <p:nvSpPr>
-          <p:cNvPr id="8" name="object 8"/>
           <p:cNvSpPr txBox="1">
             <a:spLocks noGrp="1"/>
           </p:cNvSpPr>
@@ -5538,7 +4760,7 @@
 </p:sld>
 </file>
 
-<file path=ppt/slides/slide15.xml><?xml version="1.0" encoding="utf-8"?>
+<file path=ppt/slides/slide13.xml><?xml version="1.0" encoding="utf-8"?>
 <p:sld xmlns:a="http://schemas.openxmlformats.org/drawingml/2006/main" xmlns:r="http://schemas.openxmlformats.org/officeDocument/2006/relationships" xmlns:p="http://schemas.openxmlformats.org/presentationml/2006/main">
   <p:cSld>
     <p:spTree>
@@ -6242,7 +5464,7 @@
 </p:sld>
 </file>
 
-<file path=ppt/slides/slide16.xml><?xml version="1.0" encoding="utf-8"?>
+<file path=ppt/slides/slide14.xml><?xml version="1.0" encoding="utf-8"?>
 <p:sld xmlns:a="http://schemas.openxmlformats.org/drawingml/2006/main" xmlns:r="http://schemas.openxmlformats.org/officeDocument/2006/relationships" xmlns:p="http://schemas.openxmlformats.org/presentationml/2006/main">
   <p:cSld>
     <p:spTree>
@@ -10884,7 +10106,7 @@
         <p:grpSpPr>
           <a:xfrm>
             <a:off x="133350" y="95250"/>
-            <a:ext cx="2741930" cy="2151380"/>
+            <a:ext cx="2792730" cy="2190750"/>
             <a:chOff x="133350" y="95250"/>
             <a:chExt cx="2741930" cy="2151380"/>
           </a:xfrm>
@@ -11044,6 +10266,100 @@
           </a:prstGeom>
         </p:spPr>
       </p:pic>
+      <p:sp>
+        <p:nvSpPr>
+          <p:cNvPr id="14" name="CaixaDeTexto 13">
+            <a:extLst>
+              <a:ext uri="{FF2B5EF4-FFF2-40B4-BE49-F238E27FC236}">
+                <a16:creationId xmlns:a16="http://schemas.microsoft.com/office/drawing/2014/main" id="{0342FA5A-7D66-2FC7-3202-8FC6F9836DE2}"/>
+              </a:ext>
+            </a:extLst>
+          </p:cNvPr>
+          <p:cNvSpPr txBox="1"/>
+          <p:nvPr/>
+        </p:nvSpPr>
+        <p:spPr>
+          <a:xfrm>
+            <a:off x="1575582" y="3024554"/>
+            <a:ext cx="4994030" cy="3139321"/>
+          </a:xfrm>
+          <a:prstGeom prst="rect">
+            <a:avLst/>
+          </a:prstGeom>
+          <a:noFill/>
+        </p:spPr>
+        <p:txBody>
+          <a:bodyPr wrap="square" rtlCol="0">
+            <a:spAutoFit/>
+          </a:bodyPr>
+          <a:lstStyle/>
+          <a:p>
+            <a:pPr marL="285750" indent="-285750">
+              <a:buFont typeface="Arial" panose="020B0604020202020204" pitchFamily="34" charset="0"/>
+              <a:buChar char="•"/>
+            </a:pPr>
+            <a:r>
+              <a:rPr lang="pt-BR" dirty="0"/>
+              <a:t>Implementação deve crescer em 16% ao ano até 2023;</a:t>
+            </a:r>
+          </a:p>
+          <a:p>
+            <a:pPr marL="285750" indent="-285750">
+              <a:buFont typeface="Arial" panose="020B0604020202020204" pitchFamily="34" charset="0"/>
+              <a:buChar char="•"/>
+            </a:pPr>
+            <a:endParaRPr lang="pt-BR" dirty="0"/>
+          </a:p>
+          <a:p>
+            <a:pPr marL="285750" indent="-285750">
+              <a:buFont typeface="Arial" panose="020B0604020202020204" pitchFamily="34" charset="0"/>
+              <a:buChar char="•"/>
+            </a:pPr>
+            <a:r>
+              <a:rPr lang="pt-BR" dirty="0"/>
+              <a:t>Fim da bilheteria manual;</a:t>
+            </a:r>
+          </a:p>
+          <a:p>
+            <a:pPr marL="285750" indent="-285750">
+              <a:buFont typeface="Arial" panose="020B0604020202020204" pitchFamily="34" charset="0"/>
+              <a:buChar char="•"/>
+            </a:pPr>
+            <a:endParaRPr lang="pt-BR" dirty="0"/>
+          </a:p>
+          <a:p>
+            <a:pPr marL="285750" indent="-285750">
+              <a:buFont typeface="Arial" panose="020B0604020202020204" pitchFamily="34" charset="0"/>
+              <a:buChar char="•"/>
+            </a:pPr>
+            <a:r>
+              <a:rPr lang="pt-BR" dirty="0"/>
+              <a:t>A resolução de problemas demoram aproximadamente 8 horas para serem solucionadas;</a:t>
+            </a:r>
+          </a:p>
+          <a:p>
+            <a:pPr marL="285750" indent="-285750">
+              <a:buFont typeface="Arial" panose="020B0604020202020204" pitchFamily="34" charset="0"/>
+              <a:buChar char="•"/>
+            </a:pPr>
+            <a:endParaRPr lang="pt-BR" dirty="0"/>
+          </a:p>
+          <a:p>
+            <a:pPr marL="285750" indent="-285750">
+              <a:buFont typeface="Arial" panose="020B0604020202020204" pitchFamily="34" charset="0"/>
+              <a:buChar char="•"/>
+            </a:pPr>
+            <a:endParaRPr lang="pt-BR" dirty="0"/>
+          </a:p>
+          <a:p>
+            <a:pPr marL="285750" indent="-285750">
+              <a:buFont typeface="Arial" panose="020B0604020202020204" pitchFamily="34" charset="0"/>
+              <a:buChar char="•"/>
+            </a:pPr>
+            <a:endParaRPr lang="pt-BR" dirty="0"/>
+          </a:p>
+        </p:txBody>
+      </p:sp>
     </p:spTree>
   </p:cSld>
   <p:clrMapOvr>
@@ -11053,7 +10369,7 @@
 </file>
 
 <file path=ppt/slides/slide4.xml><?xml version="1.0" encoding="utf-8"?>
-<p:sld xmlns:a="http://schemas.openxmlformats.org/drawingml/2006/main" xmlns:r="http://schemas.openxmlformats.org/officeDocument/2006/relationships" xmlns:p="http://schemas.openxmlformats.org/presentationml/2006/main">
+<p:sld xmlns:a="http://schemas.openxmlformats.org/drawingml/2006/main" xmlns:r="http://schemas.openxmlformats.org/officeDocument/2006/relationships" xmlns:p="http://schemas.openxmlformats.org/presentationml/2006/main" showMasterSp="0">
   <p:cSld>
     <p:spTree>
       <p:nvGrpSpPr>
@@ -11069,229 +10385,59 @@
           <a:chExt cx="0" cy="0"/>
         </a:xfrm>
       </p:grpSpPr>
-      <p:grpSp>
-        <p:nvGrpSpPr>
-          <p:cNvPr id="2" name="object 2"/>
-          <p:cNvGrpSpPr/>
-          <p:nvPr/>
-        </p:nvGrpSpPr>
-        <p:grpSpPr>
-          <a:xfrm>
-            <a:off x="-7937" y="0"/>
-            <a:ext cx="12207875" cy="2208530"/>
-            <a:chOff x="-7937" y="0"/>
-            <a:chExt cx="12207875" cy="2208530"/>
-          </a:xfrm>
-        </p:grpSpPr>
-        <p:pic>
-          <p:nvPicPr>
-            <p:cNvPr id="3" name="object 3"/>
-            <p:cNvPicPr/>
-            <p:nvPr/>
-          </p:nvPicPr>
-          <p:blipFill>
-            <a:blip r:embed="rId2" cstate="print"/>
-            <a:stretch>
-              <a:fillRect/>
-            </a:stretch>
-          </p:blipFill>
-          <p:spPr>
-            <a:xfrm>
-              <a:off x="4763" y="4825"/>
-              <a:ext cx="12187236" cy="2190750"/>
-            </a:xfrm>
-            <a:prstGeom prst="rect">
-              <a:avLst/>
-            </a:prstGeom>
-          </p:spPr>
-        </p:pic>
-        <p:sp>
-          <p:nvSpPr>
-            <p:cNvPr id="4" name="object 4"/>
-            <p:cNvSpPr/>
-            <p:nvPr/>
-          </p:nvSpPr>
-          <p:spPr>
-            <a:xfrm>
-              <a:off x="4763" y="4825"/>
-              <a:ext cx="12187555" cy="2190750"/>
-            </a:xfrm>
-            <a:custGeom>
-              <a:avLst/>
-              <a:gdLst/>
-              <a:ahLst/>
-              <a:cxnLst/>
-              <a:rect l="l" t="t" r="r" b="b"/>
-              <a:pathLst>
-                <a:path w="12187555" h="2190750">
-                  <a:moveTo>
-                    <a:pt x="12187236" y="0"/>
-                  </a:moveTo>
-                  <a:lnTo>
-                    <a:pt x="0" y="0"/>
-                  </a:lnTo>
-                  <a:lnTo>
-                    <a:pt x="0" y="1891538"/>
-                  </a:lnTo>
-                  <a:lnTo>
-                    <a:pt x="1995994" y="1891538"/>
-                  </a:lnTo>
-                  <a:lnTo>
-                    <a:pt x="2376994" y="2177923"/>
-                  </a:lnTo>
-                  <a:lnTo>
-                    <a:pt x="2385503" y="2181098"/>
-                  </a:lnTo>
-                  <a:lnTo>
-                    <a:pt x="2398203" y="2185924"/>
-                  </a:lnTo>
-                  <a:lnTo>
-                    <a:pt x="2410903" y="2190750"/>
-                  </a:lnTo>
-                  <a:lnTo>
-                    <a:pt x="2421444" y="2190750"/>
-                  </a:lnTo>
-                  <a:lnTo>
-                    <a:pt x="2434144" y="2190750"/>
-                  </a:lnTo>
-                  <a:lnTo>
-                    <a:pt x="2444812" y="2185924"/>
-                  </a:lnTo>
-                  <a:lnTo>
-                    <a:pt x="2457512" y="2181098"/>
-                  </a:lnTo>
-                  <a:lnTo>
-                    <a:pt x="2465894" y="2177923"/>
-                  </a:lnTo>
-                  <a:lnTo>
-                    <a:pt x="2846894" y="1891538"/>
-                  </a:lnTo>
-                  <a:lnTo>
-                    <a:pt x="12187236" y="1891538"/>
-                  </a:lnTo>
-                </a:path>
-              </a:pathLst>
-            </a:custGeom>
-            <a:ln w="9525">
-              <a:solidFill>
-                <a:srgbClr val="00C5BA"/>
-              </a:solidFill>
-            </a:ln>
-          </p:spPr>
-          <p:txBody>
-            <a:bodyPr wrap="square" lIns="0" tIns="0" rIns="0" bIns="0" rtlCol="0"/>
-            <a:lstStyle/>
-            <a:p>
-              <a:endParaRPr/>
-            </a:p>
-          </p:txBody>
-        </p:sp>
-        <p:sp>
-          <p:nvSpPr>
-            <p:cNvPr id="5" name="object 5"/>
-            <p:cNvSpPr/>
-            <p:nvPr/>
-          </p:nvSpPr>
-          <p:spPr>
-            <a:xfrm>
-              <a:off x="0" y="0"/>
-              <a:ext cx="12192000" cy="1885950"/>
-            </a:xfrm>
-            <a:custGeom>
-              <a:avLst/>
-              <a:gdLst/>
-              <a:ahLst/>
-              <a:cxnLst/>
-              <a:rect l="l" t="t" r="r" b="b"/>
-              <a:pathLst>
-                <a:path w="12192000" h="1885950">
-                  <a:moveTo>
-                    <a:pt x="12192000" y="0"/>
-                  </a:moveTo>
-                  <a:lnTo>
-                    <a:pt x="0" y="0"/>
-                  </a:lnTo>
-                  <a:lnTo>
-                    <a:pt x="0" y="1885950"/>
-                  </a:lnTo>
-                  <a:lnTo>
-                    <a:pt x="12192000" y="1885950"/>
-                  </a:lnTo>
-                  <a:lnTo>
-                    <a:pt x="12192000" y="0"/>
-                  </a:lnTo>
-                  <a:close/>
-                </a:path>
-              </a:pathLst>
-            </a:custGeom>
-            <a:solidFill>
-              <a:srgbClr val="273B5C"/>
-            </a:solidFill>
-          </p:spPr>
-          <p:txBody>
-            <a:bodyPr wrap="square" lIns="0" tIns="0" rIns="0" bIns="0" rtlCol="0"/>
-            <a:lstStyle/>
-            <a:p>
-              <a:endParaRPr/>
-            </a:p>
-          </p:txBody>
-        </p:sp>
-        <p:sp>
-          <p:nvSpPr>
-            <p:cNvPr id="6" name="object 6"/>
-            <p:cNvSpPr/>
-            <p:nvPr/>
-          </p:nvSpPr>
-          <p:spPr>
-            <a:xfrm>
-              <a:off x="0" y="0"/>
-              <a:ext cx="12192000" cy="1885950"/>
-            </a:xfrm>
-            <a:custGeom>
-              <a:avLst/>
-              <a:gdLst/>
-              <a:ahLst/>
-              <a:cxnLst/>
-              <a:rect l="l" t="t" r="r" b="b"/>
-              <a:pathLst>
-                <a:path w="12192000" h="1885950">
-                  <a:moveTo>
-                    <a:pt x="0" y="1885950"/>
-                  </a:moveTo>
-                  <a:lnTo>
-                    <a:pt x="12192000" y="1885950"/>
-                  </a:lnTo>
-                  <a:lnTo>
-                    <a:pt x="12192000" y="0"/>
-                  </a:lnTo>
-                  <a:lnTo>
-                    <a:pt x="0" y="0"/>
-                  </a:lnTo>
-                  <a:lnTo>
-                    <a:pt x="0" y="1885950"/>
-                  </a:lnTo>
-                  <a:close/>
-                </a:path>
-              </a:pathLst>
-            </a:custGeom>
-            <a:ln w="15875">
-              <a:solidFill>
-                <a:srgbClr val="273B5C"/>
-              </a:solidFill>
-            </a:ln>
-          </p:spPr>
-          <p:txBody>
-            <a:bodyPr wrap="square" lIns="0" tIns="0" rIns="0" bIns="0" rtlCol="0"/>
-            <a:lstStyle/>
-            <a:p>
-              <a:endParaRPr/>
-            </a:p>
-          </p:txBody>
-        </p:sp>
-      </p:grpSp>
       <p:sp>
         <p:nvSpPr>
-          <p:cNvPr id="7" name="object 7"/>
+          <p:cNvPr id="2" name="object 2"/>
+          <p:cNvSpPr/>
+          <p:nvPr/>
+        </p:nvSpPr>
+        <p:spPr>
+          <a:xfrm>
+            <a:off x="0" y="0"/>
+            <a:ext cx="12192000" cy="6858000"/>
+          </a:xfrm>
+          <a:custGeom>
+            <a:avLst/>
+            <a:gdLst/>
+            <a:ahLst/>
+            <a:cxnLst/>
+            <a:rect l="l" t="t" r="r" b="b"/>
+            <a:pathLst>
+              <a:path w="12192000" h="6858000">
+                <a:moveTo>
+                  <a:pt x="12192000" y="0"/>
+                </a:moveTo>
+                <a:lnTo>
+                  <a:pt x="0" y="0"/>
+                </a:lnTo>
+                <a:lnTo>
+                  <a:pt x="0" y="6858000"/>
+                </a:lnTo>
+                <a:lnTo>
+                  <a:pt x="12192000" y="6858000"/>
+                </a:lnTo>
+                <a:lnTo>
+                  <a:pt x="12192000" y="0"/>
+                </a:lnTo>
+                <a:close/>
+              </a:path>
+            </a:pathLst>
+          </a:custGeom>
+          <a:solidFill>
+            <a:srgbClr val="273B5C"/>
+          </a:solidFill>
+        </p:spPr>
+        <p:txBody>
+          <a:bodyPr wrap="square" lIns="0" tIns="0" rIns="0" bIns="0" rtlCol="0"/>
+          <a:lstStyle/>
+          <a:p>
+            <a:endParaRPr/>
+          </a:p>
+        </p:txBody>
+      </p:sp>
+      <p:sp>
+        <p:nvSpPr>
+          <p:cNvPr id="3" name="object 3"/>
           <p:cNvSpPr txBox="1">
             <a:spLocks noGrp="1"/>
           </p:cNvSpPr>
@@ -11301,8 +10447,8 @@
         </p:nvSpPr>
         <p:spPr>
           <a:xfrm>
-            <a:off x="3472815" y="524827"/>
-            <a:ext cx="5248910" cy="758190"/>
+            <a:off x="3968750" y="118110"/>
+            <a:ext cx="4279900" cy="758190"/>
           </a:xfrm>
           <a:prstGeom prst="rect">
             <a:avLst/>
@@ -11323,140 +10469,99 @@
               </a:spcBef>
             </a:pPr>
             <a:r>
-              <a:rPr dirty="0" err="1"/>
-              <a:t>Contextualização</a:t>
-            </a:r>
-            <a:endParaRPr dirty="0"/>
+              <a:rPr spc="100"/>
+              <a:t>P</a:t>
+            </a:r>
+            <a:r>
+              <a:rPr spc="-25"/>
+              <a:t>r</a:t>
+            </a:r>
+            <a:r>
+              <a:rPr spc="85"/>
+              <a:t>o</a:t>
+            </a:r>
+            <a:r>
+              <a:rPr spc="200"/>
+              <a:t>t</a:t>
+            </a:r>
+            <a:r>
+              <a:rPr spc="120"/>
+              <a:t>o</a:t>
+            </a:r>
+            <a:r>
+              <a:rPr spc="-605"/>
+              <a:t> </a:t>
+            </a:r>
+            <a:r>
+              <a:rPr spc="100"/>
+              <a:t>P</a:t>
+            </a:r>
+            <a:r>
+              <a:rPr spc="-15"/>
+              <a:t>e</a:t>
+            </a:r>
+            <a:r>
+              <a:rPr spc="-25"/>
+              <a:t>r</a:t>
+            </a:r>
+            <a:r>
+              <a:rPr spc="40"/>
+              <a:t>s</a:t>
+            </a:r>
+            <a:r>
+              <a:rPr spc="10"/>
+              <a:t>o</a:t>
+            </a:r>
+            <a:r>
+              <a:rPr spc="25"/>
+              <a:t>n</a:t>
+            </a:r>
+            <a:r>
+              <a:rPr spc="-60"/>
+              <a:t>a</a:t>
+            </a:r>
           </a:p>
         </p:txBody>
       </p:sp>
       <p:grpSp>
         <p:nvGrpSpPr>
-          <p:cNvPr id="8" name="object 8"/>
+          <p:cNvPr id="4" name="object 4"/>
           <p:cNvGrpSpPr/>
           <p:nvPr/>
         </p:nvGrpSpPr>
         <p:grpSpPr>
           <a:xfrm>
-            <a:off x="133350" y="95250"/>
-            <a:ext cx="2741930" cy="2151380"/>
-            <a:chOff x="133350" y="95250"/>
-            <a:chExt cx="2741930" cy="2151380"/>
+            <a:off x="923925" y="809625"/>
+            <a:ext cx="11163300" cy="5962650"/>
+            <a:chOff x="923925" y="809625"/>
+            <a:chExt cx="11163300" cy="5962650"/>
           </a:xfrm>
         </p:grpSpPr>
-        <p:sp>
-          <p:nvSpPr>
-            <p:cNvPr id="9" name="object 9"/>
-            <p:cNvSpPr/>
+        <p:pic>
+          <p:nvPicPr>
+            <p:cNvPr id="5" name="object 5"/>
+            <p:cNvPicPr/>
             <p:nvPr/>
-          </p:nvSpPr>
+          </p:nvPicPr>
+          <p:blipFill>
+            <a:blip r:embed="rId2" cstate="print"/>
+            <a:stretch>
+              <a:fillRect/>
+            </a:stretch>
+          </p:blipFill>
           <p:spPr>
             <a:xfrm>
-              <a:off x="1962150" y="1495425"/>
-              <a:ext cx="904875" cy="742950"/>
+              <a:off x="923925" y="809625"/>
+              <a:ext cx="10344150" cy="5857875"/>
             </a:xfrm>
-            <a:custGeom>
+            <a:prstGeom prst="rect">
               <a:avLst/>
-              <a:gdLst/>
-              <a:ahLst/>
-              <a:cxnLst/>
-              <a:rect l="l" t="t" r="r" b="b"/>
-              <a:pathLst>
-                <a:path w="904875" h="742950">
-                  <a:moveTo>
-                    <a:pt x="452500" y="0"/>
-                  </a:moveTo>
-                  <a:lnTo>
-                    <a:pt x="0" y="371475"/>
-                  </a:lnTo>
-                  <a:lnTo>
-                    <a:pt x="452500" y="742950"/>
-                  </a:lnTo>
-                  <a:lnTo>
-                    <a:pt x="904875" y="371475"/>
-                  </a:lnTo>
-                  <a:lnTo>
-                    <a:pt x="452500" y="0"/>
-                  </a:lnTo>
-                  <a:close/>
-                </a:path>
-              </a:pathLst>
-            </a:custGeom>
-            <a:solidFill>
-              <a:srgbClr val="273B5C"/>
-            </a:solidFill>
+            </a:prstGeom>
           </p:spPr>
-          <p:txBody>
-            <a:bodyPr wrap="square" lIns="0" tIns="0" rIns="0" bIns="0" rtlCol="0"/>
-            <a:lstStyle/>
-            <a:p>
-              <a:endParaRPr/>
-            </a:p>
-          </p:txBody>
-        </p:sp>
-        <p:sp>
-          <p:nvSpPr>
-            <p:cNvPr id="10" name="object 10"/>
-            <p:cNvSpPr/>
-            <p:nvPr/>
-          </p:nvSpPr>
-          <p:spPr>
-            <a:xfrm>
-              <a:off x="1962150" y="1495425"/>
-              <a:ext cx="904875" cy="742950"/>
-            </a:xfrm>
-            <a:custGeom>
-              <a:avLst/>
-              <a:gdLst/>
-              <a:ahLst/>
-              <a:cxnLst/>
-              <a:rect l="l" t="t" r="r" b="b"/>
-              <a:pathLst>
-                <a:path w="904875" h="742950">
-                  <a:moveTo>
-                    <a:pt x="0" y="371475"/>
-                  </a:moveTo>
-                  <a:lnTo>
-                    <a:pt x="904875" y="371475"/>
-                  </a:lnTo>
-                </a:path>
-                <a:path w="904875" h="742950">
-                  <a:moveTo>
-                    <a:pt x="0" y="371475"/>
-                  </a:moveTo>
-                  <a:lnTo>
-                    <a:pt x="452500" y="0"/>
-                  </a:lnTo>
-                  <a:lnTo>
-                    <a:pt x="904875" y="371475"/>
-                  </a:lnTo>
-                  <a:lnTo>
-                    <a:pt x="452500" y="742950"/>
-                  </a:lnTo>
-                  <a:lnTo>
-                    <a:pt x="0" y="371475"/>
-                  </a:lnTo>
-                  <a:close/>
-                </a:path>
-              </a:pathLst>
-            </a:custGeom>
-            <a:ln w="15875">
-              <a:solidFill>
-                <a:srgbClr val="273B5C"/>
-              </a:solidFill>
-            </a:ln>
-          </p:spPr>
-          <p:txBody>
-            <a:bodyPr wrap="square" lIns="0" tIns="0" rIns="0" bIns="0" rtlCol="0"/>
-            <a:lstStyle/>
-            <a:p>
-              <a:endParaRPr/>
-            </a:p>
-          </p:txBody>
-        </p:sp>
+        </p:pic>
         <p:pic>
           <p:nvPicPr>
-            <p:cNvPr id="11" name="object 11"/>
+            <p:cNvPr id="6" name="object 6"/>
             <p:cNvPicPr/>
             <p:nvPr/>
           </p:nvPicPr>
@@ -11468,8 +10573,8 @@
           </p:blipFill>
           <p:spPr>
             <a:xfrm>
-              <a:off x="133350" y="95250"/>
-              <a:ext cx="1638300" cy="1638300"/>
+              <a:off x="10982325" y="5667373"/>
+              <a:ext cx="1104900" cy="1104900"/>
             </a:xfrm>
             <a:prstGeom prst="rect">
               <a:avLst/>
@@ -11478,11 +10583,6 @@
         </p:pic>
       </p:grpSp>
     </p:spTree>
-    <p:extLst>
-      <p:ext uri="{BB962C8B-B14F-4D97-AF65-F5344CB8AC3E}">
-        <p14:creationId xmlns:p14="http://schemas.microsoft.com/office/powerpoint/2010/main" val="99815122"/>
-      </p:ext>
-    </p:extLst>
   </p:cSld>
   <p:clrMapOvr>
     <a:masterClrMapping/>
@@ -13401,7 +12501,7 @@
         </p:nvSpPr>
         <p:spPr>
           <a:xfrm>
-            <a:off x="0" y="0"/>
+            <a:off x="0" y="28136"/>
             <a:ext cx="12192000" cy="6858000"/>
           </a:xfrm>
           <a:custGeom>
@@ -13596,7 +12696,7 @@
         </p:blipFill>
         <p:spPr>
           <a:xfrm>
-            <a:off x="2504048" y="1044312"/>
+            <a:off x="2489980" y="1044312"/>
             <a:ext cx="6683650" cy="5609219"/>
           </a:xfrm>
           <a:prstGeom prst="rect">
@@ -13699,8 +12799,8 @@
         </p:nvSpPr>
         <p:spPr>
           <a:xfrm>
-            <a:off x="3968750" y="118110"/>
-            <a:ext cx="4279900" cy="758190"/>
+            <a:off x="1776095" y="118110"/>
+            <a:ext cx="8641715" cy="758190"/>
           </a:xfrm>
           <a:prstGeom prst="rect">
             <a:avLst/>
@@ -13721,568 +12821,124 @@
               </a:spcBef>
             </a:pPr>
             <a:r>
-              <a:rPr spc="100"/>
-              <a:t>P</a:t>
-            </a:r>
-            <a:r>
-              <a:rPr spc="-25"/>
+              <a:rPr spc="-170" dirty="0" err="1"/>
+              <a:t>D</a:t>
+            </a:r>
+            <a:r>
+              <a:rPr spc="-50" dirty="0" err="1"/>
+              <a:t>i</a:t>
+            </a:r>
+            <a:r>
+              <a:rPr spc="-40" dirty="0" err="1"/>
+              <a:t>a</a:t>
+            </a:r>
+            <a:r>
+              <a:rPr spc="-140" dirty="0" err="1"/>
+              <a:t>g</a:t>
+            </a:r>
+            <a:r>
+              <a:rPr spc="-25" dirty="0" err="1"/>
               <a:t>r</a:t>
             </a:r>
             <a:r>
-              <a:rPr spc="85"/>
+              <a:rPr spc="-40" dirty="0" err="1"/>
+              <a:t>a</a:t>
+            </a:r>
+            <a:r>
+              <a:rPr spc="-100" dirty="0" err="1"/>
+              <a:t>m</a:t>
+            </a:r>
+            <a:r>
+              <a:rPr spc="-60" dirty="0" err="1"/>
+              <a:t>a</a:t>
+            </a:r>
+            <a:r>
+              <a:rPr spc="-610" dirty="0"/>
+              <a:t> </a:t>
+            </a:r>
+            <a:r>
+              <a:rPr spc="10" dirty="0"/>
+              <a:t>d</a:t>
+            </a:r>
+            <a:r>
+              <a:rPr spc="-35" dirty="0"/>
+              <a:t>e</a:t>
+            </a:r>
+            <a:r>
+              <a:rPr spc="-615" dirty="0"/>
+              <a:t> </a:t>
+            </a:r>
+            <a:r>
+              <a:rPr spc="-65" dirty="0"/>
+              <a:t>B</a:t>
+            </a:r>
+            <a:r>
+              <a:rPr spc="-45" dirty="0"/>
+              <a:t>a</a:t>
+            </a:r>
+            <a:r>
+              <a:rPr spc="25" dirty="0"/>
+              <a:t>n</a:t>
+            </a:r>
+            <a:r>
+              <a:rPr spc="85" dirty="0"/>
+              <a:t>co</a:t>
+            </a:r>
+            <a:r>
+              <a:rPr spc="-605" dirty="0"/>
+              <a:t> </a:t>
+            </a:r>
+            <a:r>
+              <a:rPr spc="10" dirty="0"/>
+              <a:t>d</a:t>
+            </a:r>
+            <a:r>
+              <a:rPr spc="-35" dirty="0"/>
+              <a:t>e</a:t>
+            </a:r>
+            <a:r>
+              <a:rPr spc="-615" dirty="0"/>
+              <a:t> </a:t>
+            </a:r>
+            <a:r>
+              <a:rPr spc="10" dirty="0"/>
+              <a:t>d</a:t>
+            </a:r>
+            <a:r>
+              <a:rPr spc="-40" dirty="0"/>
+              <a:t>a</a:t>
+            </a:r>
+            <a:r>
+              <a:rPr spc="10" dirty="0"/>
+              <a:t>d</a:t>
+            </a:r>
+            <a:r>
+              <a:rPr spc="85" dirty="0"/>
               <a:t>o</a:t>
             </a:r>
             <a:r>
-              <a:rPr spc="200"/>
-              <a:t>t</a:t>
-            </a:r>
-            <a:r>
-              <a:rPr spc="120"/>
-              <a:t>o</a:t>
-            </a:r>
-            <a:r>
-              <a:rPr spc="-605"/>
-              <a:t> </a:t>
-            </a:r>
-            <a:r>
-              <a:rPr spc="100"/>
-              <a:t>P</a:t>
-            </a:r>
-            <a:r>
-              <a:rPr spc="-15"/>
-              <a:t>e</a:t>
-            </a:r>
-            <a:r>
-              <a:rPr spc="-25"/>
-              <a:t>r</a:t>
-            </a:r>
-            <a:r>
-              <a:rPr spc="40"/>
+              <a:rPr spc="-20" dirty="0"/>
               <a:t>s</a:t>
-            </a:r>
-            <a:r>
-              <a:rPr spc="10"/>
-              <a:t>o</a:t>
-            </a:r>
-            <a:r>
-              <a:rPr spc="25"/>
-              <a:t>n</a:t>
-            </a:r>
-            <a:r>
-              <a:rPr spc="-60"/>
-              <a:t>a</a:t>
             </a:r>
           </a:p>
         </p:txBody>
       </p:sp>
-      <p:grpSp>
-        <p:nvGrpSpPr>
-          <p:cNvPr id="4" name="object 4"/>
-          <p:cNvGrpSpPr/>
-          <p:nvPr/>
-        </p:nvGrpSpPr>
-        <p:grpSpPr>
-          <a:xfrm>
-            <a:off x="923925" y="809625"/>
-            <a:ext cx="11163300" cy="5962650"/>
-            <a:chOff x="923925" y="809625"/>
-            <a:chExt cx="11163300" cy="5962650"/>
-          </a:xfrm>
-        </p:grpSpPr>
-        <p:pic>
-          <p:nvPicPr>
-            <p:cNvPr id="5" name="object 5"/>
-            <p:cNvPicPr/>
-            <p:nvPr/>
-          </p:nvPicPr>
-          <p:blipFill>
-            <a:blip r:embed="rId2" cstate="print"/>
-            <a:stretch>
-              <a:fillRect/>
-            </a:stretch>
-          </p:blipFill>
-          <p:spPr>
-            <a:xfrm>
-              <a:off x="923925" y="809625"/>
-              <a:ext cx="10344150" cy="5857875"/>
-            </a:xfrm>
-            <a:prstGeom prst="rect">
-              <a:avLst/>
-            </a:prstGeom>
-          </p:spPr>
-        </p:pic>
-        <p:pic>
-          <p:nvPicPr>
-            <p:cNvPr id="6" name="object 6"/>
-            <p:cNvPicPr/>
-            <p:nvPr/>
-          </p:nvPicPr>
-          <p:blipFill>
-            <a:blip r:embed="rId3" cstate="print"/>
-            <a:stretch>
-              <a:fillRect/>
-            </a:stretch>
-          </p:blipFill>
-          <p:spPr>
-            <a:xfrm>
-              <a:off x="10982325" y="5667373"/>
-              <a:ext cx="1104900" cy="1104900"/>
-            </a:xfrm>
-            <a:prstGeom prst="rect">
-              <a:avLst/>
-            </a:prstGeom>
-          </p:spPr>
-        </p:pic>
-      </p:grpSp>
-    </p:spTree>
-  </p:cSld>
-  <p:clrMapOvr>
-    <a:masterClrMapping/>
-  </p:clrMapOvr>
-</p:sld>
-</file>
-
-<file path=ppt/slides/slide8.xml><?xml version="1.0" encoding="utf-8"?>
-<p:sld xmlns:a="http://schemas.openxmlformats.org/drawingml/2006/main" xmlns:r="http://schemas.openxmlformats.org/officeDocument/2006/relationships" xmlns:p="http://schemas.openxmlformats.org/presentationml/2006/main">
-  <p:cSld>
-    <p:spTree>
-      <p:nvGrpSpPr>
-        <p:cNvPr id="1" name=""/>
-        <p:cNvGrpSpPr/>
-        <p:nvPr/>
-      </p:nvGrpSpPr>
-      <p:grpSpPr>
-        <a:xfrm>
-          <a:off x="0" y="0"/>
-          <a:ext cx="0" cy="0"/>
-          <a:chOff x="0" y="0"/>
-          <a:chExt cx="0" cy="0"/>
-        </a:xfrm>
-      </p:grpSpPr>
-      <p:grpSp>
-        <p:nvGrpSpPr>
-          <p:cNvPr id="2" name="object 2"/>
-          <p:cNvGrpSpPr/>
-          <p:nvPr/>
-        </p:nvGrpSpPr>
-        <p:grpSpPr>
-          <a:xfrm>
-            <a:off x="-7937" y="0"/>
-            <a:ext cx="12207875" cy="2208530"/>
-            <a:chOff x="-7937" y="0"/>
-            <a:chExt cx="12207875" cy="2208530"/>
-          </a:xfrm>
-        </p:grpSpPr>
-        <p:pic>
-          <p:nvPicPr>
-            <p:cNvPr id="3" name="object 3"/>
-            <p:cNvPicPr/>
-            <p:nvPr/>
-          </p:nvPicPr>
-          <p:blipFill>
-            <a:blip r:embed="rId2" cstate="print"/>
-            <a:stretch>
-              <a:fillRect/>
-            </a:stretch>
-          </p:blipFill>
-          <p:spPr>
-            <a:xfrm>
-              <a:off x="4763" y="4825"/>
-              <a:ext cx="12187236" cy="2190750"/>
-            </a:xfrm>
-            <a:prstGeom prst="rect">
-              <a:avLst/>
-            </a:prstGeom>
-          </p:spPr>
-        </p:pic>
-        <p:sp>
-          <p:nvSpPr>
-            <p:cNvPr id="4" name="object 4"/>
-            <p:cNvSpPr/>
-            <p:nvPr/>
-          </p:nvSpPr>
-          <p:spPr>
-            <a:xfrm>
-              <a:off x="4763" y="4825"/>
-              <a:ext cx="12187555" cy="2190750"/>
-            </a:xfrm>
-            <a:custGeom>
-              <a:avLst/>
-              <a:gdLst/>
-              <a:ahLst/>
-              <a:cxnLst/>
-              <a:rect l="l" t="t" r="r" b="b"/>
-              <a:pathLst>
-                <a:path w="12187555" h="2190750">
-                  <a:moveTo>
-                    <a:pt x="12187236" y="0"/>
-                  </a:moveTo>
-                  <a:lnTo>
-                    <a:pt x="0" y="0"/>
-                  </a:lnTo>
-                  <a:lnTo>
-                    <a:pt x="0" y="1891538"/>
-                  </a:lnTo>
-                  <a:lnTo>
-                    <a:pt x="1995994" y="1891538"/>
-                  </a:lnTo>
-                  <a:lnTo>
-                    <a:pt x="2376994" y="2177923"/>
-                  </a:lnTo>
-                  <a:lnTo>
-                    <a:pt x="2385503" y="2181098"/>
-                  </a:lnTo>
-                  <a:lnTo>
-                    <a:pt x="2398203" y="2185924"/>
-                  </a:lnTo>
-                  <a:lnTo>
-                    <a:pt x="2410903" y="2190750"/>
-                  </a:lnTo>
-                  <a:lnTo>
-                    <a:pt x="2421444" y="2190750"/>
-                  </a:lnTo>
-                  <a:lnTo>
-                    <a:pt x="2434144" y="2190750"/>
-                  </a:lnTo>
-                  <a:lnTo>
-                    <a:pt x="2444812" y="2185924"/>
-                  </a:lnTo>
-                  <a:lnTo>
-                    <a:pt x="2457512" y="2181098"/>
-                  </a:lnTo>
-                  <a:lnTo>
-                    <a:pt x="2465894" y="2177923"/>
-                  </a:lnTo>
-                  <a:lnTo>
-                    <a:pt x="2846894" y="1891538"/>
-                  </a:lnTo>
-                  <a:lnTo>
-                    <a:pt x="12187236" y="1891538"/>
-                  </a:lnTo>
-                </a:path>
-              </a:pathLst>
-            </a:custGeom>
-            <a:ln w="9525">
-              <a:solidFill>
-                <a:srgbClr val="00C5BA"/>
-              </a:solidFill>
-            </a:ln>
-          </p:spPr>
-          <p:txBody>
-            <a:bodyPr wrap="square" lIns="0" tIns="0" rIns="0" bIns="0" rtlCol="0"/>
-            <a:lstStyle/>
-            <a:p>
-              <a:endParaRPr/>
-            </a:p>
-          </p:txBody>
-        </p:sp>
-        <p:sp>
-          <p:nvSpPr>
-            <p:cNvPr id="5" name="object 5"/>
-            <p:cNvSpPr/>
-            <p:nvPr/>
-          </p:nvSpPr>
-          <p:spPr>
-            <a:xfrm>
-              <a:off x="0" y="0"/>
-              <a:ext cx="12192000" cy="1885950"/>
-            </a:xfrm>
-            <a:custGeom>
-              <a:avLst/>
-              <a:gdLst/>
-              <a:ahLst/>
-              <a:cxnLst/>
-              <a:rect l="l" t="t" r="r" b="b"/>
-              <a:pathLst>
-                <a:path w="12192000" h="1885950">
-                  <a:moveTo>
-                    <a:pt x="12192000" y="0"/>
-                  </a:moveTo>
-                  <a:lnTo>
-                    <a:pt x="0" y="0"/>
-                  </a:lnTo>
-                  <a:lnTo>
-                    <a:pt x="0" y="1885950"/>
-                  </a:lnTo>
-                  <a:lnTo>
-                    <a:pt x="12192000" y="1885950"/>
-                  </a:lnTo>
-                  <a:lnTo>
-                    <a:pt x="12192000" y="0"/>
-                  </a:lnTo>
-                  <a:close/>
-                </a:path>
-              </a:pathLst>
-            </a:custGeom>
-            <a:solidFill>
-              <a:srgbClr val="273B5C"/>
-            </a:solidFill>
-          </p:spPr>
-          <p:txBody>
-            <a:bodyPr wrap="square" lIns="0" tIns="0" rIns="0" bIns="0" rtlCol="0"/>
-            <a:lstStyle/>
-            <a:p>
-              <a:endParaRPr/>
-            </a:p>
-          </p:txBody>
-        </p:sp>
-        <p:sp>
-          <p:nvSpPr>
-            <p:cNvPr id="6" name="object 6"/>
-            <p:cNvSpPr/>
-            <p:nvPr/>
-          </p:nvSpPr>
-          <p:spPr>
-            <a:xfrm>
-              <a:off x="0" y="0"/>
-              <a:ext cx="12192000" cy="1885950"/>
-            </a:xfrm>
-            <a:custGeom>
-              <a:avLst/>
-              <a:gdLst/>
-              <a:ahLst/>
-              <a:cxnLst/>
-              <a:rect l="l" t="t" r="r" b="b"/>
-              <a:pathLst>
-                <a:path w="12192000" h="1885950">
-                  <a:moveTo>
-                    <a:pt x="0" y="1885950"/>
-                  </a:moveTo>
-                  <a:lnTo>
-                    <a:pt x="12192000" y="1885950"/>
-                  </a:lnTo>
-                  <a:lnTo>
-                    <a:pt x="12192000" y="0"/>
-                  </a:lnTo>
-                  <a:lnTo>
-                    <a:pt x="0" y="0"/>
-                  </a:lnTo>
-                  <a:lnTo>
-                    <a:pt x="0" y="1885950"/>
-                  </a:lnTo>
-                  <a:close/>
-                </a:path>
-              </a:pathLst>
-            </a:custGeom>
-            <a:ln w="15875">
-              <a:solidFill>
-                <a:srgbClr val="273B5C"/>
-              </a:solidFill>
-            </a:ln>
-          </p:spPr>
-          <p:txBody>
-            <a:bodyPr wrap="square" lIns="0" tIns="0" rIns="0" bIns="0" rtlCol="0"/>
-            <a:lstStyle/>
-            <a:p>
-              <a:endParaRPr/>
-            </a:p>
-          </p:txBody>
-        </p:sp>
-      </p:grpSp>
-      <p:sp>
-        <p:nvSpPr>
-          <p:cNvPr id="7" name="object 7"/>
-          <p:cNvSpPr txBox="1">
-            <a:spLocks noGrp="1"/>
-          </p:cNvSpPr>
-          <p:nvPr>
-            <p:ph type="title"/>
-          </p:nvPr>
-        </p:nvSpPr>
-        <p:spPr>
-          <a:xfrm>
-            <a:off x="2414587" y="580151"/>
-            <a:ext cx="7870191" cy="752129"/>
-          </a:xfrm>
-          <a:prstGeom prst="rect">
-            <a:avLst/>
-          </a:prstGeom>
-        </p:spPr>
-        <p:txBody>
-          <a:bodyPr vert="horz" wrap="square" lIns="0" tIns="13335" rIns="0" bIns="0" rtlCol="0">
-            <a:spAutoFit/>
-          </a:bodyPr>
-          <a:lstStyle/>
-          <a:p>
-            <a:pPr marL="12700">
-              <a:lnSpc>
-                <a:spcPct val="100000"/>
-              </a:lnSpc>
-              <a:spcBef>
-                <a:spcPts val="105"/>
-              </a:spcBef>
-            </a:pPr>
-            <a:r>
-              <a:rPr lang="pt-BR" spc="100"/>
-              <a:t>Ferramentas de Gestão</a:t>
-            </a:r>
-            <a:endParaRPr spc="10"/>
-          </a:p>
-        </p:txBody>
-      </p:sp>
-      <p:grpSp>
-        <p:nvGrpSpPr>
-          <p:cNvPr id="8" name="object 8"/>
-          <p:cNvGrpSpPr/>
-          <p:nvPr/>
-        </p:nvGrpSpPr>
-        <p:grpSpPr>
-          <a:xfrm>
-            <a:off x="133350" y="95250"/>
-            <a:ext cx="2741930" cy="2151380"/>
-            <a:chOff x="133350" y="95250"/>
-            <a:chExt cx="2741930" cy="2151380"/>
-          </a:xfrm>
-        </p:grpSpPr>
-        <p:sp>
-          <p:nvSpPr>
-            <p:cNvPr id="9" name="object 9"/>
-            <p:cNvSpPr/>
-            <p:nvPr/>
-          </p:nvSpPr>
-          <p:spPr>
-            <a:xfrm>
-              <a:off x="1962150" y="1495425"/>
-              <a:ext cx="904875" cy="742950"/>
-            </a:xfrm>
-            <a:custGeom>
-              <a:avLst/>
-              <a:gdLst/>
-              <a:ahLst/>
-              <a:cxnLst/>
-              <a:rect l="l" t="t" r="r" b="b"/>
-              <a:pathLst>
-                <a:path w="904875" h="742950">
-                  <a:moveTo>
-                    <a:pt x="452500" y="0"/>
-                  </a:moveTo>
-                  <a:lnTo>
-                    <a:pt x="0" y="371475"/>
-                  </a:lnTo>
-                  <a:lnTo>
-                    <a:pt x="452500" y="742950"/>
-                  </a:lnTo>
-                  <a:lnTo>
-                    <a:pt x="904875" y="371475"/>
-                  </a:lnTo>
-                  <a:lnTo>
-                    <a:pt x="452500" y="0"/>
-                  </a:lnTo>
-                  <a:close/>
-                </a:path>
-              </a:pathLst>
-            </a:custGeom>
-            <a:solidFill>
-              <a:srgbClr val="273B5C"/>
-            </a:solidFill>
-          </p:spPr>
-          <p:txBody>
-            <a:bodyPr wrap="square" lIns="0" tIns="0" rIns="0" bIns="0" rtlCol="0"/>
-            <a:lstStyle/>
-            <a:p>
-              <a:endParaRPr/>
-            </a:p>
-          </p:txBody>
-        </p:sp>
-        <p:sp>
-          <p:nvSpPr>
-            <p:cNvPr id="10" name="object 10"/>
-            <p:cNvSpPr/>
-            <p:nvPr/>
-          </p:nvSpPr>
-          <p:spPr>
-            <a:xfrm>
-              <a:off x="1962150" y="1495425"/>
-              <a:ext cx="904875" cy="742950"/>
-            </a:xfrm>
-            <a:custGeom>
-              <a:avLst/>
-              <a:gdLst/>
-              <a:ahLst/>
-              <a:cxnLst/>
-              <a:rect l="l" t="t" r="r" b="b"/>
-              <a:pathLst>
-                <a:path w="904875" h="742950">
-                  <a:moveTo>
-                    <a:pt x="0" y="371475"/>
-                  </a:moveTo>
-                  <a:lnTo>
-                    <a:pt x="904875" y="371475"/>
-                  </a:lnTo>
-                </a:path>
-                <a:path w="904875" h="742950">
-                  <a:moveTo>
-                    <a:pt x="0" y="371475"/>
-                  </a:moveTo>
-                  <a:lnTo>
-                    <a:pt x="452500" y="0"/>
-                  </a:lnTo>
-                  <a:lnTo>
-                    <a:pt x="904875" y="371475"/>
-                  </a:lnTo>
-                  <a:lnTo>
-                    <a:pt x="452500" y="742950"/>
-                  </a:lnTo>
-                  <a:lnTo>
-                    <a:pt x="0" y="371475"/>
-                  </a:lnTo>
-                  <a:close/>
-                </a:path>
-              </a:pathLst>
-            </a:custGeom>
-            <a:ln w="15875">
-              <a:solidFill>
-                <a:srgbClr val="273B5C"/>
-              </a:solidFill>
-            </a:ln>
-          </p:spPr>
-          <p:txBody>
-            <a:bodyPr wrap="square" lIns="0" tIns="0" rIns="0" bIns="0" rtlCol="0"/>
-            <a:lstStyle/>
-            <a:p>
-              <a:endParaRPr/>
-            </a:p>
-          </p:txBody>
-        </p:sp>
-        <p:pic>
-          <p:nvPicPr>
-            <p:cNvPr id="11" name="object 11"/>
-            <p:cNvPicPr/>
-            <p:nvPr/>
-          </p:nvPicPr>
-          <p:blipFill>
-            <a:blip r:embed="rId3" cstate="print"/>
-            <a:stretch>
-              <a:fillRect/>
-            </a:stretch>
-          </p:blipFill>
-          <p:spPr>
-            <a:xfrm>
-              <a:off x="133350" y="95250"/>
-              <a:ext cx="1638300" cy="1638300"/>
-            </a:xfrm>
-            <a:prstGeom prst="rect">
-              <a:avLst/>
-            </a:prstGeom>
-          </p:spPr>
-        </p:pic>
-      </p:grpSp>
       <p:pic>
         <p:nvPicPr>
-          <p:cNvPr id="12" name="object 12"/>
+          <p:cNvPr id="4" name="object 4"/>
           <p:cNvPicPr/>
           <p:nvPr/>
         </p:nvPicPr>
         <p:blipFill>
-          <a:blip r:embed="rId4" cstate="print"/>
+          <a:blip r:embed="rId2" cstate="print"/>
           <a:stretch>
             <a:fillRect/>
           </a:stretch>
         </p:blipFill>
         <p:spPr>
           <a:xfrm>
-            <a:off x="619125" y="3224150"/>
-            <a:ext cx="4495800" cy="3192404"/>
+            <a:off x="11087100" y="5753099"/>
+            <a:ext cx="1104900" cy="1104899"/>
           </a:xfrm>
           <a:prstGeom prst="rect">
             <a:avLst/>
@@ -14291,30 +12947,58 @@
       </p:pic>
       <p:pic>
         <p:nvPicPr>
-          <p:cNvPr id="17" name="object 12">
+          <p:cNvPr id="8" name="Imagem 7">
             <a:extLst>
               <a:ext uri="{FF2B5EF4-FFF2-40B4-BE49-F238E27FC236}">
-                <a16:creationId xmlns:a16="http://schemas.microsoft.com/office/drawing/2014/main" id="{13129BF7-BC60-47F1-8D15-6DB654F9ACA1}"/>
+                <a16:creationId xmlns:a16="http://schemas.microsoft.com/office/drawing/2014/main" id="{FDBB3447-F007-4C7C-99AF-A1BE7438A3E5}"/>
               </a:ext>
             </a:extLst>
           </p:cNvPr>
-          <p:cNvPicPr/>
+          <p:cNvPicPr>
+            <a:picLocks noChangeAspect="1"/>
+          </p:cNvPicPr>
           <p:nvPr/>
         </p:nvPicPr>
         <p:blipFill>
-          <a:blip r:embed="rId5" cstate="print"/>
+          <a:blip r:embed="rId3"/>
           <a:stretch>
             <a:fillRect/>
           </a:stretch>
         </p:blipFill>
         <p:spPr>
           <a:xfrm>
-            <a:off x="6453187" y="2461276"/>
-            <a:ext cx="5281613" cy="3263721"/>
+            <a:off x="2547202" y="994410"/>
+            <a:ext cx="6695272" cy="5463885"/>
           </a:xfrm>
-          <a:prstGeom prst="rect">
-            <a:avLst/>
+          <a:prstGeom prst="roundRect">
+            <a:avLst>
+              <a:gd name="adj" fmla="val 4167"/>
+            </a:avLst>
           </a:prstGeom>
+          <a:solidFill>
+            <a:srgbClr val="FFFFFF"/>
+          </a:solidFill>
+          <a:ln w="76200" cap="sq">
+            <a:solidFill>
+              <a:schemeClr val="accent1"/>
+            </a:solidFill>
+            <a:miter lim="800000"/>
+          </a:ln>
+          <a:effectLst>
+            <a:reflection blurRad="12700" stA="28000" endPos="28000" dist="5000" dir="5400000" sy="-100000" algn="bl" rotWithShape="0"/>
+          </a:effectLst>
+          <a:scene3d>
+            <a:camera prst="orthographicFront"/>
+            <a:lightRig rig="threePt" dir="t">
+              <a:rot lat="0" lon="0" rev="2700000"/>
+            </a:lightRig>
+          </a:scene3d>
+          <a:sp3d>
+            <a:bevelT h="38100"/>
+            <a:contourClr>
+              <a:srgbClr val="C0C0C0"/>
+            </a:contourClr>
+          </a:sp3d>
         </p:spPr>
       </p:pic>
     </p:spTree>
@@ -14325,7 +13009,7 @@
 </p:sld>
 </file>
 
-<file path=ppt/slides/slide9.xml><?xml version="1.0" encoding="utf-8"?>
+<file path=ppt/slides/slide8.xml><?xml version="1.0" encoding="utf-8"?>
 <p:sld xmlns:a="http://schemas.openxmlformats.org/drawingml/2006/main" xmlns:r="http://schemas.openxmlformats.org/officeDocument/2006/relationships" xmlns:p="http://schemas.openxmlformats.org/presentationml/2006/main" showMasterSp="0">
   <p:cSld>
     <p:spTree>
@@ -14417,7 +13101,7 @@
           </a:bodyPr>
           <a:lstStyle/>
           <a:p>
-            <a:pPr marL="12700">
+            <a:pPr marL="12700" algn="ctr">
               <a:lnSpc>
                 <a:spcPct val="100000"/>
               </a:lnSpc>
@@ -14470,61 +13154,20 @@
               <a:t>e</a:t>
             </a:r>
             <a:r>
-              <a:rPr spc="-615" dirty="0"/>
+              <a:rPr lang="pt-BR" spc="-615" dirty="0"/>
               <a:t> </a:t>
             </a:r>
             <a:r>
-              <a:rPr spc="-65" dirty="0"/>
-              <a:t>B</a:t>
-            </a:r>
-            <a:r>
-              <a:rPr spc="-45" dirty="0"/>
-              <a:t>a</a:t>
-            </a:r>
-            <a:r>
-              <a:rPr spc="25" dirty="0"/>
-              <a:t>n</a:t>
-            </a:r>
-            <a:r>
-              <a:rPr spc="85" dirty="0"/>
-              <a:t>co</a:t>
-            </a:r>
-            <a:r>
-              <a:rPr spc="-605" dirty="0"/>
-              <a:t> </a:t>
-            </a:r>
-            <a:r>
-              <a:rPr spc="10" dirty="0"/>
-              <a:t>d</a:t>
-            </a:r>
-            <a:r>
-              <a:rPr spc="-35" dirty="0"/>
-              <a:t>e</a:t>
-            </a:r>
-            <a:r>
-              <a:rPr spc="-615" dirty="0"/>
-              <a:t> </a:t>
-            </a:r>
-            <a:r>
-              <a:rPr spc="10" dirty="0"/>
-              <a:t>d</a:t>
-            </a:r>
-            <a:r>
-              <a:rPr spc="-40" dirty="0"/>
-              <a:t>a</a:t>
-            </a:r>
-            <a:r>
-              <a:rPr spc="10" dirty="0"/>
-              <a:t>d</a:t>
-            </a:r>
-            <a:r>
-              <a:rPr spc="85" dirty="0"/>
-              <a:t>o</a:t>
-            </a:r>
-            <a:r>
-              <a:rPr spc="-20" dirty="0"/>
-              <a:t>s</a:t>
-            </a:r>
+              <a:rPr lang="pt-BR" spc="-615" dirty="0">
+                <a:latin typeface="Verdana" panose="020B0604030504040204" pitchFamily="34" charset="0"/>
+                <a:ea typeface="Verdana" panose="020B0604030504040204" pitchFamily="34" charset="0"/>
+              </a:rPr>
+              <a:t>Classe</a:t>
+            </a:r>
+            <a:endParaRPr spc="-20" dirty="0">
+              <a:latin typeface="Verdana" panose="020B0604030504040204" pitchFamily="34" charset="0"/>
+              <a:ea typeface="Verdana" panose="020B0604030504040204" pitchFamily="34" charset="0"/>
+            </a:endParaRPr>
           </a:p>
         </p:txBody>
       </p:sp>
@@ -14550,12 +13193,57 @@
           </a:prstGeom>
         </p:spPr>
       </p:pic>
+      <p:sp>
+        <p:nvSpPr>
+          <p:cNvPr id="5" name="AutoShape 2">
+            <a:extLst>
+              <a:ext uri="{FF2B5EF4-FFF2-40B4-BE49-F238E27FC236}">
+                <a16:creationId xmlns:a16="http://schemas.microsoft.com/office/drawing/2014/main" id="{4F799A72-38CC-BB6B-D674-ABC328AE7B42}"/>
+              </a:ext>
+            </a:extLst>
+          </p:cNvPr>
+          <p:cNvSpPr>
+            <a:spLocks noChangeAspect="1" noChangeArrowheads="1"/>
+          </p:cNvSpPr>
+          <p:nvPr/>
+        </p:nvSpPr>
+        <p:spPr bwMode="auto">
+          <a:xfrm>
+            <a:off x="5943600" y="3276600"/>
+            <a:ext cx="304800" cy="304800"/>
+          </a:xfrm>
+          <a:prstGeom prst="rect">
+            <a:avLst/>
+          </a:prstGeom>
+          <a:noFill/>
+          <a:extLst>
+            <a:ext uri="{909E8E84-426E-40DD-AFC4-6F175D3DCCD1}">
+              <a14:hiddenFill xmlns:a14="http://schemas.microsoft.com/office/drawing/2010/main">
+                <a:solidFill>
+                  <a:srgbClr val="FFFFFF"/>
+                </a:solidFill>
+              </a14:hiddenFill>
+            </a:ext>
+          </a:extLst>
+        </p:spPr>
+        <p:txBody>
+          <a:bodyPr vert="horz" wrap="square" lIns="91440" tIns="45720" rIns="91440" bIns="45720" numCol="1" anchor="t" anchorCtr="0" compatLnSpc="1">
+            <a:prstTxWarp prst="textNoShape">
+              <a:avLst/>
+            </a:prstTxWarp>
+          </a:bodyPr>
+          <a:lstStyle/>
+          <a:p>
+            <a:endParaRPr lang="pt-BR"/>
+          </a:p>
+        </p:txBody>
+      </p:sp>
       <p:pic>
         <p:nvPicPr>
-          <p:cNvPr id="8" name="Imagem 7">
+          <p:cNvPr id="8" name="Imagem 7" descr="Diagrama&#10;&#10;Descrição gerada automaticamente">
             <a:extLst>
               <a:ext uri="{FF2B5EF4-FFF2-40B4-BE49-F238E27FC236}">
-                <a16:creationId xmlns:a16="http://schemas.microsoft.com/office/drawing/2014/main" id="{FDBB3447-F007-4C7C-99AF-A1BE7438A3E5}"/>
+                <a16:creationId xmlns:a16="http://schemas.microsoft.com/office/drawing/2014/main" id="{6609F28F-21F7-806F-B3B6-1F135F53BC9D}"/>
               </a:ext>
             </a:extLst>
           </p:cNvPr>
@@ -14565,29 +13253,575 @@
           <p:nvPr/>
         </p:nvPicPr>
         <p:blipFill>
-          <a:blip r:embed="rId3"/>
+          <a:blip r:embed="rId3">
+            <a:extLst>
+              <a:ext uri="{28A0092B-C50C-407E-A947-70E740481C1C}">
+                <a14:useLocalDpi xmlns:a14="http://schemas.microsoft.com/office/drawing/2010/main" val="0"/>
+              </a:ext>
+            </a:extLst>
+          </a:blip>
           <a:stretch>
             <a:fillRect/>
           </a:stretch>
         </p:blipFill>
         <p:spPr>
           <a:xfrm>
-            <a:off x="2547202" y="994410"/>
-            <a:ext cx="6695272" cy="5463885"/>
+            <a:off x="3066421" y="994409"/>
+            <a:ext cx="6518547" cy="5561135"/>
+          </a:xfrm>
+          <a:prstGeom prst="roundRect">
+            <a:avLst>
+              <a:gd name="adj" fmla="val 4167"/>
+            </a:avLst>
+          </a:prstGeom>
+          <a:solidFill>
+            <a:srgbClr val="FFFFFF"/>
+          </a:solidFill>
+          <a:ln w="76200" cap="sq">
+            <a:solidFill>
+              <a:schemeClr val="accent1"/>
+            </a:solidFill>
+            <a:miter lim="800000"/>
+          </a:ln>
+          <a:effectLst>
+            <a:reflection blurRad="12700" stA="28000" endPos="28000" dist="5000" dir="5400000" sy="-100000" algn="bl" rotWithShape="0"/>
+          </a:effectLst>
+          <a:scene3d>
+            <a:camera prst="orthographicFront"/>
+            <a:lightRig rig="threePt" dir="t">
+              <a:rot lat="0" lon="0" rev="2700000"/>
+            </a:lightRig>
+          </a:scene3d>
+          <a:sp3d>
+            <a:bevelT h="38100"/>
+            <a:contourClr>
+              <a:srgbClr val="C0C0C0"/>
+            </a:contourClr>
+          </a:sp3d>
+        </p:spPr>
+      </p:pic>
+    </p:spTree>
+    <p:extLst>
+      <p:ext uri="{BB962C8B-B14F-4D97-AF65-F5344CB8AC3E}">
+        <p14:creationId xmlns:p14="http://schemas.microsoft.com/office/powerpoint/2010/main" val="301955511"/>
+      </p:ext>
+    </p:extLst>
+  </p:cSld>
+  <p:clrMapOvr>
+    <a:masterClrMapping/>
+  </p:clrMapOvr>
+</p:sld>
+</file>
+
+<file path=ppt/slides/slide9.xml><?xml version="1.0" encoding="utf-8"?>
+<p:sld xmlns:a="http://schemas.openxmlformats.org/drawingml/2006/main" xmlns:r="http://schemas.openxmlformats.org/officeDocument/2006/relationships" xmlns:p="http://schemas.openxmlformats.org/presentationml/2006/main">
+  <p:cSld>
+    <p:spTree>
+      <p:nvGrpSpPr>
+        <p:cNvPr id="1" name=""/>
+        <p:cNvGrpSpPr/>
+        <p:nvPr/>
+      </p:nvGrpSpPr>
+      <p:grpSpPr>
+        <a:xfrm>
+          <a:off x="0" y="0"/>
+          <a:ext cx="0" cy="0"/>
+          <a:chOff x="0" y="0"/>
+          <a:chExt cx="0" cy="0"/>
+        </a:xfrm>
+      </p:grpSpPr>
+      <p:grpSp>
+        <p:nvGrpSpPr>
+          <p:cNvPr id="2" name="object 2"/>
+          <p:cNvGrpSpPr/>
+          <p:nvPr/>
+        </p:nvGrpSpPr>
+        <p:grpSpPr>
+          <a:xfrm>
+            <a:off x="0" y="63"/>
+            <a:ext cx="12197080" cy="2200275"/>
+            <a:chOff x="0" y="63"/>
+            <a:chExt cx="12197080" cy="2200275"/>
+          </a:xfrm>
+        </p:grpSpPr>
+        <p:pic>
+          <p:nvPicPr>
+            <p:cNvPr id="3" name="object 3"/>
+            <p:cNvPicPr/>
+            <p:nvPr/>
+          </p:nvPicPr>
+          <p:blipFill>
+            <a:blip r:embed="rId2" cstate="print"/>
+            <a:stretch>
+              <a:fillRect/>
+            </a:stretch>
+          </p:blipFill>
+          <p:spPr>
+            <a:xfrm>
+              <a:off x="4763" y="4825"/>
+              <a:ext cx="12187236" cy="2190750"/>
+            </a:xfrm>
+            <a:prstGeom prst="rect">
+              <a:avLst/>
+            </a:prstGeom>
+          </p:spPr>
+        </p:pic>
+        <p:sp>
+          <p:nvSpPr>
+            <p:cNvPr id="4" name="object 4"/>
+            <p:cNvSpPr/>
+            <p:nvPr/>
+          </p:nvSpPr>
+          <p:spPr>
+            <a:xfrm>
+              <a:off x="4763" y="4825"/>
+              <a:ext cx="12187555" cy="2190750"/>
+            </a:xfrm>
+            <a:custGeom>
+              <a:avLst/>
+              <a:gdLst/>
+              <a:ahLst/>
+              <a:cxnLst/>
+              <a:rect l="l" t="t" r="r" b="b"/>
+              <a:pathLst>
+                <a:path w="12187555" h="2190750">
+                  <a:moveTo>
+                    <a:pt x="12187236" y="0"/>
+                  </a:moveTo>
+                  <a:lnTo>
+                    <a:pt x="0" y="0"/>
+                  </a:lnTo>
+                  <a:lnTo>
+                    <a:pt x="0" y="1891538"/>
+                  </a:lnTo>
+                  <a:lnTo>
+                    <a:pt x="1995994" y="1891538"/>
+                  </a:lnTo>
+                  <a:lnTo>
+                    <a:pt x="2376994" y="2177923"/>
+                  </a:lnTo>
+                  <a:lnTo>
+                    <a:pt x="2385503" y="2181098"/>
+                  </a:lnTo>
+                  <a:lnTo>
+                    <a:pt x="2398203" y="2185924"/>
+                  </a:lnTo>
+                  <a:lnTo>
+                    <a:pt x="2410903" y="2190750"/>
+                  </a:lnTo>
+                  <a:lnTo>
+                    <a:pt x="2421444" y="2190750"/>
+                  </a:lnTo>
+                  <a:lnTo>
+                    <a:pt x="2434144" y="2190750"/>
+                  </a:lnTo>
+                  <a:lnTo>
+                    <a:pt x="2444812" y="2185924"/>
+                  </a:lnTo>
+                  <a:lnTo>
+                    <a:pt x="2457512" y="2181098"/>
+                  </a:lnTo>
+                  <a:lnTo>
+                    <a:pt x="2465894" y="2177923"/>
+                  </a:lnTo>
+                  <a:lnTo>
+                    <a:pt x="2846894" y="1891538"/>
+                  </a:lnTo>
+                  <a:lnTo>
+                    <a:pt x="12187236" y="1891538"/>
+                  </a:lnTo>
+                </a:path>
+              </a:pathLst>
+            </a:custGeom>
+            <a:ln w="9525">
+              <a:solidFill>
+                <a:srgbClr val="00C5BA"/>
+              </a:solidFill>
+            </a:ln>
+          </p:spPr>
+          <p:txBody>
+            <a:bodyPr wrap="square" lIns="0" tIns="0" rIns="0" bIns="0" rtlCol="0"/>
+            <a:lstStyle/>
+            <a:p>
+              <a:endParaRPr/>
+            </a:p>
+          </p:txBody>
+        </p:sp>
+      </p:grpSp>
+      <p:grpSp>
+        <p:nvGrpSpPr>
+          <p:cNvPr id="5" name="object 5"/>
+          <p:cNvGrpSpPr/>
+          <p:nvPr/>
+        </p:nvGrpSpPr>
+        <p:grpSpPr>
+          <a:xfrm>
+            <a:off x="-7937" y="0"/>
+            <a:ext cx="12207875" cy="1901825"/>
+            <a:chOff x="-7937" y="0"/>
+            <a:chExt cx="12207875" cy="1901825"/>
+          </a:xfrm>
+        </p:grpSpPr>
+        <p:sp>
+          <p:nvSpPr>
+            <p:cNvPr id="6" name="object 6"/>
+            <p:cNvSpPr/>
+            <p:nvPr/>
+          </p:nvSpPr>
+          <p:spPr>
+            <a:xfrm>
+              <a:off x="0" y="0"/>
+              <a:ext cx="12192000" cy="1885950"/>
+            </a:xfrm>
+            <a:custGeom>
+              <a:avLst/>
+              <a:gdLst/>
+              <a:ahLst/>
+              <a:cxnLst/>
+              <a:rect l="l" t="t" r="r" b="b"/>
+              <a:pathLst>
+                <a:path w="12192000" h="1885950">
+                  <a:moveTo>
+                    <a:pt x="12192000" y="0"/>
+                  </a:moveTo>
+                  <a:lnTo>
+                    <a:pt x="0" y="0"/>
+                  </a:lnTo>
+                  <a:lnTo>
+                    <a:pt x="0" y="1885950"/>
+                  </a:lnTo>
+                  <a:lnTo>
+                    <a:pt x="12192000" y="1885950"/>
+                  </a:lnTo>
+                  <a:lnTo>
+                    <a:pt x="12192000" y="0"/>
+                  </a:lnTo>
+                  <a:close/>
+                </a:path>
+              </a:pathLst>
+            </a:custGeom>
+            <a:solidFill>
+              <a:srgbClr val="273B5C"/>
+            </a:solidFill>
+          </p:spPr>
+          <p:txBody>
+            <a:bodyPr wrap="square" lIns="0" tIns="0" rIns="0" bIns="0" rtlCol="0"/>
+            <a:lstStyle/>
+            <a:p>
+              <a:endParaRPr/>
+            </a:p>
+          </p:txBody>
+        </p:sp>
+        <p:sp>
+          <p:nvSpPr>
+            <p:cNvPr id="7" name="object 7"/>
+            <p:cNvSpPr/>
+            <p:nvPr/>
+          </p:nvSpPr>
+          <p:spPr>
+            <a:xfrm>
+              <a:off x="0" y="0"/>
+              <a:ext cx="12192000" cy="1885950"/>
+            </a:xfrm>
+            <a:custGeom>
+              <a:avLst/>
+              <a:gdLst/>
+              <a:ahLst/>
+              <a:cxnLst/>
+              <a:rect l="l" t="t" r="r" b="b"/>
+              <a:pathLst>
+                <a:path w="12192000" h="1885950">
+                  <a:moveTo>
+                    <a:pt x="0" y="1885950"/>
+                  </a:moveTo>
+                  <a:lnTo>
+                    <a:pt x="12192000" y="1885950"/>
+                  </a:lnTo>
+                  <a:lnTo>
+                    <a:pt x="12192000" y="0"/>
+                  </a:lnTo>
+                  <a:lnTo>
+                    <a:pt x="0" y="0"/>
+                  </a:lnTo>
+                  <a:lnTo>
+                    <a:pt x="0" y="1885950"/>
+                  </a:lnTo>
+                  <a:close/>
+                </a:path>
+              </a:pathLst>
+            </a:custGeom>
+            <a:ln w="15875">
+              <a:solidFill>
+                <a:srgbClr val="273B5C"/>
+              </a:solidFill>
+            </a:ln>
+          </p:spPr>
+          <p:txBody>
+            <a:bodyPr wrap="square" lIns="0" tIns="0" rIns="0" bIns="0" rtlCol="0"/>
+            <a:lstStyle/>
+            <a:p>
+              <a:endParaRPr/>
+            </a:p>
+          </p:txBody>
+        </p:sp>
+      </p:grpSp>
+      <p:sp>
+        <p:nvSpPr>
+          <p:cNvPr id="8" name="object 8"/>
+          <p:cNvSpPr txBox="1">
+            <a:spLocks noGrp="1"/>
+          </p:cNvSpPr>
+          <p:nvPr>
+            <p:ph type="title"/>
+          </p:nvPr>
+        </p:nvSpPr>
+        <p:spPr>
+          <a:xfrm>
+            <a:off x="3863594" y="524827"/>
+            <a:ext cx="4460240" cy="758190"/>
           </a:xfrm>
           <a:prstGeom prst="rect">
             <a:avLst/>
           </a:prstGeom>
-          <a:ln w="76200">
+        </p:spPr>
+        <p:txBody>
+          <a:bodyPr vert="horz" wrap="square" lIns="0" tIns="13335" rIns="0" bIns="0" rtlCol="0">
+            <a:spAutoFit/>
+          </a:bodyPr>
+          <a:lstStyle/>
+          <a:p>
+            <a:pPr marL="12700">
+              <a:lnSpc>
+                <a:spcPct val="100000"/>
+              </a:lnSpc>
+              <a:spcBef>
+                <a:spcPts val="105"/>
+              </a:spcBef>
+            </a:pPr>
+            <a:r>
+              <a:rPr spc="25"/>
+              <a:t>A</a:t>
+            </a:r>
+            <a:r>
+              <a:rPr spc="-5"/>
+              <a:t>p</a:t>
+            </a:r>
+            <a:r>
+              <a:rPr spc="-55"/>
+              <a:t>l</a:t>
+            </a:r>
+            <a:r>
+              <a:rPr spc="-45"/>
+              <a:t>i</a:t>
+            </a:r>
+            <a:r>
+              <a:rPr spc="-5"/>
+              <a:t>c</a:t>
+            </a:r>
+            <a:r>
+              <a:rPr spc="15"/>
+              <a:t>a</a:t>
+            </a:r>
+            <a:r>
+              <a:rPr spc="-5"/>
+              <a:t>ç</a:t>
+            </a:r>
+            <a:r>
+              <a:rPr spc="15"/>
+              <a:t>ã</a:t>
+            </a:r>
+            <a:r>
+              <a:rPr spc="120"/>
+              <a:t>o</a:t>
+            </a:r>
+            <a:r>
+              <a:rPr spc="-670"/>
+              <a:t> </a:t>
+            </a:r>
+            <a:r>
+              <a:rPr spc="585"/>
+              <a:t>J</a:t>
+            </a:r>
+            <a:r>
+              <a:rPr spc="-45"/>
+              <a:t>a</a:t>
+            </a:r>
+            <a:r>
+              <a:rPr spc="-75"/>
+              <a:t>va</a:t>
+            </a:r>
+          </a:p>
+        </p:txBody>
+      </p:sp>
+      <p:grpSp>
+        <p:nvGrpSpPr>
+          <p:cNvPr id="9" name="object 9"/>
+          <p:cNvGrpSpPr/>
+          <p:nvPr/>
+        </p:nvGrpSpPr>
+        <p:grpSpPr>
+          <a:xfrm>
+            <a:off x="142875" y="238125"/>
+            <a:ext cx="7967980" cy="6615430"/>
+            <a:chOff x="142875" y="238125"/>
+            <a:chExt cx="7967980" cy="6615430"/>
+          </a:xfrm>
+        </p:grpSpPr>
+        <p:sp>
+          <p:nvSpPr>
+            <p:cNvPr id="10" name="object 10"/>
+            <p:cNvSpPr/>
+            <p:nvPr/>
+          </p:nvSpPr>
+          <p:spPr>
+            <a:xfrm>
+              <a:off x="1962150" y="1495425"/>
+              <a:ext cx="904875" cy="742950"/>
+            </a:xfrm>
+            <a:custGeom>
+              <a:avLst/>
+              <a:gdLst/>
+              <a:ahLst/>
+              <a:cxnLst/>
+              <a:rect l="l" t="t" r="r" b="b"/>
+              <a:pathLst>
+                <a:path w="904875" h="742950">
+                  <a:moveTo>
+                    <a:pt x="452500" y="0"/>
+                  </a:moveTo>
+                  <a:lnTo>
+                    <a:pt x="0" y="371475"/>
+                  </a:lnTo>
+                  <a:lnTo>
+                    <a:pt x="452500" y="742950"/>
+                  </a:lnTo>
+                  <a:lnTo>
+                    <a:pt x="904875" y="371475"/>
+                  </a:lnTo>
+                  <a:lnTo>
+                    <a:pt x="452500" y="0"/>
+                  </a:lnTo>
+                  <a:close/>
+                </a:path>
+              </a:pathLst>
+            </a:custGeom>
             <a:solidFill>
-              <a:schemeClr val="tx2">
-                <a:lumMod val="20000"/>
-                <a:lumOff val="80000"/>
-              </a:schemeClr>
+              <a:srgbClr val="273B5C"/>
             </a:solidFill>
-          </a:ln>
-        </p:spPr>
-      </p:pic>
+          </p:spPr>
+          <p:txBody>
+            <a:bodyPr wrap="square" lIns="0" tIns="0" rIns="0" bIns="0" rtlCol="0"/>
+            <a:lstStyle/>
+            <a:p>
+              <a:endParaRPr/>
+            </a:p>
+          </p:txBody>
+        </p:sp>
+        <p:sp>
+          <p:nvSpPr>
+            <p:cNvPr id="11" name="object 11"/>
+            <p:cNvSpPr/>
+            <p:nvPr/>
+          </p:nvSpPr>
+          <p:spPr>
+            <a:xfrm>
+              <a:off x="1962150" y="1495425"/>
+              <a:ext cx="904875" cy="742950"/>
+            </a:xfrm>
+            <a:custGeom>
+              <a:avLst/>
+              <a:gdLst/>
+              <a:ahLst/>
+              <a:cxnLst/>
+              <a:rect l="l" t="t" r="r" b="b"/>
+              <a:pathLst>
+                <a:path w="904875" h="742950">
+                  <a:moveTo>
+                    <a:pt x="0" y="371475"/>
+                  </a:moveTo>
+                  <a:lnTo>
+                    <a:pt x="904875" y="371475"/>
+                  </a:lnTo>
+                </a:path>
+                <a:path w="904875" h="742950">
+                  <a:moveTo>
+                    <a:pt x="0" y="371475"/>
+                  </a:moveTo>
+                  <a:lnTo>
+                    <a:pt x="452500" y="0"/>
+                  </a:lnTo>
+                  <a:lnTo>
+                    <a:pt x="904875" y="371475"/>
+                  </a:lnTo>
+                  <a:lnTo>
+                    <a:pt x="452500" y="742950"/>
+                  </a:lnTo>
+                  <a:lnTo>
+                    <a:pt x="0" y="371475"/>
+                  </a:lnTo>
+                  <a:close/>
+                </a:path>
+              </a:pathLst>
+            </a:custGeom>
+            <a:ln w="15875">
+              <a:solidFill>
+                <a:srgbClr val="273B5C"/>
+              </a:solidFill>
+            </a:ln>
+          </p:spPr>
+          <p:txBody>
+            <a:bodyPr wrap="square" lIns="0" tIns="0" rIns="0" bIns="0" rtlCol="0"/>
+            <a:lstStyle/>
+            <a:p>
+              <a:endParaRPr/>
+            </a:p>
+          </p:txBody>
+        </p:sp>
+        <p:pic>
+          <p:nvPicPr>
+            <p:cNvPr id="12" name="object 12"/>
+            <p:cNvPicPr/>
+            <p:nvPr/>
+          </p:nvPicPr>
+          <p:blipFill>
+            <a:blip r:embed="rId3" cstate="print"/>
+            <a:stretch>
+              <a:fillRect/>
+            </a:stretch>
+          </p:blipFill>
+          <p:spPr>
+            <a:xfrm>
+              <a:off x="142875" y="238125"/>
+              <a:ext cx="1400175" cy="1400175"/>
+            </a:xfrm>
+            <a:prstGeom prst="rect">
+              <a:avLst/>
+            </a:prstGeom>
+          </p:spPr>
+        </p:pic>
+        <p:pic>
+          <p:nvPicPr>
+            <p:cNvPr id="13" name="object 13"/>
+            <p:cNvPicPr/>
+            <p:nvPr/>
+          </p:nvPicPr>
+          <p:blipFill>
+            <a:blip r:embed="rId4" cstate="print"/>
+            <a:stretch>
+              <a:fillRect/>
+            </a:stretch>
+          </p:blipFill>
+          <p:spPr>
+            <a:xfrm>
+              <a:off x="3714750" y="2171636"/>
+              <a:ext cx="4395851" cy="4681601"/>
+            </a:xfrm>
+            <a:prstGeom prst="rect">
+              <a:avLst/>
+            </a:prstGeom>
+          </p:spPr>
+        </p:pic>
+      </p:grpSp>
     </p:spTree>
   </p:cSld>
   <p:clrMapOvr>
@@ -14880,15 +14114,6 @@
 </file>
 
 <file path=customXml/item1.xml><?xml version="1.0" encoding="utf-8"?>
-<?mso-contentType ?>
-<FormTemplates xmlns="http://schemas.microsoft.com/sharepoint/v3/contenttype/forms">
-  <Display>DocumentLibraryForm</Display>
-  <Edit>DocumentLibraryForm</Edit>
-  <New>DocumentLibraryForm</New>
-</FormTemplates>
-</file>
-
-<file path=customXml/item2.xml><?xml version="1.0" encoding="utf-8"?>
 <ct:contentTypeSchema xmlns:ct="http://schemas.microsoft.com/office/2006/metadata/contentType" xmlns:ma="http://schemas.microsoft.com/office/2006/metadata/properties/metaAttributes" ct:_="" ma:_="" ma:contentTypeName="Document" ma:contentTypeID="0x0101009B5AD57055759343B2439CDC4FB2AA8F" ma:contentTypeVersion="7" ma:contentTypeDescription="Create a new document." ma:contentTypeScope="" ma:versionID="35bded6307d720816387be0a7f506850">
   <xsd:schema xmlns:xsd="http://www.w3.org/2001/XMLSchema" xmlns:xs="http://www.w3.org/2001/XMLSchema" xmlns:p="http://schemas.microsoft.com/office/2006/metadata/properties" xmlns:ns3="bd154c79-e350-4d67-947a-6d0920345f00" xmlns:ns4="c6a49ece-9843-408c-b2c2-37afa12ee2fc" targetNamespace="http://schemas.microsoft.com/office/2006/metadata/properties" ma:root="true" ma:fieldsID="703c861a787b1bd2d757c1d05d3ac2b8" ns3:_="" ns4:_="">
     <xsd:import namespace="bd154c79-e350-4d67-947a-6d0920345f00"/>
@@ -15073,6 +14298,15 @@
 </ct:contentTypeSchema>
 </file>
 
+<file path=customXml/item2.xml><?xml version="1.0" encoding="utf-8"?>
+<?mso-contentType ?>
+<FormTemplates xmlns="http://schemas.microsoft.com/sharepoint/v3/contenttype/forms">
+  <Display>DocumentLibraryForm</Display>
+  <Edit>DocumentLibraryForm</Edit>
+  <New>DocumentLibraryForm</New>
+</FormTemplates>
+</file>
+
 <file path=customXml/item3.xml><?xml version="1.0" encoding="utf-8"?>
 <p:properties xmlns:p="http://schemas.microsoft.com/office/2006/metadata/properties" xmlns:xsi="http://www.w3.org/2001/XMLSchema-instance" xmlns:pc="http://schemas.microsoft.com/office/infopath/2007/PartnerControls">
   <documentManagement/>
@@ -15080,14 +14314,6 @@
 </file>
 
 <file path=customXml/itemProps1.xml><?xml version="1.0" encoding="utf-8"?>
-<ds:datastoreItem xmlns:ds="http://schemas.openxmlformats.org/officeDocument/2006/customXml" ds:itemID="{7539E6D1-A962-4F63-9A62-D3BB2BBFD735}">
-  <ds:schemaRefs>
-    <ds:schemaRef ds:uri="http://schemas.microsoft.com/sharepoint/v3/contenttype/forms"/>
-  </ds:schemaRefs>
-</ds:datastoreItem>
-</file>
-
-<file path=customXml/itemProps2.xml><?xml version="1.0" encoding="utf-8"?>
 <ds:datastoreItem xmlns:ds="http://schemas.openxmlformats.org/officeDocument/2006/customXml" ds:itemID="{64FAB04D-67D1-45F3-BA75-2F5023F21031}">
   <ds:schemaRefs>
     <ds:schemaRef ds:uri="bd154c79-e350-4d67-947a-6d0920345f00"/>
@@ -15102,6 +14328,14 @@
     <ds:schemaRef ds:uri="http://schemas.microsoft.com/office/infopath/2007/PartnerControls"/>
     <ds:schemaRef ds:uri="http://schemas.openxmlformats.org/package/2006/metadata/core-properties"/>
     <ds:schemaRef ds:uri="http://www.w3.org/2001/XMLSchema"/>
+  </ds:schemaRefs>
+</ds:datastoreItem>
+</file>
+
+<file path=customXml/itemProps2.xml><?xml version="1.0" encoding="utf-8"?>
+<ds:datastoreItem xmlns:ds="http://schemas.openxmlformats.org/officeDocument/2006/customXml" ds:itemID="{7539E6D1-A962-4F63-9A62-D3BB2BBFD735}">
+  <ds:schemaRefs>
+    <ds:schemaRef ds:uri="http://schemas.microsoft.com/sharepoint/v3/contenttype/forms"/>
   </ds:schemaRefs>
 </ds:datastoreItem>
 </file>

--- a/Apresentação para Sprint/Sprint 3/Slide sprint 3 grupo9 .pptx
+++ b/Apresentação para Sprint/Sprint 3/Slide sprint 3 grupo9 .pptx
@@ -10281,7 +10281,7 @@
         <p:spPr>
           <a:xfrm>
             <a:off x="1575582" y="3024554"/>
-            <a:ext cx="4994030" cy="3139321"/>
+            <a:ext cx="4994030" cy="3385542"/>
           </a:xfrm>
           <a:prstGeom prst="rect">
             <a:avLst/>
@@ -10299,7 +10299,10 @@
               <a:buChar char="•"/>
             </a:pPr>
             <a:r>
-              <a:rPr lang="pt-BR" dirty="0"/>
+              <a:rPr lang="pt-BR" sz="2000" dirty="0">
+                <a:latin typeface="Verdana" panose="020B0604030504040204" pitchFamily="34" charset="0"/>
+                <a:ea typeface="Verdana" panose="020B0604030504040204" pitchFamily="34" charset="0"/>
+              </a:rPr>
               <a:t>Implementação deve crescer em 16% ao ano até 2023;</a:t>
             </a:r>
           </a:p>
@@ -10308,7 +10311,10 @@
               <a:buFont typeface="Arial" panose="020B0604020202020204" pitchFamily="34" charset="0"/>
               <a:buChar char="•"/>
             </a:pPr>
-            <a:endParaRPr lang="pt-BR" dirty="0"/>
+            <a:endParaRPr lang="pt-BR" sz="2000" dirty="0">
+              <a:latin typeface="Verdana" panose="020B0604030504040204" pitchFamily="34" charset="0"/>
+              <a:ea typeface="Verdana" panose="020B0604030504040204" pitchFamily="34" charset="0"/>
+            </a:endParaRPr>
           </a:p>
           <a:p>
             <a:pPr marL="285750" indent="-285750">
@@ -10316,7 +10322,10 @@
               <a:buChar char="•"/>
             </a:pPr>
             <a:r>
-              <a:rPr lang="pt-BR" dirty="0"/>
+              <a:rPr lang="pt-BR" sz="2000" dirty="0">
+                <a:latin typeface="Verdana" panose="020B0604030504040204" pitchFamily="34" charset="0"/>
+                <a:ea typeface="Verdana" panose="020B0604030504040204" pitchFamily="34" charset="0"/>
+              </a:rPr>
               <a:t>Fim da bilheteria manual;</a:t>
             </a:r>
           </a:p>
@@ -10325,7 +10334,10 @@
               <a:buFont typeface="Arial" panose="020B0604020202020204" pitchFamily="34" charset="0"/>
               <a:buChar char="•"/>
             </a:pPr>
-            <a:endParaRPr lang="pt-BR" dirty="0"/>
+            <a:endParaRPr lang="pt-BR" sz="2000" dirty="0">
+              <a:latin typeface="Verdana" panose="020B0604030504040204" pitchFamily="34" charset="0"/>
+              <a:ea typeface="Verdana" panose="020B0604030504040204" pitchFamily="34" charset="0"/>
+            </a:endParaRPr>
           </a:p>
           <a:p>
             <a:pPr marL="285750" indent="-285750">
@@ -10333,7 +10345,10 @@
               <a:buChar char="•"/>
             </a:pPr>
             <a:r>
-              <a:rPr lang="pt-BR" dirty="0"/>
+              <a:rPr lang="pt-BR" sz="2000" dirty="0">
+                <a:latin typeface="Verdana" panose="020B0604030504040204" pitchFamily="34" charset="0"/>
+                <a:ea typeface="Verdana" panose="020B0604030504040204" pitchFamily="34" charset="0"/>
+              </a:rPr>
               <a:t>A resolução de problemas demoram aproximadamente 8 horas para serem solucionadas;</a:t>
             </a:r>
           </a:p>
@@ -11587,196 +11602,196 @@
               </a:tabLst>
             </a:pPr>
             <a:r>
-              <a:rPr sz="2000" spc="10">
-                <a:latin typeface="Verdana"/>
+              <a:rPr sz="2000" spc="10" dirty="0" err="1">
+                <a:latin typeface="+mj-lt"/>
                 <a:cs typeface="Verdana"/>
               </a:rPr>
               <a:t>p</a:t>
             </a:r>
             <a:r>
-              <a:rPr sz="2000" spc="-10">
-                <a:latin typeface="Verdana"/>
+              <a:rPr sz="2000" spc="-10" dirty="0" err="1">
+                <a:latin typeface="+mj-lt"/>
                 <a:cs typeface="Verdana"/>
               </a:rPr>
               <a:t>l</a:t>
             </a:r>
             <a:r>
-              <a:rPr sz="2000" spc="-5">
-                <a:latin typeface="Verdana"/>
+              <a:rPr sz="2000" spc="-5" dirty="0" err="1">
+                <a:latin typeface="+mj-lt"/>
                 <a:cs typeface="Verdana"/>
               </a:rPr>
               <a:t>a</a:t>
             </a:r>
             <a:r>
-              <a:rPr sz="2000" spc="110">
-                <a:latin typeface="Verdana"/>
+              <a:rPr sz="2000" spc="110" dirty="0" err="1">
+                <a:latin typeface="+mj-lt"/>
                 <a:cs typeface="Verdana"/>
               </a:rPr>
               <a:t>t</a:t>
             </a:r>
             <a:r>
-              <a:rPr sz="2000" spc="-5">
-                <a:latin typeface="Verdana"/>
+              <a:rPr sz="2000" spc="-5" dirty="0" err="1">
+                <a:latin typeface="+mj-lt"/>
                 <a:cs typeface="Verdana"/>
               </a:rPr>
               <a:t>a</a:t>
             </a:r>
             <a:r>
-              <a:rPr sz="2000" spc="120">
-                <a:latin typeface="Verdana"/>
+              <a:rPr sz="2000" spc="120" dirty="0" err="1">
+                <a:latin typeface="+mj-lt"/>
                 <a:cs typeface="Verdana"/>
               </a:rPr>
               <a:t>f</a:t>
             </a:r>
             <a:r>
-              <a:rPr sz="2000" spc="-20">
-                <a:latin typeface="Verdana"/>
+              <a:rPr sz="2000" spc="-20" dirty="0" err="1">
+                <a:latin typeface="+mj-lt"/>
                 <a:cs typeface="Verdana"/>
               </a:rPr>
               <a:t>o</a:t>
             </a:r>
             <a:r>
-              <a:rPr sz="2000" spc="40">
-                <a:latin typeface="Verdana"/>
+              <a:rPr sz="2000" spc="40" dirty="0" err="1">
+                <a:latin typeface="+mj-lt"/>
                 <a:cs typeface="Verdana"/>
               </a:rPr>
               <a:t>r</a:t>
             </a:r>
             <a:r>
-              <a:rPr sz="2000" spc="-75">
-                <a:latin typeface="Verdana"/>
+              <a:rPr sz="2000" spc="-75" dirty="0" err="1">
+                <a:latin typeface="+mj-lt"/>
                 <a:cs typeface="Verdana"/>
               </a:rPr>
               <a:t>m</a:t>
             </a:r>
             <a:r>
-              <a:rPr sz="2000" spc="-10">
-                <a:latin typeface="Verdana"/>
+              <a:rPr sz="2000" spc="-10" dirty="0" err="1">
+                <a:latin typeface="+mj-lt"/>
                 <a:cs typeface="Verdana"/>
               </a:rPr>
               <a:t>a</a:t>
             </a:r>
             <a:r>
-              <a:rPr sz="2000">
+              <a:rPr sz="2000" dirty="0">
                 <a:latin typeface="Verdana"/>
                 <a:cs typeface="Verdana"/>
               </a:rPr>
               <a:t>	</a:t>
             </a:r>
             <a:r>
-              <a:rPr sz="2000" spc="10">
+              <a:rPr sz="2000" spc="10" dirty="0">
                 <a:latin typeface="Verdana"/>
                 <a:cs typeface="Verdana"/>
               </a:rPr>
               <a:t>d</a:t>
             </a:r>
             <a:r>
-              <a:rPr sz="2000" spc="15">
+              <a:rPr sz="2000" spc="15" dirty="0">
                 <a:latin typeface="Verdana"/>
                 <a:cs typeface="Verdana"/>
               </a:rPr>
               <a:t>e</a:t>
             </a:r>
             <a:r>
-              <a:rPr sz="2000">
+              <a:rPr sz="2000" dirty="0">
                 <a:latin typeface="Verdana"/>
                 <a:cs typeface="Verdana"/>
               </a:rPr>
               <a:t>	</a:t>
             </a:r>
             <a:r>
-              <a:rPr sz="2000" spc="120">
+              <a:rPr sz="2000" spc="120" dirty="0">
                 <a:latin typeface="Verdana"/>
                 <a:cs typeface="Verdana"/>
               </a:rPr>
               <a:t>f</a:t>
             </a:r>
             <a:r>
-              <a:rPr sz="2000" spc="45">
+              <a:rPr sz="2000" spc="45" dirty="0">
                 <a:latin typeface="Verdana"/>
                 <a:cs typeface="Verdana"/>
               </a:rPr>
               <a:t>o</a:t>
             </a:r>
             <a:r>
-              <a:rPr sz="2000" spc="-15">
+              <a:rPr sz="2000" spc="-15" dirty="0">
                 <a:latin typeface="Verdana"/>
                 <a:cs typeface="Verdana"/>
               </a:rPr>
               <a:t>r</a:t>
             </a:r>
             <a:r>
-              <a:rPr sz="2000">
+              <a:rPr sz="2000" dirty="0">
                 <a:latin typeface="Verdana"/>
                 <a:cs typeface="Verdana"/>
               </a:rPr>
               <a:t>m</a:t>
             </a:r>
             <a:r>
-              <a:rPr sz="2000" spc="-10">
+              <a:rPr sz="2000" spc="-10" dirty="0">
                 <a:latin typeface="Verdana"/>
                 <a:cs typeface="Verdana"/>
               </a:rPr>
               <a:t>a</a:t>
             </a:r>
             <a:r>
-              <a:rPr sz="2000">
+              <a:rPr sz="2000" dirty="0">
                 <a:latin typeface="Verdana"/>
                 <a:cs typeface="Verdana"/>
               </a:rPr>
               <a:t>	</a:t>
             </a:r>
             <a:r>
-              <a:rPr sz="2000" spc="-125">
+              <a:rPr sz="2000" spc="-125" dirty="0" err="1">
                 <a:latin typeface="Verdana"/>
                 <a:cs typeface="Verdana"/>
               </a:rPr>
               <a:t>g</a:t>
             </a:r>
             <a:r>
-              <a:rPr sz="2000" spc="40">
+              <a:rPr sz="2000" spc="40" dirty="0" err="1">
                 <a:latin typeface="Verdana"/>
                 <a:cs typeface="Verdana"/>
               </a:rPr>
               <a:t>r</a:t>
             </a:r>
             <a:r>
-              <a:rPr sz="2000" spc="-5">
+              <a:rPr sz="2000" spc="-5" dirty="0" err="1">
                 <a:latin typeface="Verdana"/>
                 <a:cs typeface="Verdana"/>
               </a:rPr>
               <a:t>á</a:t>
             </a:r>
             <a:r>
-              <a:rPr sz="2000" spc="120">
+              <a:rPr sz="2000" spc="120" dirty="0" err="1">
                 <a:latin typeface="Verdana"/>
                 <a:cs typeface="Verdana"/>
               </a:rPr>
               <a:t>f</a:t>
             </a:r>
             <a:r>
-              <a:rPr sz="2000" spc="-30">
+              <a:rPr sz="2000" spc="-30" dirty="0" err="1">
                 <a:latin typeface="Verdana"/>
                 <a:cs typeface="Verdana"/>
               </a:rPr>
               <a:t>i</a:t>
             </a:r>
             <a:r>
-              <a:rPr sz="2000">
+              <a:rPr sz="2000" dirty="0" err="1">
                 <a:latin typeface="Verdana"/>
                 <a:cs typeface="Verdana"/>
               </a:rPr>
               <a:t>c</a:t>
             </a:r>
             <a:r>
-              <a:rPr sz="2000" spc="-10">
+              <a:rPr sz="2000" spc="-10" dirty="0" err="1">
                 <a:latin typeface="Verdana"/>
                 <a:cs typeface="Verdana"/>
               </a:rPr>
               <a:t>a</a:t>
             </a:r>
             <a:r>
-              <a:rPr sz="2000">
+              <a:rPr sz="2000" dirty="0">
                 <a:latin typeface="Verdana"/>
                 <a:cs typeface="Verdana"/>
               </a:rPr>
@@ -13661,7 +13676,7 @@
         </p:nvGrpSpPr>
         <p:grpSpPr>
           <a:xfrm>
-            <a:off x="142875" y="238125"/>
+            <a:off x="128807" y="242570"/>
             <a:ext cx="7967980" cy="6615430"/>
             <a:chOff x="142875" y="238125"/>
             <a:chExt cx="7967980" cy="6615430"/>
@@ -13822,6 +13837,350 @@
           </p:spPr>
         </p:pic>
       </p:grpSp>
+      <p:pic>
+        <p:nvPicPr>
+          <p:cNvPr id="1026" name="Picture 2" descr="Request: New Slack Desktop Icon? · Issue #1610 ·  PapirusDevelopmentTeam/papirus-icon-theme · GitHub">
+            <a:extLst>
+              <a:ext uri="{FF2B5EF4-FFF2-40B4-BE49-F238E27FC236}">
+                <a16:creationId xmlns:a16="http://schemas.microsoft.com/office/drawing/2014/main" id="{0DD9CCD9-F232-FE49-1037-F0F2DCE32A15}"/>
+              </a:ext>
+            </a:extLst>
+          </p:cNvPr>
+          <p:cNvPicPr>
+            <a:picLocks noChangeAspect="1" noChangeArrowheads="1"/>
+          </p:cNvPicPr>
+          <p:nvPr/>
+        </p:nvPicPr>
+        <p:blipFill>
+          <a:blip r:embed="rId5" cstate="print">
+            <a:extLst>
+              <a:ext uri="{28A0092B-C50C-407E-A947-70E740481C1C}">
+                <a14:useLocalDpi xmlns:a14="http://schemas.microsoft.com/office/drawing/2010/main" val="0"/>
+              </a:ext>
+            </a:extLst>
+          </a:blip>
+          <a:srcRect/>
+          <a:stretch>
+            <a:fillRect/>
+          </a:stretch>
+        </p:blipFill>
+        <p:spPr bwMode="auto">
+          <a:xfrm>
+            <a:off x="290732" y="2045303"/>
+            <a:ext cx="1447800" cy="1447800"/>
+          </a:xfrm>
+          <a:prstGeom prst="roundRect">
+            <a:avLst>
+              <a:gd name="adj" fmla="val 4167"/>
+            </a:avLst>
+          </a:prstGeom>
+          <a:solidFill>
+            <a:srgbClr val="FFFFFF"/>
+          </a:solidFill>
+          <a:ln w="76200" cap="sq">
+            <a:solidFill>
+              <a:srgbClr val="273B5C"/>
+            </a:solidFill>
+            <a:miter lim="800000"/>
+          </a:ln>
+          <a:effectLst>
+            <a:reflection blurRad="12700" stA="28000" endPos="28000" dist="5000" dir="5400000" sy="-100000" algn="bl" rotWithShape="0"/>
+          </a:effectLst>
+          <a:scene3d>
+            <a:camera prst="orthographicFront"/>
+            <a:lightRig rig="threePt" dir="t">
+              <a:rot lat="0" lon="0" rev="2700000"/>
+            </a:lightRig>
+          </a:scene3d>
+          <a:sp3d>
+            <a:bevelT h="38100"/>
+            <a:contourClr>
+              <a:srgbClr val="C0C0C0"/>
+            </a:contourClr>
+          </a:sp3d>
+          <a:extLst>
+            <a:ext uri="{909E8E84-426E-40DD-AFC4-6F175D3DCCD1}">
+              <a14:hiddenFill xmlns:a14="http://schemas.microsoft.com/office/drawing/2010/main">
+                <a:solidFill>
+                  <a:srgbClr val="FFFFFF"/>
+                </a:solidFill>
+              </a14:hiddenFill>
+            </a:ext>
+          </a:extLst>
+        </p:spPr>
+      </p:pic>
+      <p:pic>
+        <p:nvPicPr>
+          <p:cNvPr id="1030" name="Picture 6" descr="JDBC - Persistence Services | openHAB">
+            <a:extLst>
+              <a:ext uri="{FF2B5EF4-FFF2-40B4-BE49-F238E27FC236}">
+                <a16:creationId xmlns:a16="http://schemas.microsoft.com/office/drawing/2014/main" id="{7A264B40-197F-3517-6F05-9D6474D07F61}"/>
+              </a:ext>
+            </a:extLst>
+          </p:cNvPr>
+          <p:cNvPicPr>
+            <a:picLocks noChangeAspect="1" noChangeArrowheads="1"/>
+          </p:cNvPicPr>
+          <p:nvPr/>
+        </p:nvPicPr>
+        <p:blipFill>
+          <a:blip r:embed="rId6" cstate="print">
+            <a:extLst>
+              <a:ext uri="{28A0092B-C50C-407E-A947-70E740481C1C}">
+                <a14:useLocalDpi xmlns:a14="http://schemas.microsoft.com/office/drawing/2010/main" val="0"/>
+              </a:ext>
+            </a:extLst>
+          </a:blip>
+          <a:srcRect/>
+          <a:stretch>
+            <a:fillRect/>
+          </a:stretch>
+        </p:blipFill>
+        <p:spPr bwMode="auto">
+          <a:xfrm>
+            <a:off x="679061" y="4622367"/>
+            <a:ext cx="1269021" cy="1993063"/>
+          </a:xfrm>
+          <a:prstGeom prst="roundRect">
+            <a:avLst>
+              <a:gd name="adj" fmla="val 4167"/>
+            </a:avLst>
+          </a:prstGeom>
+          <a:solidFill>
+            <a:srgbClr val="FFFFFF"/>
+          </a:solidFill>
+          <a:ln w="76200" cap="sq">
+            <a:solidFill>
+              <a:srgbClr val="273B5C"/>
+            </a:solidFill>
+            <a:miter lim="800000"/>
+          </a:ln>
+          <a:effectLst>
+            <a:reflection blurRad="12700" stA="28000" endPos="28000" dist="5000" dir="5400000" sy="-100000" algn="bl" rotWithShape="0"/>
+          </a:effectLst>
+          <a:scene3d>
+            <a:camera prst="orthographicFront"/>
+            <a:lightRig rig="threePt" dir="t">
+              <a:rot lat="0" lon="0" rev="2700000"/>
+            </a:lightRig>
+          </a:scene3d>
+          <a:sp3d>
+            <a:bevelT h="38100"/>
+            <a:contourClr>
+              <a:srgbClr val="C0C0C0"/>
+            </a:contourClr>
+          </a:sp3d>
+          <a:extLst>
+            <a:ext uri="{909E8E84-426E-40DD-AFC4-6F175D3DCCD1}">
+              <a14:hiddenFill xmlns:a14="http://schemas.microsoft.com/office/drawing/2010/main">
+                <a:solidFill>
+                  <a:srgbClr val="FFFFFF"/>
+                </a:solidFill>
+              </a14:hiddenFill>
+            </a:ext>
+          </a:extLst>
+        </p:spPr>
+      </p:pic>
+      <p:pic>
+        <p:nvPicPr>
+          <p:cNvPr id="15" name="Imagem 14">
+            <a:extLst>
+              <a:ext uri="{FF2B5EF4-FFF2-40B4-BE49-F238E27FC236}">
+                <a16:creationId xmlns:a16="http://schemas.microsoft.com/office/drawing/2014/main" id="{837EDEAA-4198-B6FC-6812-497D01AC2E6A}"/>
+              </a:ext>
+            </a:extLst>
+          </p:cNvPr>
+          <p:cNvPicPr>
+            <a:picLocks noChangeAspect="1"/>
+          </p:cNvPicPr>
+          <p:nvPr/>
+        </p:nvPicPr>
+        <p:blipFill>
+          <a:blip r:embed="rId7"/>
+          <a:stretch>
+            <a:fillRect/>
+          </a:stretch>
+        </p:blipFill>
+        <p:spPr>
+          <a:xfrm>
+            <a:off x="8417432" y="2865467"/>
+            <a:ext cx="2941072" cy="768512"/>
+          </a:xfrm>
+          <a:prstGeom prst="roundRect">
+            <a:avLst>
+              <a:gd name="adj" fmla="val 4167"/>
+            </a:avLst>
+          </a:prstGeom>
+          <a:solidFill>
+            <a:srgbClr val="FFFFFF"/>
+          </a:solidFill>
+          <a:ln w="76200" cap="sq">
+            <a:solidFill>
+              <a:srgbClr val="273B5C"/>
+            </a:solidFill>
+            <a:miter lim="800000"/>
+          </a:ln>
+          <a:effectLst>
+            <a:reflection blurRad="12700" stA="28000" endPos="28000" dist="5000" dir="5400000" sy="-100000" algn="bl" rotWithShape="0"/>
+          </a:effectLst>
+          <a:scene3d>
+            <a:camera prst="orthographicFront"/>
+            <a:lightRig rig="threePt" dir="t">
+              <a:rot lat="0" lon="0" rev="2700000"/>
+            </a:lightRig>
+          </a:scene3d>
+          <a:sp3d>
+            <a:bevelT h="38100"/>
+            <a:contourClr>
+              <a:srgbClr val="C0C0C0"/>
+            </a:contourClr>
+          </a:sp3d>
+        </p:spPr>
+      </p:pic>
+      <p:pic>
+        <p:nvPicPr>
+          <p:cNvPr id="1032" name="Picture 8" descr="Unicode Systems LLC - Software Application Development for Financial  Services &amp; Banking">
+            <a:extLst>
+              <a:ext uri="{FF2B5EF4-FFF2-40B4-BE49-F238E27FC236}">
+                <a16:creationId xmlns:a16="http://schemas.microsoft.com/office/drawing/2014/main" id="{162BEDC1-9A27-FF34-3048-CDAD7F4B30B7}"/>
+              </a:ext>
+            </a:extLst>
+          </p:cNvPr>
+          <p:cNvPicPr>
+            <a:picLocks noChangeAspect="1" noChangeArrowheads="1"/>
+          </p:cNvPicPr>
+          <p:nvPr/>
+        </p:nvPicPr>
+        <p:blipFill>
+          <a:blip r:embed="rId8">
+            <a:extLst>
+              <a:ext uri="{28A0092B-C50C-407E-A947-70E740481C1C}">
+                <a14:useLocalDpi xmlns:a14="http://schemas.microsoft.com/office/drawing/2010/main" val="0"/>
+              </a:ext>
+            </a:extLst>
+          </a:blip>
+          <a:srcRect/>
+          <a:stretch>
+            <a:fillRect/>
+          </a:stretch>
+        </p:blipFill>
+        <p:spPr bwMode="auto">
+          <a:xfrm>
+            <a:off x="8715878" y="4810202"/>
+            <a:ext cx="2156983" cy="1697510"/>
+          </a:xfrm>
+          <a:prstGeom prst="roundRect">
+            <a:avLst>
+              <a:gd name="adj" fmla="val 4167"/>
+            </a:avLst>
+          </a:prstGeom>
+          <a:solidFill>
+            <a:srgbClr val="FFFFFF"/>
+          </a:solidFill>
+          <a:ln w="76200" cap="sq">
+            <a:solidFill>
+              <a:srgbClr val="273B5C"/>
+            </a:solidFill>
+            <a:miter lim="800000"/>
+          </a:ln>
+          <a:effectLst>
+            <a:reflection blurRad="12700" stA="28000" endPos="28000" dist="5000" dir="5400000" sy="-100000" algn="bl" rotWithShape="0"/>
+          </a:effectLst>
+          <a:scene3d>
+            <a:camera prst="orthographicFront"/>
+            <a:lightRig rig="threePt" dir="t">
+              <a:rot lat="0" lon="0" rev="2700000"/>
+            </a:lightRig>
+          </a:scene3d>
+          <a:sp3d>
+            <a:bevelT h="38100"/>
+            <a:contourClr>
+              <a:srgbClr val="C0C0C0"/>
+            </a:contourClr>
+          </a:sp3d>
+          <a:extLst>
+            <a:ext uri="{909E8E84-426E-40DD-AFC4-6F175D3DCCD1}">
+              <a14:hiddenFill xmlns:a14="http://schemas.microsoft.com/office/drawing/2010/main">
+                <a:solidFill>
+                  <a:srgbClr val="FFFFFF"/>
+                </a:solidFill>
+              </a14:hiddenFill>
+            </a:ext>
+          </a:extLst>
+        </p:spPr>
+      </p:pic>
+      <p:pic>
+        <p:nvPicPr>
+          <p:cNvPr id="1034" name="Picture 10" descr="Histórico - ícones de arquivos e pastas grátis">
+            <a:extLst>
+              <a:ext uri="{FF2B5EF4-FFF2-40B4-BE49-F238E27FC236}">
+                <a16:creationId xmlns:a16="http://schemas.microsoft.com/office/drawing/2014/main" id="{E46CE0DA-060A-48B2-4A17-2DEE1A7A8E4C}"/>
+              </a:ext>
+            </a:extLst>
+          </p:cNvPr>
+          <p:cNvPicPr>
+            <a:picLocks noChangeAspect="1" noChangeArrowheads="1"/>
+          </p:cNvPicPr>
+          <p:nvPr/>
+        </p:nvPicPr>
+        <p:blipFill>
+          <a:blip r:embed="rId9" cstate="print">
+            <a:extLst>
+              <a:ext uri="{28A0092B-C50C-407E-A947-70E740481C1C}">
+                <a14:useLocalDpi xmlns:a14="http://schemas.microsoft.com/office/drawing/2010/main" val="0"/>
+              </a:ext>
+            </a:extLst>
+          </a:blip>
+          <a:srcRect/>
+          <a:stretch>
+            <a:fillRect/>
+          </a:stretch>
+        </p:blipFill>
+        <p:spPr bwMode="auto">
+          <a:xfrm>
+            <a:off x="2269771" y="3246419"/>
+            <a:ext cx="1270462" cy="1270462"/>
+          </a:xfrm>
+          <a:prstGeom prst="roundRect">
+            <a:avLst>
+              <a:gd name="adj" fmla="val 4167"/>
+            </a:avLst>
+          </a:prstGeom>
+          <a:solidFill>
+            <a:srgbClr val="FFFFFF"/>
+          </a:solidFill>
+          <a:ln w="76200" cap="sq">
+            <a:solidFill>
+              <a:srgbClr val="273B5C"/>
+            </a:solidFill>
+            <a:miter lim="800000"/>
+          </a:ln>
+          <a:effectLst>
+            <a:reflection blurRad="12700" stA="28000" endPos="28000" dist="5000" dir="5400000" sy="-100000" algn="bl" rotWithShape="0"/>
+          </a:effectLst>
+          <a:scene3d>
+            <a:camera prst="orthographicFront"/>
+            <a:lightRig rig="threePt" dir="t">
+              <a:rot lat="0" lon="0" rev="2700000"/>
+            </a:lightRig>
+          </a:scene3d>
+          <a:sp3d>
+            <a:bevelT h="38100"/>
+            <a:contourClr>
+              <a:srgbClr val="C0C0C0"/>
+            </a:contourClr>
+          </a:sp3d>
+          <a:extLst>
+            <a:ext uri="{909E8E84-426E-40DD-AFC4-6F175D3DCCD1}">
+              <a14:hiddenFill xmlns:a14="http://schemas.microsoft.com/office/drawing/2010/main">
+                <a:solidFill>
+                  <a:srgbClr val="FFFFFF"/>
+                </a:solidFill>
+              </a14:hiddenFill>
+            </a:ext>
+          </a:extLst>
+        </p:spPr>
+      </p:pic>
     </p:spTree>
   </p:cSld>
   <p:clrMapOvr>
@@ -14114,6 +14473,15 @@
 </file>
 
 <file path=customXml/item1.xml><?xml version="1.0" encoding="utf-8"?>
+<?mso-contentType ?>
+<FormTemplates xmlns="http://schemas.microsoft.com/sharepoint/v3/contenttype/forms">
+  <Display>DocumentLibraryForm</Display>
+  <Edit>DocumentLibraryForm</Edit>
+  <New>DocumentLibraryForm</New>
+</FormTemplates>
+</file>
+
+<file path=customXml/item2.xml><?xml version="1.0" encoding="utf-8"?>
 <ct:contentTypeSchema xmlns:ct="http://schemas.microsoft.com/office/2006/metadata/contentType" xmlns:ma="http://schemas.microsoft.com/office/2006/metadata/properties/metaAttributes" ct:_="" ma:_="" ma:contentTypeName="Document" ma:contentTypeID="0x0101009B5AD57055759343B2439CDC4FB2AA8F" ma:contentTypeVersion="7" ma:contentTypeDescription="Create a new document." ma:contentTypeScope="" ma:versionID="35bded6307d720816387be0a7f506850">
   <xsd:schema xmlns:xsd="http://www.w3.org/2001/XMLSchema" xmlns:xs="http://www.w3.org/2001/XMLSchema" xmlns:p="http://schemas.microsoft.com/office/2006/metadata/properties" xmlns:ns3="bd154c79-e350-4d67-947a-6d0920345f00" xmlns:ns4="c6a49ece-9843-408c-b2c2-37afa12ee2fc" targetNamespace="http://schemas.microsoft.com/office/2006/metadata/properties" ma:root="true" ma:fieldsID="703c861a787b1bd2d757c1d05d3ac2b8" ns3:_="" ns4:_="">
     <xsd:import namespace="bd154c79-e350-4d67-947a-6d0920345f00"/>
@@ -14298,15 +14666,6 @@
 </ct:contentTypeSchema>
 </file>
 
-<file path=customXml/item2.xml><?xml version="1.0" encoding="utf-8"?>
-<?mso-contentType ?>
-<FormTemplates xmlns="http://schemas.microsoft.com/sharepoint/v3/contenttype/forms">
-  <Display>DocumentLibraryForm</Display>
-  <Edit>DocumentLibraryForm</Edit>
-  <New>DocumentLibraryForm</New>
-</FormTemplates>
-</file>
-
 <file path=customXml/item3.xml><?xml version="1.0" encoding="utf-8"?>
 <p:properties xmlns:p="http://schemas.microsoft.com/office/2006/metadata/properties" xmlns:xsi="http://www.w3.org/2001/XMLSchema-instance" xmlns:pc="http://schemas.microsoft.com/office/infopath/2007/PartnerControls">
   <documentManagement/>
@@ -14314,6 +14673,14 @@
 </file>
 
 <file path=customXml/itemProps1.xml><?xml version="1.0" encoding="utf-8"?>
+<ds:datastoreItem xmlns:ds="http://schemas.openxmlformats.org/officeDocument/2006/customXml" ds:itemID="{7539E6D1-A962-4F63-9A62-D3BB2BBFD735}">
+  <ds:schemaRefs>
+    <ds:schemaRef ds:uri="http://schemas.microsoft.com/sharepoint/v3/contenttype/forms"/>
+  </ds:schemaRefs>
+</ds:datastoreItem>
+</file>
+
+<file path=customXml/itemProps2.xml><?xml version="1.0" encoding="utf-8"?>
 <ds:datastoreItem xmlns:ds="http://schemas.openxmlformats.org/officeDocument/2006/customXml" ds:itemID="{64FAB04D-67D1-45F3-BA75-2F5023F21031}">
   <ds:schemaRefs>
     <ds:schemaRef ds:uri="bd154c79-e350-4d67-947a-6d0920345f00"/>
@@ -14328,14 +14695,6 @@
     <ds:schemaRef ds:uri="http://schemas.microsoft.com/office/infopath/2007/PartnerControls"/>
     <ds:schemaRef ds:uri="http://schemas.openxmlformats.org/package/2006/metadata/core-properties"/>
     <ds:schemaRef ds:uri="http://www.w3.org/2001/XMLSchema"/>
-  </ds:schemaRefs>
-</ds:datastoreItem>
-</file>
-
-<file path=customXml/itemProps2.xml><?xml version="1.0" encoding="utf-8"?>
-<ds:datastoreItem xmlns:ds="http://schemas.openxmlformats.org/officeDocument/2006/customXml" ds:itemID="{7539E6D1-A962-4F63-9A62-D3BB2BBFD735}">
-  <ds:schemaRefs>
-    <ds:schemaRef ds:uri="http://schemas.microsoft.com/sharepoint/v3/contenttype/forms"/>
   </ds:schemaRefs>
 </ds:datastoreItem>
 </file>

--- a/Apresentação para Sprint/Sprint 3/Slide sprint 3 grupo9 .pptx
+++ b/Apresentação para Sprint/Sprint 3/Slide sprint 3 grupo9 .pptx
@@ -8,17 +8,19 @@
     <p:sldId id="256" r:id="rId5"/>
     <p:sldId id="257" r:id="rId6"/>
     <p:sldId id="258" r:id="rId7"/>
-    <p:sldId id="267" r:id="rId8"/>
-    <p:sldId id="260" r:id="rId9"/>
-    <p:sldId id="265" r:id="rId10"/>
-    <p:sldId id="270" r:id="rId11"/>
-    <p:sldId id="282" r:id="rId12"/>
-    <p:sldId id="274" r:id="rId13"/>
-    <p:sldId id="273" r:id="rId14"/>
-    <p:sldId id="272" r:id="rId15"/>
-    <p:sldId id="278" r:id="rId16"/>
-    <p:sldId id="280" r:id="rId17"/>
-    <p:sldId id="279" r:id="rId18"/>
+    <p:sldId id="284" r:id="rId8"/>
+    <p:sldId id="267" r:id="rId9"/>
+    <p:sldId id="260" r:id="rId10"/>
+    <p:sldId id="265" r:id="rId11"/>
+    <p:sldId id="270" r:id="rId12"/>
+    <p:sldId id="282" r:id="rId13"/>
+    <p:sldId id="283" r:id="rId14"/>
+    <p:sldId id="274" r:id="rId15"/>
+    <p:sldId id="273" r:id="rId16"/>
+    <p:sldId id="272" r:id="rId17"/>
+    <p:sldId id="278" r:id="rId18"/>
+    <p:sldId id="280" r:id="rId19"/>
+    <p:sldId id="279" r:id="rId20"/>
   </p:sldIdLst>
   <p:sldSz cx="12192000" cy="6858000"/>
   <p:notesSz cx="12192000" cy="6858000"/>
@@ -284,7 +286,7 @@
           <a:p>
             <a:fld id="{1D8BD707-D9CF-40AE-B4C6-C98DA3205C09}" type="datetimeFigureOut">
               <a:rPr lang="en-US"/>
-              <a:t>6/7/2022</a:t>
+              <a:t>6/7/22</a:t>
             </a:fld>
             <a:endParaRPr lang="en-US"/>
           </a:p>
@@ -316,7 +318,7 @@
           </a:lstStyle>
           <a:p>
             <a:fld id="{B6F15528-21DE-4FAA-801E-634DDDAF4B2B}" type="slidenum">
-              <a:t>‹nº›</a:t>
+              <a:t>‹#›</a:t>
             </a:fld>
             <a:endParaRPr/>
           </a:p>
@@ -459,7 +461,7 @@
           <a:p>
             <a:fld id="{1D8BD707-D9CF-40AE-B4C6-C98DA3205C09}" type="datetimeFigureOut">
               <a:rPr lang="en-US"/>
-              <a:t>6/7/2022</a:t>
+              <a:t>6/7/22</a:t>
             </a:fld>
             <a:endParaRPr lang="en-US"/>
           </a:p>
@@ -491,7 +493,7 @@
           </a:lstStyle>
           <a:p>
             <a:fld id="{B6F15528-21DE-4FAA-801E-634DDDAF4B2B}" type="slidenum">
-              <a:t>‹nº›</a:t>
+              <a:t>‹#›</a:t>
             </a:fld>
             <a:endParaRPr/>
           </a:p>
@@ -1517,7 +1519,7 @@
           <a:p>
             <a:fld id="{1D8BD707-D9CF-40AE-B4C6-C98DA3205C09}" type="datetimeFigureOut">
               <a:rPr lang="en-US"/>
-              <a:t>6/7/2022</a:t>
+              <a:t>6/7/22</a:t>
             </a:fld>
             <a:endParaRPr lang="en-US"/>
           </a:p>
@@ -1549,7 +1551,7 @@
           </a:lstStyle>
           <a:p>
             <a:fld id="{B6F15528-21DE-4FAA-801E-634DDDAF4B2B}" type="slidenum">
-              <a:t>‹nº›</a:t>
+              <a:t>‹#›</a:t>
             </a:fld>
             <a:endParaRPr/>
           </a:p>
@@ -1665,7 +1667,7 @@
           <a:p>
             <a:fld id="{1D8BD707-D9CF-40AE-B4C6-C98DA3205C09}" type="datetimeFigureOut">
               <a:rPr lang="en-US"/>
-              <a:t>6/7/2022</a:t>
+              <a:t>6/7/22</a:t>
             </a:fld>
             <a:endParaRPr lang="en-US"/>
           </a:p>
@@ -1697,7 +1699,7 @@
           </a:lstStyle>
           <a:p>
             <a:fld id="{B6F15528-21DE-4FAA-801E-634DDDAF4B2B}" type="slidenum">
-              <a:t>‹nº›</a:t>
+              <a:t>‹#›</a:t>
             </a:fld>
             <a:endParaRPr/>
           </a:p>
@@ -1784,7 +1786,7 @@
           <a:p>
             <a:fld id="{1D8BD707-D9CF-40AE-B4C6-C98DA3205C09}" type="datetimeFigureOut">
               <a:rPr lang="en-US"/>
-              <a:t>6/7/2022</a:t>
+              <a:t>6/7/22</a:t>
             </a:fld>
             <a:endParaRPr lang="en-US"/>
           </a:p>
@@ -1816,7 +1818,7 @@
           </a:lstStyle>
           <a:p>
             <a:fld id="{B6F15528-21DE-4FAA-801E-634DDDAF4B2B}" type="slidenum">
-              <a:t>‹nº›</a:t>
+              <a:t>‹#›</a:t>
             </a:fld>
             <a:endParaRPr/>
           </a:p>
@@ -2057,7 +2059,7 @@
           <a:p>
             <a:fld id="{1D8BD707-D9CF-40AE-B4C6-C98DA3205C09}" type="datetimeFigureOut">
               <a:rPr lang="en-US"/>
-              <a:t>6/7/2022</a:t>
+              <a:t>6/7/22</a:t>
             </a:fld>
             <a:endParaRPr lang="en-US"/>
           </a:p>
@@ -2099,7 +2101,7 @@
           </a:lstStyle>
           <a:p>
             <a:fld id="{B6F15528-21DE-4FAA-801E-634DDDAF4B2B}" type="slidenum">
-              <a:t>‹nº›</a:t>
+              <a:t>‹#›</a:t>
             </a:fld>
             <a:endParaRPr/>
           </a:p>
@@ -2521,8 +2523,8 @@
         </p:nvGrpSpPr>
         <p:grpSpPr>
           <a:xfrm>
-            <a:off x="-7937" y="0"/>
-            <a:ext cx="12207875" cy="1901825"/>
+            <a:off x="0" y="0"/>
+            <a:ext cx="12207875" cy="6977575"/>
             <a:chOff x="-7937" y="0"/>
             <a:chExt cx="12207875" cy="1901825"/>
           </a:xfrm>
@@ -2633,13 +2635,17 @@
       <p:sp>
         <p:nvSpPr>
           <p:cNvPr id="8" name="object 8"/>
-          <p:cNvSpPr txBox="1"/>
-          <p:nvPr/>
+          <p:cNvSpPr txBox="1">
+            <a:spLocks noGrp="1"/>
+          </p:cNvSpPr>
+          <p:nvPr>
+            <p:ph type="title"/>
+          </p:nvPr>
         </p:nvSpPr>
         <p:spPr>
           <a:xfrm>
-            <a:off x="5379339" y="524827"/>
-            <a:ext cx="1435735" cy="758190"/>
+            <a:off x="4216400" y="524827"/>
+            <a:ext cx="3773170" cy="758190"/>
           </a:xfrm>
           <a:prstGeom prst="rect">
             <a:avLst/>
@@ -2651,7 +2657,7 @@
           </a:bodyPr>
           <a:lstStyle/>
           <a:p>
-            <a:pPr marL="12700">
+            <a:pPr marL="12700" algn="ctr">
               <a:lnSpc>
                 <a:spcPct val="100000"/>
               </a:lnSpc>
@@ -2660,212 +2666,63 @@
               </a:spcBef>
             </a:pPr>
             <a:r>
-              <a:rPr sz="4800" spc="70">
-                <a:solidFill>
-                  <a:srgbClr val="FFFFFF"/>
-                </a:solidFill>
-                <a:latin typeface="Verdana"/>
-                <a:cs typeface="Verdana"/>
-              </a:rPr>
-              <a:t>A</a:t>
-            </a:r>
-            <a:r>
-              <a:rPr sz="4800" spc="75">
-                <a:solidFill>
-                  <a:srgbClr val="FFFFFF"/>
-                </a:solidFill>
-                <a:latin typeface="Verdana"/>
-                <a:cs typeface="Verdana"/>
-              </a:rPr>
-              <a:t>W</a:t>
-            </a:r>
-            <a:r>
-              <a:rPr sz="4800" spc="-360">
-                <a:solidFill>
-                  <a:srgbClr val="FFFFFF"/>
-                </a:solidFill>
-                <a:latin typeface="Verdana"/>
-                <a:cs typeface="Verdana"/>
-              </a:rPr>
-              <a:t>S</a:t>
-            </a:r>
-            <a:endParaRPr sz="4800">
-              <a:latin typeface="Verdana"/>
-              <a:cs typeface="Verdana"/>
-            </a:endParaRPr>
+              <a:rPr spc="-80" dirty="0"/>
+              <a:t>Si</a:t>
+            </a:r>
+            <a:r>
+              <a:rPr spc="-40" dirty="0"/>
+              <a:t>t</a:t>
+            </a:r>
+            <a:r>
+              <a:rPr spc="-35" dirty="0"/>
+              <a:t>e</a:t>
+            </a:r>
+            <a:endParaRPr spc="35" dirty="0"/>
           </a:p>
         </p:txBody>
       </p:sp>
-      <p:grpSp>
-        <p:nvGrpSpPr>
-          <p:cNvPr id="9" name="object 9"/>
-          <p:cNvGrpSpPr/>
+      <p:pic>
+        <p:nvPicPr>
+          <p:cNvPr id="24" name="Imagem 23" descr="Logotipo, Ícone&#10;&#10;Descrição gerada automaticamente">
+            <a:extLst>
+              <a:ext uri="{FF2B5EF4-FFF2-40B4-BE49-F238E27FC236}">
+                <a16:creationId xmlns:a16="http://schemas.microsoft.com/office/drawing/2014/main" id="{6250176E-AA23-4175-A31A-F7FE982B5755}"/>
+              </a:ext>
+            </a:extLst>
+          </p:cNvPr>
+          <p:cNvPicPr>
+            <a:picLocks noChangeAspect="1"/>
+          </p:cNvPicPr>
           <p:nvPr/>
-        </p:nvGrpSpPr>
-        <p:grpSpPr>
+        </p:nvPicPr>
+        <p:blipFill>
+          <a:blip r:embed="rId3">
+            <a:extLst>
+              <a:ext uri="{28A0092B-C50C-407E-A947-70E740481C1C}">
+                <a14:useLocalDpi xmlns:a14="http://schemas.microsoft.com/office/drawing/2010/main" val="0"/>
+              </a:ext>
+            </a:extLst>
+          </a:blip>
+          <a:stretch>
+            <a:fillRect/>
+          </a:stretch>
+        </p:blipFill>
+        <p:spPr>
           <a:xfrm>
-            <a:off x="171450" y="239152"/>
-            <a:ext cx="8139430" cy="6614404"/>
-            <a:chOff x="171450" y="228600"/>
-            <a:chExt cx="8139430" cy="6624955"/>
+            <a:off x="3721735" y="1283017"/>
+            <a:ext cx="4762500" cy="4762500"/>
           </a:xfrm>
-        </p:grpSpPr>
-        <p:sp>
-          <p:nvSpPr>
-            <p:cNvPr id="10" name="object 10"/>
-            <p:cNvSpPr/>
-            <p:nvPr/>
-          </p:nvSpPr>
-          <p:spPr>
-            <a:xfrm>
-              <a:off x="1962150" y="1495425"/>
-              <a:ext cx="904875" cy="742950"/>
-            </a:xfrm>
-            <a:custGeom>
-              <a:avLst/>
-              <a:gdLst/>
-              <a:ahLst/>
-              <a:cxnLst/>
-              <a:rect l="l" t="t" r="r" b="b"/>
-              <a:pathLst>
-                <a:path w="904875" h="742950">
-                  <a:moveTo>
-                    <a:pt x="452500" y="0"/>
-                  </a:moveTo>
-                  <a:lnTo>
-                    <a:pt x="0" y="371475"/>
-                  </a:lnTo>
-                  <a:lnTo>
-                    <a:pt x="452500" y="742950"/>
-                  </a:lnTo>
-                  <a:lnTo>
-                    <a:pt x="904875" y="371475"/>
-                  </a:lnTo>
-                  <a:lnTo>
-                    <a:pt x="452500" y="0"/>
-                  </a:lnTo>
-                  <a:close/>
-                </a:path>
-              </a:pathLst>
-            </a:custGeom>
-            <a:solidFill>
-              <a:srgbClr val="273B5C"/>
-            </a:solidFill>
-          </p:spPr>
-          <p:txBody>
-            <a:bodyPr wrap="square" lIns="0" tIns="0" rIns="0" bIns="0" rtlCol="0"/>
-            <a:lstStyle/>
-            <a:p>
-              <a:endParaRPr/>
-            </a:p>
-          </p:txBody>
-        </p:sp>
-        <p:sp>
-          <p:nvSpPr>
-            <p:cNvPr id="11" name="object 11"/>
-            <p:cNvSpPr/>
-            <p:nvPr/>
-          </p:nvSpPr>
-          <p:spPr>
-            <a:xfrm>
-              <a:off x="1962150" y="1495425"/>
-              <a:ext cx="904875" cy="742950"/>
-            </a:xfrm>
-            <a:custGeom>
-              <a:avLst/>
-              <a:gdLst/>
-              <a:ahLst/>
-              <a:cxnLst/>
-              <a:rect l="l" t="t" r="r" b="b"/>
-              <a:pathLst>
-                <a:path w="904875" h="742950">
-                  <a:moveTo>
-                    <a:pt x="0" y="371475"/>
-                  </a:moveTo>
-                  <a:lnTo>
-                    <a:pt x="904875" y="371475"/>
-                  </a:lnTo>
-                </a:path>
-                <a:path w="904875" h="742950">
-                  <a:moveTo>
-                    <a:pt x="0" y="371475"/>
-                  </a:moveTo>
-                  <a:lnTo>
-                    <a:pt x="452500" y="0"/>
-                  </a:lnTo>
-                  <a:lnTo>
-                    <a:pt x="904875" y="371475"/>
-                  </a:lnTo>
-                  <a:lnTo>
-                    <a:pt x="452500" y="742950"/>
-                  </a:lnTo>
-                  <a:lnTo>
-                    <a:pt x="0" y="371475"/>
-                  </a:lnTo>
-                  <a:close/>
-                </a:path>
-              </a:pathLst>
-            </a:custGeom>
-            <a:ln w="15875">
-              <a:solidFill>
-                <a:srgbClr val="273B5C"/>
-              </a:solidFill>
-            </a:ln>
-          </p:spPr>
-          <p:txBody>
-            <a:bodyPr wrap="square" lIns="0" tIns="0" rIns="0" bIns="0" rtlCol="0"/>
-            <a:lstStyle/>
-            <a:p>
-              <a:endParaRPr/>
-            </a:p>
-          </p:txBody>
-        </p:sp>
-        <p:pic>
-          <p:nvPicPr>
-            <p:cNvPr id="12" name="object 12"/>
-            <p:cNvPicPr/>
-            <p:nvPr/>
-          </p:nvPicPr>
-          <p:blipFill>
-            <a:blip r:embed="rId3" cstate="print"/>
-            <a:stretch>
-              <a:fillRect/>
-            </a:stretch>
-          </p:blipFill>
-          <p:spPr>
-            <a:xfrm>
-              <a:off x="171450" y="228600"/>
-              <a:ext cx="1400175" cy="1409700"/>
-            </a:xfrm>
-            <a:prstGeom prst="rect">
-              <a:avLst/>
-            </a:prstGeom>
-          </p:spPr>
-        </p:pic>
-        <p:pic>
-          <p:nvPicPr>
-            <p:cNvPr id="13" name="object 13"/>
-            <p:cNvPicPr/>
-            <p:nvPr/>
-          </p:nvPicPr>
-          <p:blipFill>
-            <a:blip r:embed="rId4" cstate="print"/>
-            <a:stretch>
-              <a:fillRect/>
-            </a:stretch>
-          </p:blipFill>
-          <p:spPr>
-            <a:xfrm>
-              <a:off x="3762375" y="2171636"/>
-              <a:ext cx="4548251" cy="4681601"/>
-            </a:xfrm>
-            <a:prstGeom prst="rect">
-              <a:avLst/>
-            </a:prstGeom>
-          </p:spPr>
-        </p:pic>
-      </p:grpSp>
+          <a:prstGeom prst="rect">
+            <a:avLst/>
+          </a:prstGeom>
+        </p:spPr>
+      </p:pic>
     </p:spTree>
+    <p:extLst>
+      <p:ext uri="{BB962C8B-B14F-4D97-AF65-F5344CB8AC3E}">
+        <p14:creationId xmlns:p14="http://schemas.microsoft.com/office/powerpoint/2010/main" val="3493028716"/>
+      </p:ext>
+    </p:extLst>
   </p:cSld>
   <p:clrMapOvr>
     <a:masterClrMapping/>
@@ -3016,6 +2873,1326 @@
         </p:nvGrpSpPr>
         <p:grpSpPr>
           <a:xfrm>
+            <a:off x="-7937" y="0"/>
+            <a:ext cx="12207875" cy="1901825"/>
+            <a:chOff x="-7937" y="0"/>
+            <a:chExt cx="12207875" cy="1901825"/>
+          </a:xfrm>
+        </p:grpSpPr>
+        <p:sp>
+          <p:nvSpPr>
+            <p:cNvPr id="6" name="object 6"/>
+            <p:cNvSpPr/>
+            <p:nvPr/>
+          </p:nvSpPr>
+          <p:spPr>
+            <a:xfrm>
+              <a:off x="0" y="0"/>
+              <a:ext cx="12192000" cy="1885950"/>
+            </a:xfrm>
+            <a:custGeom>
+              <a:avLst/>
+              <a:gdLst/>
+              <a:ahLst/>
+              <a:cxnLst/>
+              <a:rect l="l" t="t" r="r" b="b"/>
+              <a:pathLst>
+                <a:path w="12192000" h="1885950">
+                  <a:moveTo>
+                    <a:pt x="12192000" y="0"/>
+                  </a:moveTo>
+                  <a:lnTo>
+                    <a:pt x="0" y="0"/>
+                  </a:lnTo>
+                  <a:lnTo>
+                    <a:pt x="0" y="1885950"/>
+                  </a:lnTo>
+                  <a:lnTo>
+                    <a:pt x="12192000" y="1885950"/>
+                  </a:lnTo>
+                  <a:lnTo>
+                    <a:pt x="12192000" y="0"/>
+                  </a:lnTo>
+                  <a:close/>
+                </a:path>
+              </a:pathLst>
+            </a:custGeom>
+            <a:solidFill>
+              <a:srgbClr val="273B5C"/>
+            </a:solidFill>
+          </p:spPr>
+          <p:txBody>
+            <a:bodyPr wrap="square" lIns="0" tIns="0" rIns="0" bIns="0" rtlCol="0"/>
+            <a:lstStyle/>
+            <a:p>
+              <a:endParaRPr/>
+            </a:p>
+          </p:txBody>
+        </p:sp>
+        <p:sp>
+          <p:nvSpPr>
+            <p:cNvPr id="7" name="object 7"/>
+            <p:cNvSpPr/>
+            <p:nvPr/>
+          </p:nvSpPr>
+          <p:spPr>
+            <a:xfrm>
+              <a:off x="0" y="0"/>
+              <a:ext cx="12192000" cy="1885950"/>
+            </a:xfrm>
+            <a:custGeom>
+              <a:avLst/>
+              <a:gdLst/>
+              <a:ahLst/>
+              <a:cxnLst/>
+              <a:rect l="l" t="t" r="r" b="b"/>
+              <a:pathLst>
+                <a:path w="12192000" h="1885950">
+                  <a:moveTo>
+                    <a:pt x="0" y="1885950"/>
+                  </a:moveTo>
+                  <a:lnTo>
+                    <a:pt x="12192000" y="1885950"/>
+                  </a:lnTo>
+                  <a:lnTo>
+                    <a:pt x="12192000" y="0"/>
+                  </a:lnTo>
+                  <a:lnTo>
+                    <a:pt x="0" y="0"/>
+                  </a:lnTo>
+                  <a:lnTo>
+                    <a:pt x="0" y="1885950"/>
+                  </a:lnTo>
+                  <a:close/>
+                </a:path>
+              </a:pathLst>
+            </a:custGeom>
+            <a:ln w="15875">
+              <a:solidFill>
+                <a:srgbClr val="273B5C"/>
+              </a:solidFill>
+            </a:ln>
+          </p:spPr>
+          <p:txBody>
+            <a:bodyPr wrap="square" lIns="0" tIns="0" rIns="0" bIns="0" rtlCol="0"/>
+            <a:lstStyle/>
+            <a:p>
+              <a:endParaRPr/>
+            </a:p>
+          </p:txBody>
+        </p:sp>
+      </p:grpSp>
+      <p:sp>
+        <p:nvSpPr>
+          <p:cNvPr id="8" name="object 8"/>
+          <p:cNvSpPr txBox="1">
+            <a:spLocks noGrp="1"/>
+          </p:cNvSpPr>
+          <p:nvPr>
+            <p:ph type="title"/>
+          </p:nvPr>
+        </p:nvSpPr>
+        <p:spPr>
+          <a:xfrm>
+            <a:off x="3863594" y="524827"/>
+            <a:ext cx="4460240" cy="758190"/>
+          </a:xfrm>
+          <a:prstGeom prst="rect">
+            <a:avLst/>
+          </a:prstGeom>
+        </p:spPr>
+        <p:txBody>
+          <a:bodyPr vert="horz" wrap="square" lIns="0" tIns="13335" rIns="0" bIns="0" rtlCol="0">
+            <a:spAutoFit/>
+          </a:bodyPr>
+          <a:lstStyle/>
+          <a:p>
+            <a:pPr marL="12700">
+              <a:lnSpc>
+                <a:spcPct val="100000"/>
+              </a:lnSpc>
+              <a:spcBef>
+                <a:spcPts val="105"/>
+              </a:spcBef>
+            </a:pPr>
+            <a:r>
+              <a:rPr spc="25"/>
+              <a:t>A</a:t>
+            </a:r>
+            <a:r>
+              <a:rPr spc="-5"/>
+              <a:t>p</a:t>
+            </a:r>
+            <a:r>
+              <a:rPr spc="-55"/>
+              <a:t>l</a:t>
+            </a:r>
+            <a:r>
+              <a:rPr spc="-45"/>
+              <a:t>i</a:t>
+            </a:r>
+            <a:r>
+              <a:rPr spc="-5"/>
+              <a:t>c</a:t>
+            </a:r>
+            <a:r>
+              <a:rPr spc="15"/>
+              <a:t>a</a:t>
+            </a:r>
+            <a:r>
+              <a:rPr spc="-5"/>
+              <a:t>ç</a:t>
+            </a:r>
+            <a:r>
+              <a:rPr spc="15"/>
+              <a:t>ã</a:t>
+            </a:r>
+            <a:r>
+              <a:rPr spc="120"/>
+              <a:t>o</a:t>
+            </a:r>
+            <a:r>
+              <a:rPr spc="-670"/>
+              <a:t> </a:t>
+            </a:r>
+            <a:r>
+              <a:rPr spc="585"/>
+              <a:t>J</a:t>
+            </a:r>
+            <a:r>
+              <a:rPr spc="-45"/>
+              <a:t>a</a:t>
+            </a:r>
+            <a:r>
+              <a:rPr spc="-75"/>
+              <a:t>va</a:t>
+            </a:r>
+          </a:p>
+        </p:txBody>
+      </p:sp>
+      <p:grpSp>
+        <p:nvGrpSpPr>
+          <p:cNvPr id="9" name="object 9"/>
+          <p:cNvGrpSpPr/>
+          <p:nvPr/>
+        </p:nvGrpSpPr>
+        <p:grpSpPr>
+          <a:xfrm>
+            <a:off x="128807" y="242570"/>
+            <a:ext cx="7967980" cy="6615430"/>
+            <a:chOff x="142875" y="238125"/>
+            <a:chExt cx="7967980" cy="6615430"/>
+          </a:xfrm>
+        </p:grpSpPr>
+        <p:sp>
+          <p:nvSpPr>
+            <p:cNvPr id="10" name="object 10"/>
+            <p:cNvSpPr/>
+            <p:nvPr/>
+          </p:nvSpPr>
+          <p:spPr>
+            <a:xfrm>
+              <a:off x="1962150" y="1495425"/>
+              <a:ext cx="904875" cy="742950"/>
+            </a:xfrm>
+            <a:custGeom>
+              <a:avLst/>
+              <a:gdLst/>
+              <a:ahLst/>
+              <a:cxnLst/>
+              <a:rect l="l" t="t" r="r" b="b"/>
+              <a:pathLst>
+                <a:path w="904875" h="742950">
+                  <a:moveTo>
+                    <a:pt x="452500" y="0"/>
+                  </a:moveTo>
+                  <a:lnTo>
+                    <a:pt x="0" y="371475"/>
+                  </a:lnTo>
+                  <a:lnTo>
+                    <a:pt x="452500" y="742950"/>
+                  </a:lnTo>
+                  <a:lnTo>
+                    <a:pt x="904875" y="371475"/>
+                  </a:lnTo>
+                  <a:lnTo>
+                    <a:pt x="452500" y="0"/>
+                  </a:lnTo>
+                  <a:close/>
+                </a:path>
+              </a:pathLst>
+            </a:custGeom>
+            <a:solidFill>
+              <a:srgbClr val="273B5C"/>
+            </a:solidFill>
+          </p:spPr>
+          <p:txBody>
+            <a:bodyPr wrap="square" lIns="0" tIns="0" rIns="0" bIns="0" rtlCol="0"/>
+            <a:lstStyle/>
+            <a:p>
+              <a:endParaRPr/>
+            </a:p>
+          </p:txBody>
+        </p:sp>
+        <p:sp>
+          <p:nvSpPr>
+            <p:cNvPr id="11" name="object 11"/>
+            <p:cNvSpPr/>
+            <p:nvPr/>
+          </p:nvSpPr>
+          <p:spPr>
+            <a:xfrm>
+              <a:off x="1962150" y="1495425"/>
+              <a:ext cx="904875" cy="742950"/>
+            </a:xfrm>
+            <a:custGeom>
+              <a:avLst/>
+              <a:gdLst/>
+              <a:ahLst/>
+              <a:cxnLst/>
+              <a:rect l="l" t="t" r="r" b="b"/>
+              <a:pathLst>
+                <a:path w="904875" h="742950">
+                  <a:moveTo>
+                    <a:pt x="0" y="371475"/>
+                  </a:moveTo>
+                  <a:lnTo>
+                    <a:pt x="904875" y="371475"/>
+                  </a:lnTo>
+                </a:path>
+                <a:path w="904875" h="742950">
+                  <a:moveTo>
+                    <a:pt x="0" y="371475"/>
+                  </a:moveTo>
+                  <a:lnTo>
+                    <a:pt x="452500" y="0"/>
+                  </a:lnTo>
+                  <a:lnTo>
+                    <a:pt x="904875" y="371475"/>
+                  </a:lnTo>
+                  <a:lnTo>
+                    <a:pt x="452500" y="742950"/>
+                  </a:lnTo>
+                  <a:lnTo>
+                    <a:pt x="0" y="371475"/>
+                  </a:lnTo>
+                  <a:close/>
+                </a:path>
+              </a:pathLst>
+            </a:custGeom>
+            <a:ln w="15875">
+              <a:solidFill>
+                <a:srgbClr val="273B5C"/>
+              </a:solidFill>
+            </a:ln>
+          </p:spPr>
+          <p:txBody>
+            <a:bodyPr wrap="square" lIns="0" tIns="0" rIns="0" bIns="0" rtlCol="0"/>
+            <a:lstStyle/>
+            <a:p>
+              <a:endParaRPr/>
+            </a:p>
+          </p:txBody>
+        </p:sp>
+        <p:pic>
+          <p:nvPicPr>
+            <p:cNvPr id="12" name="object 12"/>
+            <p:cNvPicPr/>
+            <p:nvPr/>
+          </p:nvPicPr>
+          <p:blipFill>
+            <a:blip r:embed="rId3" cstate="print"/>
+            <a:stretch>
+              <a:fillRect/>
+            </a:stretch>
+          </p:blipFill>
+          <p:spPr>
+            <a:xfrm>
+              <a:off x="142875" y="238125"/>
+              <a:ext cx="1400175" cy="1400175"/>
+            </a:xfrm>
+            <a:prstGeom prst="rect">
+              <a:avLst/>
+            </a:prstGeom>
+          </p:spPr>
+        </p:pic>
+        <p:pic>
+          <p:nvPicPr>
+            <p:cNvPr id="13" name="object 13"/>
+            <p:cNvPicPr/>
+            <p:nvPr/>
+          </p:nvPicPr>
+          <p:blipFill>
+            <a:blip r:embed="rId4" cstate="print"/>
+            <a:stretch>
+              <a:fillRect/>
+            </a:stretch>
+          </p:blipFill>
+          <p:spPr>
+            <a:xfrm>
+              <a:off x="3714750" y="2171636"/>
+              <a:ext cx="4395851" cy="4681601"/>
+            </a:xfrm>
+            <a:prstGeom prst="rect">
+              <a:avLst/>
+            </a:prstGeom>
+          </p:spPr>
+        </p:pic>
+      </p:grpSp>
+      <p:pic>
+        <p:nvPicPr>
+          <p:cNvPr id="1026" name="Picture 2" descr="Request: New Slack Desktop Icon? · Issue #1610 ·  PapirusDevelopmentTeam/papirus-icon-theme · GitHub">
+            <a:extLst>
+              <a:ext uri="{FF2B5EF4-FFF2-40B4-BE49-F238E27FC236}">
+                <a16:creationId xmlns:a16="http://schemas.microsoft.com/office/drawing/2014/main" id="{0DD9CCD9-F232-FE49-1037-F0F2DCE32A15}"/>
+              </a:ext>
+            </a:extLst>
+          </p:cNvPr>
+          <p:cNvPicPr>
+            <a:picLocks noChangeAspect="1" noChangeArrowheads="1"/>
+          </p:cNvPicPr>
+          <p:nvPr/>
+        </p:nvPicPr>
+        <p:blipFill>
+          <a:blip r:embed="rId5" cstate="print">
+            <a:extLst>
+              <a:ext uri="{28A0092B-C50C-407E-A947-70E740481C1C}">
+                <a14:useLocalDpi xmlns:a14="http://schemas.microsoft.com/office/drawing/2010/main" val="0"/>
+              </a:ext>
+            </a:extLst>
+          </a:blip>
+          <a:srcRect/>
+          <a:stretch>
+            <a:fillRect/>
+          </a:stretch>
+        </p:blipFill>
+        <p:spPr bwMode="auto">
+          <a:xfrm>
+            <a:off x="10534691" y="3665042"/>
+            <a:ext cx="1447800" cy="1447800"/>
+          </a:xfrm>
+          <a:prstGeom prst="roundRect">
+            <a:avLst>
+              <a:gd name="adj" fmla="val 4167"/>
+            </a:avLst>
+          </a:prstGeom>
+          <a:solidFill>
+            <a:srgbClr val="FFFFFF"/>
+          </a:solidFill>
+          <a:ln w="76200" cap="sq">
+            <a:solidFill>
+              <a:srgbClr val="273B5C"/>
+            </a:solidFill>
+            <a:miter lim="800000"/>
+          </a:ln>
+          <a:effectLst>
+            <a:reflection blurRad="12700" stA="28000" endPos="28000" dist="5000" dir="5400000" sy="-100000" algn="bl" rotWithShape="0"/>
+          </a:effectLst>
+          <a:scene3d>
+            <a:camera prst="orthographicFront"/>
+            <a:lightRig rig="threePt" dir="t">
+              <a:rot lat="0" lon="0" rev="2700000"/>
+            </a:lightRig>
+          </a:scene3d>
+          <a:sp3d>
+            <a:bevelT h="38100"/>
+            <a:contourClr>
+              <a:srgbClr val="C0C0C0"/>
+            </a:contourClr>
+          </a:sp3d>
+        </p:spPr>
+      </p:pic>
+      <p:pic>
+        <p:nvPicPr>
+          <p:cNvPr id="1030" name="Picture 6" descr="JDBC - Persistence Services | openHAB">
+            <a:extLst>
+              <a:ext uri="{FF2B5EF4-FFF2-40B4-BE49-F238E27FC236}">
+                <a16:creationId xmlns:a16="http://schemas.microsoft.com/office/drawing/2014/main" id="{7A264B40-197F-3517-6F05-9D6474D07F61}"/>
+              </a:ext>
+            </a:extLst>
+          </p:cNvPr>
+          <p:cNvPicPr>
+            <a:picLocks noChangeAspect="1" noChangeArrowheads="1"/>
+          </p:cNvPicPr>
+          <p:nvPr/>
+        </p:nvPicPr>
+        <p:blipFill>
+          <a:blip r:embed="rId6" cstate="print">
+            <a:extLst>
+              <a:ext uri="{28A0092B-C50C-407E-A947-70E740481C1C}">
+                <a14:useLocalDpi xmlns:a14="http://schemas.microsoft.com/office/drawing/2010/main" val="0"/>
+              </a:ext>
+            </a:extLst>
+          </a:blip>
+          <a:srcRect/>
+          <a:stretch>
+            <a:fillRect/>
+          </a:stretch>
+        </p:blipFill>
+        <p:spPr bwMode="auto">
+          <a:xfrm>
+            <a:off x="8435232" y="2233644"/>
+            <a:ext cx="1269021" cy="1993063"/>
+          </a:xfrm>
+          <a:prstGeom prst="roundRect">
+            <a:avLst>
+              <a:gd name="adj" fmla="val 4167"/>
+            </a:avLst>
+          </a:prstGeom>
+          <a:solidFill>
+            <a:srgbClr val="FFFFFF"/>
+          </a:solidFill>
+          <a:ln w="76200" cap="sq">
+            <a:solidFill>
+              <a:srgbClr val="273B5C"/>
+            </a:solidFill>
+            <a:miter lim="800000"/>
+          </a:ln>
+          <a:effectLst>
+            <a:reflection blurRad="12700" stA="28000" endPos="28000" dist="5000" dir="5400000" sy="-100000" algn="bl" rotWithShape="0"/>
+          </a:effectLst>
+          <a:scene3d>
+            <a:camera prst="orthographicFront"/>
+            <a:lightRig rig="threePt" dir="t">
+              <a:rot lat="0" lon="0" rev="2700000"/>
+            </a:lightRig>
+          </a:scene3d>
+          <a:sp3d>
+            <a:bevelT h="38100"/>
+            <a:contourClr>
+              <a:srgbClr val="C0C0C0"/>
+            </a:contourClr>
+          </a:sp3d>
+        </p:spPr>
+      </p:pic>
+      <p:pic>
+        <p:nvPicPr>
+          <p:cNvPr id="15" name="Imagem 14">
+            <a:extLst>
+              <a:ext uri="{FF2B5EF4-FFF2-40B4-BE49-F238E27FC236}">
+                <a16:creationId xmlns:a16="http://schemas.microsoft.com/office/drawing/2014/main" id="{837EDEAA-4198-B6FC-6812-497D01AC2E6A}"/>
+              </a:ext>
+            </a:extLst>
+          </p:cNvPr>
+          <p:cNvPicPr>
+            <a:picLocks noChangeAspect="1"/>
+          </p:cNvPicPr>
+          <p:nvPr/>
+        </p:nvPicPr>
+        <p:blipFill>
+          <a:blip r:embed="rId7"/>
+          <a:stretch>
+            <a:fillRect/>
+          </a:stretch>
+        </p:blipFill>
+        <p:spPr>
+          <a:xfrm>
+            <a:off x="477546" y="5040307"/>
+            <a:ext cx="2941072" cy="768512"/>
+          </a:xfrm>
+          <a:prstGeom prst="roundRect">
+            <a:avLst>
+              <a:gd name="adj" fmla="val 4167"/>
+            </a:avLst>
+          </a:prstGeom>
+          <a:solidFill>
+            <a:srgbClr val="FFFFFF"/>
+          </a:solidFill>
+          <a:ln w="76200" cap="sq">
+            <a:solidFill>
+              <a:srgbClr val="273B5C"/>
+            </a:solidFill>
+            <a:miter lim="800000"/>
+          </a:ln>
+          <a:effectLst>
+            <a:reflection blurRad="12700" stA="28000" endPos="28000" dist="5000" dir="5400000" sy="-100000" algn="bl" rotWithShape="0"/>
+          </a:effectLst>
+          <a:scene3d>
+            <a:camera prst="orthographicFront"/>
+            <a:lightRig rig="threePt" dir="t">
+              <a:rot lat="0" lon="0" rev="2700000"/>
+            </a:lightRig>
+          </a:scene3d>
+          <a:sp3d>
+            <a:bevelT h="38100"/>
+            <a:contourClr>
+              <a:srgbClr val="C0C0C0"/>
+            </a:contourClr>
+          </a:sp3d>
+        </p:spPr>
+      </p:pic>
+      <p:pic>
+        <p:nvPicPr>
+          <p:cNvPr id="1032" name="Picture 8" descr="Unicode Systems LLC - Software Application Development for Financial  Services &amp; Banking">
+            <a:extLst>
+              <a:ext uri="{FF2B5EF4-FFF2-40B4-BE49-F238E27FC236}">
+                <a16:creationId xmlns:a16="http://schemas.microsoft.com/office/drawing/2014/main" id="{162BEDC1-9A27-FF34-3048-CDAD7F4B30B7}"/>
+              </a:ext>
+            </a:extLst>
+          </p:cNvPr>
+          <p:cNvPicPr>
+            <a:picLocks noChangeAspect="1" noChangeArrowheads="1"/>
+          </p:cNvPicPr>
+          <p:nvPr/>
+        </p:nvPicPr>
+        <p:blipFill>
+          <a:blip r:embed="rId8">
+            <a:extLst>
+              <a:ext uri="{28A0092B-C50C-407E-A947-70E740481C1C}">
+                <a14:useLocalDpi xmlns:a14="http://schemas.microsoft.com/office/drawing/2010/main" val="0"/>
+              </a:ext>
+            </a:extLst>
+          </a:blip>
+          <a:srcRect/>
+          <a:stretch>
+            <a:fillRect/>
+          </a:stretch>
+        </p:blipFill>
+        <p:spPr bwMode="auto">
+          <a:xfrm>
+            <a:off x="450490" y="2549875"/>
+            <a:ext cx="2156983" cy="1697510"/>
+          </a:xfrm>
+          <a:prstGeom prst="roundRect">
+            <a:avLst>
+              <a:gd name="adj" fmla="val 4167"/>
+            </a:avLst>
+          </a:prstGeom>
+          <a:solidFill>
+            <a:srgbClr val="FFFFFF"/>
+          </a:solidFill>
+          <a:ln w="76200" cap="sq">
+            <a:solidFill>
+              <a:srgbClr val="273B5C"/>
+            </a:solidFill>
+            <a:miter lim="800000"/>
+          </a:ln>
+          <a:effectLst>
+            <a:reflection blurRad="12700" stA="28000" endPos="28000" dist="5000" dir="5400000" sy="-100000" algn="bl" rotWithShape="0"/>
+          </a:effectLst>
+          <a:scene3d>
+            <a:camera prst="orthographicFront"/>
+            <a:lightRig rig="threePt" dir="t">
+              <a:rot lat="0" lon="0" rev="2700000"/>
+            </a:lightRig>
+          </a:scene3d>
+          <a:sp3d>
+            <a:bevelT h="38100"/>
+            <a:contourClr>
+              <a:srgbClr val="C0C0C0"/>
+            </a:contourClr>
+          </a:sp3d>
+        </p:spPr>
+      </p:pic>
+      <p:pic>
+        <p:nvPicPr>
+          <p:cNvPr id="1034" name="Picture 10" descr="Histórico - ícones de arquivos e pastas grátis">
+            <a:extLst>
+              <a:ext uri="{FF2B5EF4-FFF2-40B4-BE49-F238E27FC236}">
+                <a16:creationId xmlns:a16="http://schemas.microsoft.com/office/drawing/2014/main" id="{E46CE0DA-060A-48B2-4A17-2DEE1A7A8E4C}"/>
+              </a:ext>
+            </a:extLst>
+          </p:cNvPr>
+          <p:cNvPicPr>
+            <a:picLocks noChangeAspect="1" noChangeArrowheads="1"/>
+          </p:cNvPicPr>
+          <p:nvPr/>
+        </p:nvPicPr>
+        <p:blipFill>
+          <a:blip r:embed="rId9" cstate="print">
+            <a:extLst>
+              <a:ext uri="{28A0092B-C50C-407E-A947-70E740481C1C}">
+                <a14:useLocalDpi xmlns:a14="http://schemas.microsoft.com/office/drawing/2010/main" val="0"/>
+              </a:ext>
+            </a:extLst>
+          </a:blip>
+          <a:srcRect/>
+          <a:stretch>
+            <a:fillRect/>
+          </a:stretch>
+        </p:blipFill>
+        <p:spPr bwMode="auto">
+          <a:xfrm>
+            <a:off x="8680381" y="5173588"/>
+            <a:ext cx="1270462" cy="1270462"/>
+          </a:xfrm>
+          <a:prstGeom prst="roundRect">
+            <a:avLst>
+              <a:gd name="adj" fmla="val 4167"/>
+            </a:avLst>
+          </a:prstGeom>
+          <a:solidFill>
+            <a:srgbClr val="FFFFFF"/>
+          </a:solidFill>
+          <a:ln w="76200" cap="sq">
+            <a:solidFill>
+              <a:srgbClr val="273B5C"/>
+            </a:solidFill>
+            <a:miter lim="800000"/>
+          </a:ln>
+          <a:effectLst>
+            <a:reflection blurRad="12700" stA="28000" endPos="28000" dist="5000" dir="5400000" sy="-100000" algn="bl" rotWithShape="0"/>
+          </a:effectLst>
+          <a:scene3d>
+            <a:camera prst="orthographicFront"/>
+            <a:lightRig rig="threePt" dir="t">
+              <a:rot lat="0" lon="0" rev="2700000"/>
+            </a:lightRig>
+          </a:scene3d>
+          <a:sp3d>
+            <a:bevelT h="38100"/>
+            <a:contourClr>
+              <a:srgbClr val="C0C0C0"/>
+            </a:contourClr>
+          </a:sp3d>
+        </p:spPr>
+      </p:pic>
+    </p:spTree>
+  </p:cSld>
+  <p:clrMapOvr>
+    <a:masterClrMapping/>
+  </p:clrMapOvr>
+</p:sld>
+</file>
+
+<file path=ppt/slides/slide12.xml><?xml version="1.0" encoding="utf-8"?>
+<p:sld xmlns:a="http://schemas.openxmlformats.org/drawingml/2006/main" xmlns:r="http://schemas.openxmlformats.org/officeDocument/2006/relationships" xmlns:p="http://schemas.openxmlformats.org/presentationml/2006/main">
+  <p:cSld>
+    <p:spTree>
+      <p:nvGrpSpPr>
+        <p:cNvPr id="1" name=""/>
+        <p:cNvGrpSpPr/>
+        <p:nvPr/>
+      </p:nvGrpSpPr>
+      <p:grpSpPr>
+        <a:xfrm>
+          <a:off x="0" y="0"/>
+          <a:ext cx="0" cy="0"/>
+          <a:chOff x="0" y="0"/>
+          <a:chExt cx="0" cy="0"/>
+        </a:xfrm>
+      </p:grpSpPr>
+      <p:grpSp>
+        <p:nvGrpSpPr>
+          <p:cNvPr id="2" name="object 2"/>
+          <p:cNvGrpSpPr/>
+          <p:nvPr/>
+        </p:nvGrpSpPr>
+        <p:grpSpPr>
+          <a:xfrm>
+            <a:off x="0" y="63"/>
+            <a:ext cx="12197080" cy="2200275"/>
+            <a:chOff x="0" y="63"/>
+            <a:chExt cx="12197080" cy="2200275"/>
+          </a:xfrm>
+        </p:grpSpPr>
+        <p:pic>
+          <p:nvPicPr>
+            <p:cNvPr id="3" name="object 3"/>
+            <p:cNvPicPr/>
+            <p:nvPr/>
+          </p:nvPicPr>
+          <p:blipFill>
+            <a:blip r:embed="rId2" cstate="print"/>
+            <a:stretch>
+              <a:fillRect/>
+            </a:stretch>
+          </p:blipFill>
+          <p:spPr>
+            <a:xfrm>
+              <a:off x="4763" y="4825"/>
+              <a:ext cx="12187236" cy="2190750"/>
+            </a:xfrm>
+            <a:prstGeom prst="rect">
+              <a:avLst/>
+            </a:prstGeom>
+          </p:spPr>
+        </p:pic>
+        <p:sp>
+          <p:nvSpPr>
+            <p:cNvPr id="4" name="object 4"/>
+            <p:cNvSpPr/>
+            <p:nvPr/>
+          </p:nvSpPr>
+          <p:spPr>
+            <a:xfrm>
+              <a:off x="4763" y="4825"/>
+              <a:ext cx="12187555" cy="2190750"/>
+            </a:xfrm>
+            <a:custGeom>
+              <a:avLst/>
+              <a:gdLst/>
+              <a:ahLst/>
+              <a:cxnLst/>
+              <a:rect l="l" t="t" r="r" b="b"/>
+              <a:pathLst>
+                <a:path w="12187555" h="2190750">
+                  <a:moveTo>
+                    <a:pt x="12187236" y="0"/>
+                  </a:moveTo>
+                  <a:lnTo>
+                    <a:pt x="0" y="0"/>
+                  </a:lnTo>
+                  <a:lnTo>
+                    <a:pt x="0" y="1891538"/>
+                  </a:lnTo>
+                  <a:lnTo>
+                    <a:pt x="1995994" y="1891538"/>
+                  </a:lnTo>
+                  <a:lnTo>
+                    <a:pt x="2376994" y="2177923"/>
+                  </a:lnTo>
+                  <a:lnTo>
+                    <a:pt x="2385503" y="2181098"/>
+                  </a:lnTo>
+                  <a:lnTo>
+                    <a:pt x="2398203" y="2185924"/>
+                  </a:lnTo>
+                  <a:lnTo>
+                    <a:pt x="2410903" y="2190750"/>
+                  </a:lnTo>
+                  <a:lnTo>
+                    <a:pt x="2421444" y="2190750"/>
+                  </a:lnTo>
+                  <a:lnTo>
+                    <a:pt x="2434144" y="2190750"/>
+                  </a:lnTo>
+                  <a:lnTo>
+                    <a:pt x="2444812" y="2185924"/>
+                  </a:lnTo>
+                  <a:lnTo>
+                    <a:pt x="2457512" y="2181098"/>
+                  </a:lnTo>
+                  <a:lnTo>
+                    <a:pt x="2465894" y="2177923"/>
+                  </a:lnTo>
+                  <a:lnTo>
+                    <a:pt x="2846894" y="1891538"/>
+                  </a:lnTo>
+                  <a:lnTo>
+                    <a:pt x="12187236" y="1891538"/>
+                  </a:lnTo>
+                </a:path>
+              </a:pathLst>
+            </a:custGeom>
+            <a:ln w="9525">
+              <a:solidFill>
+                <a:srgbClr val="00C5BA"/>
+              </a:solidFill>
+            </a:ln>
+          </p:spPr>
+          <p:txBody>
+            <a:bodyPr wrap="square" lIns="0" tIns="0" rIns="0" bIns="0" rtlCol="0"/>
+            <a:lstStyle/>
+            <a:p>
+              <a:endParaRPr/>
+            </a:p>
+          </p:txBody>
+        </p:sp>
+      </p:grpSp>
+      <p:grpSp>
+        <p:nvGrpSpPr>
+          <p:cNvPr id="5" name="object 5"/>
+          <p:cNvGrpSpPr/>
+          <p:nvPr/>
+        </p:nvGrpSpPr>
+        <p:grpSpPr>
+          <a:xfrm>
+            <a:off x="-7937" y="0"/>
+            <a:ext cx="12207875" cy="1901825"/>
+            <a:chOff x="-7937" y="0"/>
+            <a:chExt cx="12207875" cy="1901825"/>
+          </a:xfrm>
+        </p:grpSpPr>
+        <p:sp>
+          <p:nvSpPr>
+            <p:cNvPr id="6" name="object 6"/>
+            <p:cNvSpPr/>
+            <p:nvPr/>
+          </p:nvSpPr>
+          <p:spPr>
+            <a:xfrm>
+              <a:off x="0" y="0"/>
+              <a:ext cx="12192000" cy="1885950"/>
+            </a:xfrm>
+            <a:custGeom>
+              <a:avLst/>
+              <a:gdLst/>
+              <a:ahLst/>
+              <a:cxnLst/>
+              <a:rect l="l" t="t" r="r" b="b"/>
+              <a:pathLst>
+                <a:path w="12192000" h="1885950">
+                  <a:moveTo>
+                    <a:pt x="12192000" y="0"/>
+                  </a:moveTo>
+                  <a:lnTo>
+                    <a:pt x="0" y="0"/>
+                  </a:lnTo>
+                  <a:lnTo>
+                    <a:pt x="0" y="1885950"/>
+                  </a:lnTo>
+                  <a:lnTo>
+                    <a:pt x="12192000" y="1885950"/>
+                  </a:lnTo>
+                  <a:lnTo>
+                    <a:pt x="12192000" y="0"/>
+                  </a:lnTo>
+                  <a:close/>
+                </a:path>
+              </a:pathLst>
+            </a:custGeom>
+            <a:solidFill>
+              <a:srgbClr val="273B5C"/>
+            </a:solidFill>
+          </p:spPr>
+          <p:txBody>
+            <a:bodyPr wrap="square" lIns="0" tIns="0" rIns="0" bIns="0" rtlCol="0"/>
+            <a:lstStyle/>
+            <a:p>
+              <a:endParaRPr/>
+            </a:p>
+          </p:txBody>
+        </p:sp>
+        <p:sp>
+          <p:nvSpPr>
+            <p:cNvPr id="7" name="object 7"/>
+            <p:cNvSpPr/>
+            <p:nvPr/>
+          </p:nvSpPr>
+          <p:spPr>
+            <a:xfrm>
+              <a:off x="0" y="0"/>
+              <a:ext cx="12192000" cy="1885950"/>
+            </a:xfrm>
+            <a:custGeom>
+              <a:avLst/>
+              <a:gdLst/>
+              <a:ahLst/>
+              <a:cxnLst/>
+              <a:rect l="l" t="t" r="r" b="b"/>
+              <a:pathLst>
+                <a:path w="12192000" h="1885950">
+                  <a:moveTo>
+                    <a:pt x="0" y="1885950"/>
+                  </a:moveTo>
+                  <a:lnTo>
+                    <a:pt x="12192000" y="1885950"/>
+                  </a:lnTo>
+                  <a:lnTo>
+                    <a:pt x="12192000" y="0"/>
+                  </a:lnTo>
+                  <a:lnTo>
+                    <a:pt x="0" y="0"/>
+                  </a:lnTo>
+                  <a:lnTo>
+                    <a:pt x="0" y="1885950"/>
+                  </a:lnTo>
+                  <a:close/>
+                </a:path>
+              </a:pathLst>
+            </a:custGeom>
+            <a:ln w="15875">
+              <a:solidFill>
+                <a:srgbClr val="273B5C"/>
+              </a:solidFill>
+            </a:ln>
+          </p:spPr>
+          <p:txBody>
+            <a:bodyPr wrap="square" lIns="0" tIns="0" rIns="0" bIns="0" rtlCol="0"/>
+            <a:lstStyle/>
+            <a:p>
+              <a:endParaRPr/>
+            </a:p>
+          </p:txBody>
+        </p:sp>
+      </p:grpSp>
+      <p:sp>
+        <p:nvSpPr>
+          <p:cNvPr id="8" name="object 8"/>
+          <p:cNvSpPr txBox="1"/>
+          <p:nvPr/>
+        </p:nvSpPr>
+        <p:spPr>
+          <a:xfrm>
+            <a:off x="5379339" y="524827"/>
+            <a:ext cx="1435735" cy="758190"/>
+          </a:xfrm>
+          <a:prstGeom prst="rect">
+            <a:avLst/>
+          </a:prstGeom>
+        </p:spPr>
+        <p:txBody>
+          <a:bodyPr vert="horz" wrap="square" lIns="0" tIns="13335" rIns="0" bIns="0" rtlCol="0">
+            <a:spAutoFit/>
+          </a:bodyPr>
+          <a:lstStyle/>
+          <a:p>
+            <a:pPr marL="12700">
+              <a:lnSpc>
+                <a:spcPct val="100000"/>
+              </a:lnSpc>
+              <a:spcBef>
+                <a:spcPts val="105"/>
+              </a:spcBef>
+            </a:pPr>
+            <a:r>
+              <a:rPr sz="4800" spc="70">
+                <a:solidFill>
+                  <a:srgbClr val="FFFFFF"/>
+                </a:solidFill>
+                <a:latin typeface="Verdana"/>
+                <a:cs typeface="Verdana"/>
+              </a:rPr>
+              <a:t>A</a:t>
+            </a:r>
+            <a:r>
+              <a:rPr sz="4800" spc="75">
+                <a:solidFill>
+                  <a:srgbClr val="FFFFFF"/>
+                </a:solidFill>
+                <a:latin typeface="Verdana"/>
+                <a:cs typeface="Verdana"/>
+              </a:rPr>
+              <a:t>W</a:t>
+            </a:r>
+            <a:r>
+              <a:rPr sz="4800" spc="-360">
+                <a:solidFill>
+                  <a:srgbClr val="FFFFFF"/>
+                </a:solidFill>
+                <a:latin typeface="Verdana"/>
+                <a:cs typeface="Verdana"/>
+              </a:rPr>
+              <a:t>S</a:t>
+            </a:r>
+            <a:endParaRPr sz="4800">
+              <a:latin typeface="Verdana"/>
+              <a:cs typeface="Verdana"/>
+            </a:endParaRPr>
+          </a:p>
+        </p:txBody>
+      </p:sp>
+      <p:grpSp>
+        <p:nvGrpSpPr>
+          <p:cNvPr id="9" name="object 9"/>
+          <p:cNvGrpSpPr/>
+          <p:nvPr/>
+        </p:nvGrpSpPr>
+        <p:grpSpPr>
+          <a:xfrm>
+            <a:off x="171450" y="239152"/>
+            <a:ext cx="8139430" cy="6614404"/>
+            <a:chOff x="171450" y="228600"/>
+            <a:chExt cx="8139430" cy="6624955"/>
+          </a:xfrm>
+        </p:grpSpPr>
+        <p:sp>
+          <p:nvSpPr>
+            <p:cNvPr id="10" name="object 10"/>
+            <p:cNvSpPr/>
+            <p:nvPr/>
+          </p:nvSpPr>
+          <p:spPr>
+            <a:xfrm>
+              <a:off x="1962150" y="1495425"/>
+              <a:ext cx="904875" cy="742950"/>
+            </a:xfrm>
+            <a:custGeom>
+              <a:avLst/>
+              <a:gdLst/>
+              <a:ahLst/>
+              <a:cxnLst/>
+              <a:rect l="l" t="t" r="r" b="b"/>
+              <a:pathLst>
+                <a:path w="904875" h="742950">
+                  <a:moveTo>
+                    <a:pt x="452500" y="0"/>
+                  </a:moveTo>
+                  <a:lnTo>
+                    <a:pt x="0" y="371475"/>
+                  </a:lnTo>
+                  <a:lnTo>
+                    <a:pt x="452500" y="742950"/>
+                  </a:lnTo>
+                  <a:lnTo>
+                    <a:pt x="904875" y="371475"/>
+                  </a:lnTo>
+                  <a:lnTo>
+                    <a:pt x="452500" y="0"/>
+                  </a:lnTo>
+                  <a:close/>
+                </a:path>
+              </a:pathLst>
+            </a:custGeom>
+            <a:solidFill>
+              <a:srgbClr val="273B5C"/>
+            </a:solidFill>
+          </p:spPr>
+          <p:txBody>
+            <a:bodyPr wrap="square" lIns="0" tIns="0" rIns="0" bIns="0" rtlCol="0"/>
+            <a:lstStyle/>
+            <a:p>
+              <a:endParaRPr/>
+            </a:p>
+          </p:txBody>
+        </p:sp>
+        <p:sp>
+          <p:nvSpPr>
+            <p:cNvPr id="11" name="object 11"/>
+            <p:cNvSpPr/>
+            <p:nvPr/>
+          </p:nvSpPr>
+          <p:spPr>
+            <a:xfrm>
+              <a:off x="1962150" y="1495425"/>
+              <a:ext cx="904875" cy="742950"/>
+            </a:xfrm>
+            <a:custGeom>
+              <a:avLst/>
+              <a:gdLst/>
+              <a:ahLst/>
+              <a:cxnLst/>
+              <a:rect l="l" t="t" r="r" b="b"/>
+              <a:pathLst>
+                <a:path w="904875" h="742950">
+                  <a:moveTo>
+                    <a:pt x="0" y="371475"/>
+                  </a:moveTo>
+                  <a:lnTo>
+                    <a:pt x="904875" y="371475"/>
+                  </a:lnTo>
+                </a:path>
+                <a:path w="904875" h="742950">
+                  <a:moveTo>
+                    <a:pt x="0" y="371475"/>
+                  </a:moveTo>
+                  <a:lnTo>
+                    <a:pt x="452500" y="0"/>
+                  </a:lnTo>
+                  <a:lnTo>
+                    <a:pt x="904875" y="371475"/>
+                  </a:lnTo>
+                  <a:lnTo>
+                    <a:pt x="452500" y="742950"/>
+                  </a:lnTo>
+                  <a:lnTo>
+                    <a:pt x="0" y="371475"/>
+                  </a:lnTo>
+                  <a:close/>
+                </a:path>
+              </a:pathLst>
+            </a:custGeom>
+            <a:ln w="15875">
+              <a:solidFill>
+                <a:srgbClr val="273B5C"/>
+              </a:solidFill>
+            </a:ln>
+          </p:spPr>
+          <p:txBody>
+            <a:bodyPr wrap="square" lIns="0" tIns="0" rIns="0" bIns="0" rtlCol="0"/>
+            <a:lstStyle/>
+            <a:p>
+              <a:endParaRPr/>
+            </a:p>
+          </p:txBody>
+        </p:sp>
+        <p:pic>
+          <p:nvPicPr>
+            <p:cNvPr id="12" name="object 12"/>
+            <p:cNvPicPr/>
+            <p:nvPr/>
+          </p:nvPicPr>
+          <p:blipFill>
+            <a:blip r:embed="rId3" cstate="print"/>
+            <a:stretch>
+              <a:fillRect/>
+            </a:stretch>
+          </p:blipFill>
+          <p:spPr>
+            <a:xfrm>
+              <a:off x="171450" y="228600"/>
+              <a:ext cx="1400175" cy="1409700"/>
+            </a:xfrm>
+            <a:prstGeom prst="rect">
+              <a:avLst/>
+            </a:prstGeom>
+          </p:spPr>
+        </p:pic>
+        <p:pic>
+          <p:nvPicPr>
+            <p:cNvPr id="13" name="object 13"/>
+            <p:cNvPicPr/>
+            <p:nvPr/>
+          </p:nvPicPr>
+          <p:blipFill>
+            <a:blip r:embed="rId4" cstate="print"/>
+            <a:stretch>
+              <a:fillRect/>
+            </a:stretch>
+          </p:blipFill>
+          <p:spPr>
+            <a:xfrm>
+              <a:off x="3762375" y="2171636"/>
+              <a:ext cx="4548251" cy="4681601"/>
+            </a:xfrm>
+            <a:prstGeom prst="rect">
+              <a:avLst/>
+            </a:prstGeom>
+          </p:spPr>
+        </p:pic>
+      </p:grpSp>
+    </p:spTree>
+  </p:cSld>
+  <p:clrMapOvr>
+    <a:masterClrMapping/>
+  </p:clrMapOvr>
+</p:sld>
+</file>
+
+<file path=ppt/slides/slide13.xml><?xml version="1.0" encoding="utf-8"?>
+<p:sld xmlns:a="http://schemas.openxmlformats.org/drawingml/2006/main" xmlns:r="http://schemas.openxmlformats.org/officeDocument/2006/relationships" xmlns:p="http://schemas.openxmlformats.org/presentationml/2006/main">
+  <p:cSld>
+    <p:spTree>
+      <p:nvGrpSpPr>
+        <p:cNvPr id="1" name=""/>
+        <p:cNvGrpSpPr/>
+        <p:nvPr/>
+      </p:nvGrpSpPr>
+      <p:grpSpPr>
+        <a:xfrm>
+          <a:off x="0" y="0"/>
+          <a:ext cx="0" cy="0"/>
+          <a:chOff x="0" y="0"/>
+          <a:chExt cx="0" cy="0"/>
+        </a:xfrm>
+      </p:grpSpPr>
+      <p:grpSp>
+        <p:nvGrpSpPr>
+          <p:cNvPr id="2" name="object 2"/>
+          <p:cNvGrpSpPr/>
+          <p:nvPr/>
+        </p:nvGrpSpPr>
+        <p:grpSpPr>
+          <a:xfrm>
+            <a:off x="0" y="63"/>
+            <a:ext cx="12197080" cy="2200275"/>
+            <a:chOff x="0" y="63"/>
+            <a:chExt cx="12197080" cy="2200275"/>
+          </a:xfrm>
+        </p:grpSpPr>
+        <p:pic>
+          <p:nvPicPr>
+            <p:cNvPr id="3" name="object 3"/>
+            <p:cNvPicPr/>
+            <p:nvPr/>
+          </p:nvPicPr>
+          <p:blipFill>
+            <a:blip r:embed="rId2" cstate="print"/>
+            <a:stretch>
+              <a:fillRect/>
+            </a:stretch>
+          </p:blipFill>
+          <p:spPr>
+            <a:xfrm>
+              <a:off x="4763" y="4825"/>
+              <a:ext cx="12187236" cy="2190750"/>
+            </a:xfrm>
+            <a:prstGeom prst="rect">
+              <a:avLst/>
+            </a:prstGeom>
+          </p:spPr>
+        </p:pic>
+        <p:sp>
+          <p:nvSpPr>
+            <p:cNvPr id="4" name="object 4"/>
+            <p:cNvSpPr/>
+            <p:nvPr/>
+          </p:nvSpPr>
+          <p:spPr>
+            <a:xfrm>
+              <a:off x="4763" y="4825"/>
+              <a:ext cx="12187555" cy="2190750"/>
+            </a:xfrm>
+            <a:custGeom>
+              <a:avLst/>
+              <a:gdLst/>
+              <a:ahLst/>
+              <a:cxnLst/>
+              <a:rect l="l" t="t" r="r" b="b"/>
+              <a:pathLst>
+                <a:path w="12187555" h="2190750">
+                  <a:moveTo>
+                    <a:pt x="12187236" y="0"/>
+                  </a:moveTo>
+                  <a:lnTo>
+                    <a:pt x="0" y="0"/>
+                  </a:lnTo>
+                  <a:lnTo>
+                    <a:pt x="0" y="1891538"/>
+                  </a:lnTo>
+                  <a:lnTo>
+                    <a:pt x="1995994" y="1891538"/>
+                  </a:lnTo>
+                  <a:lnTo>
+                    <a:pt x="2376994" y="2177923"/>
+                  </a:lnTo>
+                  <a:lnTo>
+                    <a:pt x="2385503" y="2181098"/>
+                  </a:lnTo>
+                  <a:lnTo>
+                    <a:pt x="2398203" y="2185924"/>
+                  </a:lnTo>
+                  <a:lnTo>
+                    <a:pt x="2410903" y="2190750"/>
+                  </a:lnTo>
+                  <a:lnTo>
+                    <a:pt x="2421444" y="2190750"/>
+                  </a:lnTo>
+                  <a:lnTo>
+                    <a:pt x="2434144" y="2190750"/>
+                  </a:lnTo>
+                  <a:lnTo>
+                    <a:pt x="2444812" y="2185924"/>
+                  </a:lnTo>
+                  <a:lnTo>
+                    <a:pt x="2457512" y="2181098"/>
+                  </a:lnTo>
+                  <a:lnTo>
+                    <a:pt x="2465894" y="2177923"/>
+                  </a:lnTo>
+                  <a:lnTo>
+                    <a:pt x="2846894" y="1891538"/>
+                  </a:lnTo>
+                  <a:lnTo>
+                    <a:pt x="12187236" y="1891538"/>
+                  </a:lnTo>
+                </a:path>
+              </a:pathLst>
+            </a:custGeom>
+            <a:ln w="9525">
+              <a:solidFill>
+                <a:srgbClr val="00C5BA"/>
+              </a:solidFill>
+            </a:ln>
+          </p:spPr>
+          <p:txBody>
+            <a:bodyPr wrap="square" lIns="0" tIns="0" rIns="0" bIns="0" rtlCol="0"/>
+            <a:lstStyle/>
+            <a:p>
+              <a:endParaRPr/>
+            </a:p>
+          </p:txBody>
+        </p:sp>
+      </p:grpSp>
+      <p:grpSp>
+        <p:nvGrpSpPr>
+          <p:cNvPr id="5" name="object 5"/>
+          <p:cNvGrpSpPr/>
+          <p:nvPr/>
+        </p:nvGrpSpPr>
+        <p:grpSpPr>
+          <a:xfrm>
             <a:off x="0" y="0"/>
             <a:ext cx="12207875" cy="6977575"/>
             <a:chOff x="-7937" y="0"/>
@@ -3159,16 +4336,8 @@
               </a:spcBef>
             </a:pPr>
             <a:r>
-              <a:rPr spc="-80" dirty="0"/>
-              <a:t>Si</a:t>
-            </a:r>
-            <a:r>
-              <a:rPr spc="-40" dirty="0"/>
-              <a:t>t</a:t>
-            </a:r>
-            <a:r>
-              <a:rPr spc="-35" dirty="0"/>
-              <a:t>e</a:t>
+              <a:rPr lang="pt-BR" spc="-80" dirty="0"/>
+              <a:t>Dashboard</a:t>
             </a:r>
             <a:endParaRPr spc="35" dirty="0"/>
           </a:p>
@@ -3218,7 +4387,7 @@
 </p:sld>
 </file>
 
-<file path=ppt/slides/slide12.xml><?xml version="1.0" encoding="utf-8"?>
+<file path=ppt/slides/slide14.xml><?xml version="1.0" encoding="utf-8"?>
 <p:sld xmlns:a="http://schemas.openxmlformats.org/drawingml/2006/main" xmlns:r="http://schemas.openxmlformats.org/officeDocument/2006/relationships" xmlns:p="http://schemas.openxmlformats.org/presentationml/2006/main">
   <p:cSld>
     <p:spTree>
@@ -4760,7 +5929,7 @@
 </p:sld>
 </file>
 
-<file path=ppt/slides/slide13.xml><?xml version="1.0" encoding="utf-8"?>
+<file path=ppt/slides/slide15.xml><?xml version="1.0" encoding="utf-8"?>
 <p:sld xmlns:a="http://schemas.openxmlformats.org/drawingml/2006/main" xmlns:r="http://schemas.openxmlformats.org/officeDocument/2006/relationships" xmlns:p="http://schemas.openxmlformats.org/presentationml/2006/main">
   <p:cSld>
     <p:spTree>
@@ -5464,7 +6633,7 @@
 </p:sld>
 </file>
 
-<file path=ppt/slides/slide14.xml><?xml version="1.0" encoding="utf-8"?>
+<file path=ppt/slides/slide16.xml><?xml version="1.0" encoding="utf-8"?>
 <p:sld xmlns:a="http://schemas.openxmlformats.org/drawingml/2006/main" xmlns:r="http://schemas.openxmlformats.org/officeDocument/2006/relationships" xmlns:p="http://schemas.openxmlformats.org/presentationml/2006/main">
   <p:cSld>
     <p:spTree>
@@ -10281,7 +11450,7 @@
         <p:spPr>
           <a:xfrm>
             <a:off x="1575582" y="3024554"/>
-            <a:ext cx="4994030" cy="3385542"/>
+            <a:ext cx="4994030" cy="3693319"/>
           </a:xfrm>
           <a:prstGeom prst="rect">
             <a:avLst/>
@@ -10303,7 +11472,7 @@
                 <a:latin typeface="Verdana" panose="020B0604030504040204" pitchFamily="34" charset="0"/>
                 <a:ea typeface="Verdana" panose="020B0604030504040204" pitchFamily="34" charset="0"/>
               </a:rPr>
-              <a:t>Implementação deve crescer em 16% ao ano até 2023;</a:t>
+              <a:t>Implementação deve crescer em 16% ao ano até 2025;</a:t>
             </a:r>
           </a:p>
           <a:p>
@@ -10326,7 +11495,7 @@
                 <a:latin typeface="Verdana" panose="020B0604030504040204" pitchFamily="34" charset="0"/>
                 <a:ea typeface="Verdana" panose="020B0604030504040204" pitchFamily="34" charset="0"/>
               </a:rPr>
-              <a:t>Fim da bilheteria manual;</a:t>
+              <a:t>Fim da bilheteria manual foi em 2021;</a:t>
             </a:r>
           </a:p>
           <a:p>
@@ -10384,6 +11553,587 @@
 </file>
 
 <file path=ppt/slides/slide4.xml><?xml version="1.0" encoding="utf-8"?>
+<p:sld xmlns:a="http://schemas.openxmlformats.org/drawingml/2006/main" xmlns:r="http://schemas.openxmlformats.org/officeDocument/2006/relationships" xmlns:p="http://schemas.openxmlformats.org/presentationml/2006/main">
+  <p:cSld>
+    <p:spTree>
+      <p:nvGrpSpPr>
+        <p:cNvPr id="1" name=""/>
+        <p:cNvGrpSpPr/>
+        <p:nvPr/>
+      </p:nvGrpSpPr>
+      <p:grpSpPr>
+        <a:xfrm>
+          <a:off x="0" y="0"/>
+          <a:ext cx="0" cy="0"/>
+          <a:chOff x="0" y="0"/>
+          <a:chExt cx="0" cy="0"/>
+        </a:xfrm>
+      </p:grpSpPr>
+      <p:grpSp>
+        <p:nvGrpSpPr>
+          <p:cNvPr id="2" name="object 2"/>
+          <p:cNvGrpSpPr/>
+          <p:nvPr/>
+        </p:nvGrpSpPr>
+        <p:grpSpPr>
+          <a:xfrm>
+            <a:off x="-7937" y="0"/>
+            <a:ext cx="12207875" cy="2208530"/>
+            <a:chOff x="-7937" y="0"/>
+            <a:chExt cx="12207875" cy="2208530"/>
+          </a:xfrm>
+        </p:grpSpPr>
+        <p:pic>
+          <p:nvPicPr>
+            <p:cNvPr id="3" name="object 3"/>
+            <p:cNvPicPr/>
+            <p:nvPr/>
+          </p:nvPicPr>
+          <p:blipFill>
+            <a:blip r:embed="rId2" cstate="print"/>
+            <a:stretch>
+              <a:fillRect/>
+            </a:stretch>
+          </p:blipFill>
+          <p:spPr>
+            <a:xfrm>
+              <a:off x="4763" y="4825"/>
+              <a:ext cx="12187236" cy="2190750"/>
+            </a:xfrm>
+            <a:prstGeom prst="rect">
+              <a:avLst/>
+            </a:prstGeom>
+          </p:spPr>
+        </p:pic>
+        <p:sp>
+          <p:nvSpPr>
+            <p:cNvPr id="4" name="object 4"/>
+            <p:cNvSpPr/>
+            <p:nvPr/>
+          </p:nvSpPr>
+          <p:spPr>
+            <a:xfrm>
+              <a:off x="4763" y="4825"/>
+              <a:ext cx="12187555" cy="2190750"/>
+            </a:xfrm>
+            <a:custGeom>
+              <a:avLst/>
+              <a:gdLst/>
+              <a:ahLst/>
+              <a:cxnLst/>
+              <a:rect l="l" t="t" r="r" b="b"/>
+              <a:pathLst>
+                <a:path w="12187555" h="2190750">
+                  <a:moveTo>
+                    <a:pt x="12187236" y="0"/>
+                  </a:moveTo>
+                  <a:lnTo>
+                    <a:pt x="0" y="0"/>
+                  </a:lnTo>
+                  <a:lnTo>
+                    <a:pt x="0" y="1891538"/>
+                  </a:lnTo>
+                  <a:lnTo>
+                    <a:pt x="1995994" y="1891538"/>
+                  </a:lnTo>
+                  <a:lnTo>
+                    <a:pt x="2376994" y="2177923"/>
+                  </a:lnTo>
+                  <a:lnTo>
+                    <a:pt x="2385503" y="2181098"/>
+                  </a:lnTo>
+                  <a:lnTo>
+                    <a:pt x="2398203" y="2185924"/>
+                  </a:lnTo>
+                  <a:lnTo>
+                    <a:pt x="2410903" y="2190750"/>
+                  </a:lnTo>
+                  <a:lnTo>
+                    <a:pt x="2421444" y="2190750"/>
+                  </a:lnTo>
+                  <a:lnTo>
+                    <a:pt x="2434144" y="2190750"/>
+                  </a:lnTo>
+                  <a:lnTo>
+                    <a:pt x="2444812" y="2185924"/>
+                  </a:lnTo>
+                  <a:lnTo>
+                    <a:pt x="2457512" y="2181098"/>
+                  </a:lnTo>
+                  <a:lnTo>
+                    <a:pt x="2465894" y="2177923"/>
+                  </a:lnTo>
+                  <a:lnTo>
+                    <a:pt x="2846894" y="1891538"/>
+                  </a:lnTo>
+                  <a:lnTo>
+                    <a:pt x="12187236" y="1891538"/>
+                  </a:lnTo>
+                </a:path>
+              </a:pathLst>
+            </a:custGeom>
+            <a:ln w="9525">
+              <a:solidFill>
+                <a:srgbClr val="00C5BA"/>
+              </a:solidFill>
+            </a:ln>
+          </p:spPr>
+          <p:txBody>
+            <a:bodyPr wrap="square" lIns="0" tIns="0" rIns="0" bIns="0" rtlCol="0"/>
+            <a:lstStyle/>
+            <a:p>
+              <a:endParaRPr/>
+            </a:p>
+          </p:txBody>
+        </p:sp>
+        <p:sp>
+          <p:nvSpPr>
+            <p:cNvPr id="5" name="object 5"/>
+            <p:cNvSpPr/>
+            <p:nvPr/>
+          </p:nvSpPr>
+          <p:spPr>
+            <a:xfrm>
+              <a:off x="0" y="0"/>
+              <a:ext cx="12192000" cy="1885950"/>
+            </a:xfrm>
+            <a:custGeom>
+              <a:avLst/>
+              <a:gdLst/>
+              <a:ahLst/>
+              <a:cxnLst/>
+              <a:rect l="l" t="t" r="r" b="b"/>
+              <a:pathLst>
+                <a:path w="12192000" h="1885950">
+                  <a:moveTo>
+                    <a:pt x="12192000" y="0"/>
+                  </a:moveTo>
+                  <a:lnTo>
+                    <a:pt x="0" y="0"/>
+                  </a:lnTo>
+                  <a:lnTo>
+                    <a:pt x="0" y="1885950"/>
+                  </a:lnTo>
+                  <a:lnTo>
+                    <a:pt x="12192000" y="1885950"/>
+                  </a:lnTo>
+                  <a:lnTo>
+                    <a:pt x="12192000" y="0"/>
+                  </a:lnTo>
+                  <a:close/>
+                </a:path>
+              </a:pathLst>
+            </a:custGeom>
+            <a:solidFill>
+              <a:srgbClr val="273B5C"/>
+            </a:solidFill>
+          </p:spPr>
+          <p:txBody>
+            <a:bodyPr wrap="square" lIns="0" tIns="0" rIns="0" bIns="0" rtlCol="0"/>
+            <a:lstStyle/>
+            <a:p>
+              <a:endParaRPr/>
+            </a:p>
+          </p:txBody>
+        </p:sp>
+        <p:sp>
+          <p:nvSpPr>
+            <p:cNvPr id="6" name="object 6"/>
+            <p:cNvSpPr/>
+            <p:nvPr/>
+          </p:nvSpPr>
+          <p:spPr>
+            <a:xfrm>
+              <a:off x="0" y="0"/>
+              <a:ext cx="12192000" cy="1885950"/>
+            </a:xfrm>
+            <a:custGeom>
+              <a:avLst/>
+              <a:gdLst/>
+              <a:ahLst/>
+              <a:cxnLst/>
+              <a:rect l="l" t="t" r="r" b="b"/>
+              <a:pathLst>
+                <a:path w="12192000" h="1885950">
+                  <a:moveTo>
+                    <a:pt x="0" y="1885950"/>
+                  </a:moveTo>
+                  <a:lnTo>
+                    <a:pt x="12192000" y="1885950"/>
+                  </a:lnTo>
+                  <a:lnTo>
+                    <a:pt x="12192000" y="0"/>
+                  </a:lnTo>
+                  <a:lnTo>
+                    <a:pt x="0" y="0"/>
+                  </a:lnTo>
+                  <a:lnTo>
+                    <a:pt x="0" y="1885950"/>
+                  </a:lnTo>
+                  <a:close/>
+                </a:path>
+              </a:pathLst>
+            </a:custGeom>
+            <a:ln w="15875">
+              <a:solidFill>
+                <a:srgbClr val="273B5C"/>
+              </a:solidFill>
+            </a:ln>
+          </p:spPr>
+          <p:txBody>
+            <a:bodyPr wrap="square" lIns="0" tIns="0" rIns="0" bIns="0" rtlCol="0"/>
+            <a:lstStyle/>
+            <a:p>
+              <a:endParaRPr/>
+            </a:p>
+          </p:txBody>
+        </p:sp>
+      </p:grpSp>
+      <p:sp>
+        <p:nvSpPr>
+          <p:cNvPr id="7" name="object 7"/>
+          <p:cNvSpPr txBox="1">
+            <a:spLocks noGrp="1"/>
+          </p:cNvSpPr>
+          <p:nvPr>
+            <p:ph type="title"/>
+          </p:nvPr>
+        </p:nvSpPr>
+        <p:spPr>
+          <a:xfrm>
+            <a:off x="3472815" y="524827"/>
+            <a:ext cx="5248910" cy="758190"/>
+          </a:xfrm>
+          <a:prstGeom prst="rect">
+            <a:avLst/>
+          </a:prstGeom>
+        </p:spPr>
+        <p:txBody>
+          <a:bodyPr vert="horz" wrap="square" lIns="0" tIns="13335" rIns="0" bIns="0" rtlCol="0">
+            <a:spAutoFit/>
+          </a:bodyPr>
+          <a:lstStyle/>
+          <a:p>
+            <a:pPr marL="12700">
+              <a:lnSpc>
+                <a:spcPct val="100000"/>
+              </a:lnSpc>
+              <a:spcBef>
+                <a:spcPts val="105"/>
+              </a:spcBef>
+            </a:pPr>
+            <a:r>
+              <a:t>Contextualização</a:t>
+            </a:r>
+          </a:p>
+        </p:txBody>
+      </p:sp>
+      <p:grpSp>
+        <p:nvGrpSpPr>
+          <p:cNvPr id="8" name="object 8"/>
+          <p:cNvGrpSpPr/>
+          <p:nvPr/>
+        </p:nvGrpSpPr>
+        <p:grpSpPr>
+          <a:xfrm>
+            <a:off x="133350" y="95250"/>
+            <a:ext cx="2792730" cy="2190750"/>
+            <a:chOff x="133350" y="95250"/>
+            <a:chExt cx="2741930" cy="2151380"/>
+          </a:xfrm>
+        </p:grpSpPr>
+        <p:sp>
+          <p:nvSpPr>
+            <p:cNvPr id="9" name="object 9"/>
+            <p:cNvSpPr/>
+            <p:nvPr/>
+          </p:nvSpPr>
+          <p:spPr>
+            <a:xfrm>
+              <a:off x="1962150" y="1495425"/>
+              <a:ext cx="904875" cy="742950"/>
+            </a:xfrm>
+            <a:custGeom>
+              <a:avLst/>
+              <a:gdLst/>
+              <a:ahLst/>
+              <a:cxnLst/>
+              <a:rect l="l" t="t" r="r" b="b"/>
+              <a:pathLst>
+                <a:path w="904875" h="742950">
+                  <a:moveTo>
+                    <a:pt x="452500" y="0"/>
+                  </a:moveTo>
+                  <a:lnTo>
+                    <a:pt x="0" y="371475"/>
+                  </a:lnTo>
+                  <a:lnTo>
+                    <a:pt x="452500" y="742950"/>
+                  </a:lnTo>
+                  <a:lnTo>
+                    <a:pt x="904875" y="371475"/>
+                  </a:lnTo>
+                  <a:lnTo>
+                    <a:pt x="452500" y="0"/>
+                  </a:lnTo>
+                  <a:close/>
+                </a:path>
+              </a:pathLst>
+            </a:custGeom>
+            <a:solidFill>
+              <a:srgbClr val="273B5C"/>
+            </a:solidFill>
+          </p:spPr>
+          <p:txBody>
+            <a:bodyPr wrap="square" lIns="0" tIns="0" rIns="0" bIns="0" rtlCol="0"/>
+            <a:lstStyle/>
+            <a:p>
+              <a:endParaRPr/>
+            </a:p>
+          </p:txBody>
+        </p:sp>
+        <p:sp>
+          <p:nvSpPr>
+            <p:cNvPr id="10" name="object 10"/>
+            <p:cNvSpPr/>
+            <p:nvPr/>
+          </p:nvSpPr>
+          <p:spPr>
+            <a:xfrm>
+              <a:off x="1962150" y="1495425"/>
+              <a:ext cx="904875" cy="742950"/>
+            </a:xfrm>
+            <a:custGeom>
+              <a:avLst/>
+              <a:gdLst/>
+              <a:ahLst/>
+              <a:cxnLst/>
+              <a:rect l="l" t="t" r="r" b="b"/>
+              <a:pathLst>
+                <a:path w="904875" h="742950">
+                  <a:moveTo>
+                    <a:pt x="0" y="371475"/>
+                  </a:moveTo>
+                  <a:lnTo>
+                    <a:pt x="904875" y="371475"/>
+                  </a:lnTo>
+                </a:path>
+                <a:path w="904875" h="742950">
+                  <a:moveTo>
+                    <a:pt x="0" y="371475"/>
+                  </a:moveTo>
+                  <a:lnTo>
+                    <a:pt x="452500" y="0"/>
+                  </a:lnTo>
+                  <a:lnTo>
+                    <a:pt x="904875" y="371475"/>
+                  </a:lnTo>
+                  <a:lnTo>
+                    <a:pt x="452500" y="742950"/>
+                  </a:lnTo>
+                  <a:lnTo>
+                    <a:pt x="0" y="371475"/>
+                  </a:lnTo>
+                  <a:close/>
+                </a:path>
+              </a:pathLst>
+            </a:custGeom>
+            <a:ln w="15875">
+              <a:solidFill>
+                <a:srgbClr val="273B5C"/>
+              </a:solidFill>
+            </a:ln>
+          </p:spPr>
+          <p:txBody>
+            <a:bodyPr wrap="square" lIns="0" tIns="0" rIns="0" bIns="0" rtlCol="0"/>
+            <a:lstStyle/>
+            <a:p>
+              <a:endParaRPr/>
+            </a:p>
+          </p:txBody>
+        </p:sp>
+        <p:pic>
+          <p:nvPicPr>
+            <p:cNvPr id="11" name="object 11"/>
+            <p:cNvPicPr/>
+            <p:nvPr/>
+          </p:nvPicPr>
+          <p:blipFill>
+            <a:blip r:embed="rId3" cstate="print"/>
+            <a:stretch>
+              <a:fillRect/>
+            </a:stretch>
+          </p:blipFill>
+          <p:spPr>
+            <a:xfrm>
+              <a:off x="133350" y="95250"/>
+              <a:ext cx="1638300" cy="1638300"/>
+            </a:xfrm>
+            <a:prstGeom prst="rect">
+              <a:avLst/>
+            </a:prstGeom>
+          </p:spPr>
+        </p:pic>
+      </p:grpSp>
+      <p:sp>
+        <p:nvSpPr>
+          <p:cNvPr id="14" name="CaixaDeTexto 13">
+            <a:extLst>
+              <a:ext uri="{FF2B5EF4-FFF2-40B4-BE49-F238E27FC236}">
+                <a16:creationId xmlns:a16="http://schemas.microsoft.com/office/drawing/2014/main" id="{0342FA5A-7D66-2FC7-3202-8FC6F9836DE2}"/>
+              </a:ext>
+            </a:extLst>
+          </p:cNvPr>
+          <p:cNvSpPr txBox="1"/>
+          <p:nvPr/>
+        </p:nvSpPr>
+        <p:spPr>
+          <a:xfrm>
+            <a:off x="756155" y="2969655"/>
+            <a:ext cx="4994030" cy="3385542"/>
+          </a:xfrm>
+          <a:prstGeom prst="rect">
+            <a:avLst/>
+          </a:prstGeom>
+          <a:noFill/>
+        </p:spPr>
+        <p:txBody>
+          <a:bodyPr wrap="square" rtlCol="0">
+            <a:spAutoFit/>
+          </a:bodyPr>
+          <a:lstStyle/>
+          <a:p>
+            <a:pPr marL="285750" indent="-285750">
+              <a:buFont typeface="Arial" panose="020B0604020202020204" pitchFamily="34" charset="0"/>
+              <a:buChar char="•"/>
+            </a:pPr>
+            <a:r>
+              <a:rPr lang="pt-BR" sz="2000" dirty="0">
+                <a:latin typeface="Verdana" panose="020B0604030504040204" pitchFamily="34" charset="0"/>
+                <a:ea typeface="Verdana" panose="020B0604030504040204" pitchFamily="34" charset="0"/>
+              </a:rPr>
+              <a:t>Redução de filas</a:t>
+            </a:r>
+          </a:p>
+          <a:p>
+            <a:pPr marL="285750" indent="-285750">
+              <a:buFont typeface="Arial" panose="020B0604020202020204" pitchFamily="34" charset="0"/>
+              <a:buChar char="•"/>
+            </a:pPr>
+            <a:endParaRPr lang="pt-BR" sz="2000" dirty="0">
+              <a:latin typeface="Verdana" panose="020B0604030504040204" pitchFamily="34" charset="0"/>
+              <a:ea typeface="Verdana" panose="020B0604030504040204" pitchFamily="34" charset="0"/>
+            </a:endParaRPr>
+          </a:p>
+          <a:p>
+            <a:pPr marL="285750" indent="-285750">
+              <a:buFont typeface="Arial" panose="020B0604020202020204" pitchFamily="34" charset="0"/>
+              <a:buChar char="•"/>
+            </a:pPr>
+            <a:r>
+              <a:rPr lang="pt-BR" sz="2000" dirty="0">
+                <a:latin typeface="Verdana" panose="020B0604030504040204" pitchFamily="34" charset="0"/>
+                <a:ea typeface="Verdana" panose="020B0604030504040204" pitchFamily="34" charset="0"/>
+              </a:rPr>
+              <a:t>Melhor aproveitamento funcionários </a:t>
+            </a:r>
+          </a:p>
+          <a:p>
+            <a:endParaRPr lang="pt-BR" sz="2000" dirty="0">
+              <a:latin typeface="Verdana" panose="020B0604030504040204" pitchFamily="34" charset="0"/>
+              <a:ea typeface="Verdana" panose="020B0604030504040204" pitchFamily="34" charset="0"/>
+            </a:endParaRPr>
+          </a:p>
+          <a:p>
+            <a:pPr marL="285750" indent="-285750">
+              <a:buFont typeface="Arial" panose="020B0604020202020204" pitchFamily="34" charset="0"/>
+              <a:buChar char="•"/>
+            </a:pPr>
+            <a:r>
+              <a:rPr lang="pt-BR" sz="2000" dirty="0">
+                <a:latin typeface="Verdana" panose="020B0604030504040204" pitchFamily="34" charset="0"/>
+                <a:ea typeface="Verdana" panose="020B0604030504040204" pitchFamily="34" charset="0"/>
+              </a:rPr>
+              <a:t>Autonomia para o usuário</a:t>
+            </a:r>
+          </a:p>
+          <a:p>
+            <a:endParaRPr lang="pt-BR" sz="2000" dirty="0">
+              <a:latin typeface="Verdana" panose="020B0604030504040204" pitchFamily="34" charset="0"/>
+              <a:ea typeface="Verdana" panose="020B0604030504040204" pitchFamily="34" charset="0"/>
+            </a:endParaRPr>
+          </a:p>
+          <a:p>
+            <a:pPr marL="285750" indent="-285750">
+              <a:buFont typeface="Arial" panose="020B0604020202020204" pitchFamily="34" charset="0"/>
+              <a:buChar char="•"/>
+            </a:pPr>
+            <a:endParaRPr lang="pt-BR" sz="2000" dirty="0">
+              <a:latin typeface="Verdana" panose="020B0604030504040204" pitchFamily="34" charset="0"/>
+              <a:ea typeface="Verdana" panose="020B0604030504040204" pitchFamily="34" charset="0"/>
+            </a:endParaRPr>
+          </a:p>
+          <a:p>
+            <a:endParaRPr lang="pt-BR" dirty="0"/>
+          </a:p>
+          <a:p>
+            <a:pPr marL="285750" indent="-285750">
+              <a:buFont typeface="Arial" panose="020B0604020202020204" pitchFamily="34" charset="0"/>
+              <a:buChar char="•"/>
+            </a:pPr>
+            <a:endParaRPr lang="pt-BR" dirty="0"/>
+          </a:p>
+          <a:p>
+            <a:pPr marL="285750" indent="-285750">
+              <a:buFont typeface="Arial" panose="020B0604020202020204" pitchFamily="34" charset="0"/>
+              <a:buChar char="•"/>
+            </a:pPr>
+            <a:endParaRPr lang="pt-BR" dirty="0"/>
+          </a:p>
+        </p:txBody>
+      </p:sp>
+      <p:pic>
+        <p:nvPicPr>
+          <p:cNvPr id="15" name="object 13">
+            <a:extLst>
+              <a:ext uri="{FF2B5EF4-FFF2-40B4-BE49-F238E27FC236}">
+                <a16:creationId xmlns:a16="http://schemas.microsoft.com/office/drawing/2014/main" id="{B05E1509-D622-6927-5B12-93F2BE5EE2E8}"/>
+              </a:ext>
+            </a:extLst>
+          </p:cNvPr>
+          <p:cNvPicPr/>
+          <p:nvPr/>
+        </p:nvPicPr>
+        <p:blipFill>
+          <a:blip r:embed="rId4" cstate="print"/>
+          <a:stretch>
+            <a:fillRect/>
+          </a:stretch>
+        </p:blipFill>
+        <p:spPr>
+          <a:xfrm>
+            <a:off x="6714164" y="2646880"/>
+            <a:ext cx="4595876" cy="3929126"/>
+          </a:xfrm>
+          <a:prstGeom prst="rect">
+            <a:avLst/>
+          </a:prstGeom>
+        </p:spPr>
+      </p:pic>
+    </p:spTree>
+    <p:extLst>
+      <p:ext uri="{BB962C8B-B14F-4D97-AF65-F5344CB8AC3E}">
+        <p14:creationId xmlns:p14="http://schemas.microsoft.com/office/powerpoint/2010/main" val="1908094255"/>
+      </p:ext>
+    </p:extLst>
+  </p:cSld>
+  <p:clrMapOvr>
+    <a:masterClrMapping/>
+  </p:clrMapOvr>
+</p:sld>
+</file>
+
+<file path=ppt/slides/slide5.xml><?xml version="1.0" encoding="utf-8"?>
 <p:sld xmlns:a="http://schemas.openxmlformats.org/drawingml/2006/main" xmlns:r="http://schemas.openxmlformats.org/officeDocument/2006/relationships" xmlns:p="http://schemas.openxmlformats.org/presentationml/2006/main" showMasterSp="0">
   <p:cSld>
     <p:spTree>
@@ -10605,7 +12355,7 @@
 </p:sld>
 </file>
 
-<file path=ppt/slides/slide5.xml><?xml version="1.0" encoding="utf-8"?>
+<file path=ppt/slides/slide6.xml><?xml version="1.0" encoding="utf-8"?>
 <p:sld xmlns:a="http://schemas.openxmlformats.org/drawingml/2006/main" xmlns:r="http://schemas.openxmlformats.org/officeDocument/2006/relationships" xmlns:p="http://schemas.openxmlformats.org/presentationml/2006/main">
   <p:cSld>
     <p:spTree>
@@ -12491,7 +14241,7 @@
 </p:sld>
 </file>
 
-<file path=ppt/slides/slide6.xml><?xml version="1.0" encoding="utf-8"?>
+<file path=ppt/slides/slide7.xml><?xml version="1.0" encoding="utf-8"?>
 <p:sld xmlns:a="http://schemas.openxmlformats.org/drawingml/2006/main" xmlns:r="http://schemas.openxmlformats.org/officeDocument/2006/relationships" xmlns:p="http://schemas.openxmlformats.org/presentationml/2006/main" showMasterSp="0">
   <p:cSld>
     <p:spTree>
@@ -12735,7 +14485,7 @@
 </p:sld>
 </file>
 
-<file path=ppt/slides/slide7.xml><?xml version="1.0" encoding="utf-8"?>
+<file path=ppt/slides/slide8.xml><?xml version="1.0" encoding="utf-8"?>
 <p:sld xmlns:a="http://schemas.openxmlformats.org/drawingml/2006/main" xmlns:r="http://schemas.openxmlformats.org/officeDocument/2006/relationships" xmlns:p="http://schemas.openxmlformats.org/presentationml/2006/main" showMasterSp="0">
   <p:cSld>
     <p:spTree>
@@ -13024,7 +14774,7 @@
 </p:sld>
 </file>
 
-<file path=ppt/slides/slide8.xml><?xml version="1.0" encoding="utf-8"?>
+<file path=ppt/slides/slide9.xml><?xml version="1.0" encoding="utf-8"?>
 <p:sld xmlns:a="http://schemas.openxmlformats.org/drawingml/2006/main" xmlns:r="http://schemas.openxmlformats.org/officeDocument/2006/relationships" xmlns:p="http://schemas.openxmlformats.org/presentationml/2006/main" showMasterSp="0">
   <p:cSld>
     <p:spTree>
@@ -13321,867 +15071,6 @@
         <p14:creationId xmlns:p14="http://schemas.microsoft.com/office/powerpoint/2010/main" val="301955511"/>
       </p:ext>
     </p:extLst>
-  </p:cSld>
-  <p:clrMapOvr>
-    <a:masterClrMapping/>
-  </p:clrMapOvr>
-</p:sld>
-</file>
-
-<file path=ppt/slides/slide9.xml><?xml version="1.0" encoding="utf-8"?>
-<p:sld xmlns:a="http://schemas.openxmlformats.org/drawingml/2006/main" xmlns:r="http://schemas.openxmlformats.org/officeDocument/2006/relationships" xmlns:p="http://schemas.openxmlformats.org/presentationml/2006/main">
-  <p:cSld>
-    <p:spTree>
-      <p:nvGrpSpPr>
-        <p:cNvPr id="1" name=""/>
-        <p:cNvGrpSpPr/>
-        <p:nvPr/>
-      </p:nvGrpSpPr>
-      <p:grpSpPr>
-        <a:xfrm>
-          <a:off x="0" y="0"/>
-          <a:ext cx="0" cy="0"/>
-          <a:chOff x="0" y="0"/>
-          <a:chExt cx="0" cy="0"/>
-        </a:xfrm>
-      </p:grpSpPr>
-      <p:grpSp>
-        <p:nvGrpSpPr>
-          <p:cNvPr id="2" name="object 2"/>
-          <p:cNvGrpSpPr/>
-          <p:nvPr/>
-        </p:nvGrpSpPr>
-        <p:grpSpPr>
-          <a:xfrm>
-            <a:off x="0" y="63"/>
-            <a:ext cx="12197080" cy="2200275"/>
-            <a:chOff x="0" y="63"/>
-            <a:chExt cx="12197080" cy="2200275"/>
-          </a:xfrm>
-        </p:grpSpPr>
-        <p:pic>
-          <p:nvPicPr>
-            <p:cNvPr id="3" name="object 3"/>
-            <p:cNvPicPr/>
-            <p:nvPr/>
-          </p:nvPicPr>
-          <p:blipFill>
-            <a:blip r:embed="rId2" cstate="print"/>
-            <a:stretch>
-              <a:fillRect/>
-            </a:stretch>
-          </p:blipFill>
-          <p:spPr>
-            <a:xfrm>
-              <a:off x="4763" y="4825"/>
-              <a:ext cx="12187236" cy="2190750"/>
-            </a:xfrm>
-            <a:prstGeom prst="rect">
-              <a:avLst/>
-            </a:prstGeom>
-          </p:spPr>
-        </p:pic>
-        <p:sp>
-          <p:nvSpPr>
-            <p:cNvPr id="4" name="object 4"/>
-            <p:cNvSpPr/>
-            <p:nvPr/>
-          </p:nvSpPr>
-          <p:spPr>
-            <a:xfrm>
-              <a:off x="4763" y="4825"/>
-              <a:ext cx="12187555" cy="2190750"/>
-            </a:xfrm>
-            <a:custGeom>
-              <a:avLst/>
-              <a:gdLst/>
-              <a:ahLst/>
-              <a:cxnLst/>
-              <a:rect l="l" t="t" r="r" b="b"/>
-              <a:pathLst>
-                <a:path w="12187555" h="2190750">
-                  <a:moveTo>
-                    <a:pt x="12187236" y="0"/>
-                  </a:moveTo>
-                  <a:lnTo>
-                    <a:pt x="0" y="0"/>
-                  </a:lnTo>
-                  <a:lnTo>
-                    <a:pt x="0" y="1891538"/>
-                  </a:lnTo>
-                  <a:lnTo>
-                    <a:pt x="1995994" y="1891538"/>
-                  </a:lnTo>
-                  <a:lnTo>
-                    <a:pt x="2376994" y="2177923"/>
-                  </a:lnTo>
-                  <a:lnTo>
-                    <a:pt x="2385503" y="2181098"/>
-                  </a:lnTo>
-                  <a:lnTo>
-                    <a:pt x="2398203" y="2185924"/>
-                  </a:lnTo>
-                  <a:lnTo>
-                    <a:pt x="2410903" y="2190750"/>
-                  </a:lnTo>
-                  <a:lnTo>
-                    <a:pt x="2421444" y="2190750"/>
-                  </a:lnTo>
-                  <a:lnTo>
-                    <a:pt x="2434144" y="2190750"/>
-                  </a:lnTo>
-                  <a:lnTo>
-                    <a:pt x="2444812" y="2185924"/>
-                  </a:lnTo>
-                  <a:lnTo>
-                    <a:pt x="2457512" y="2181098"/>
-                  </a:lnTo>
-                  <a:lnTo>
-                    <a:pt x="2465894" y="2177923"/>
-                  </a:lnTo>
-                  <a:lnTo>
-                    <a:pt x="2846894" y="1891538"/>
-                  </a:lnTo>
-                  <a:lnTo>
-                    <a:pt x="12187236" y="1891538"/>
-                  </a:lnTo>
-                </a:path>
-              </a:pathLst>
-            </a:custGeom>
-            <a:ln w="9525">
-              <a:solidFill>
-                <a:srgbClr val="00C5BA"/>
-              </a:solidFill>
-            </a:ln>
-          </p:spPr>
-          <p:txBody>
-            <a:bodyPr wrap="square" lIns="0" tIns="0" rIns="0" bIns="0" rtlCol="0"/>
-            <a:lstStyle/>
-            <a:p>
-              <a:endParaRPr/>
-            </a:p>
-          </p:txBody>
-        </p:sp>
-      </p:grpSp>
-      <p:grpSp>
-        <p:nvGrpSpPr>
-          <p:cNvPr id="5" name="object 5"/>
-          <p:cNvGrpSpPr/>
-          <p:nvPr/>
-        </p:nvGrpSpPr>
-        <p:grpSpPr>
-          <a:xfrm>
-            <a:off x="-7937" y="0"/>
-            <a:ext cx="12207875" cy="1901825"/>
-            <a:chOff x="-7937" y="0"/>
-            <a:chExt cx="12207875" cy="1901825"/>
-          </a:xfrm>
-        </p:grpSpPr>
-        <p:sp>
-          <p:nvSpPr>
-            <p:cNvPr id="6" name="object 6"/>
-            <p:cNvSpPr/>
-            <p:nvPr/>
-          </p:nvSpPr>
-          <p:spPr>
-            <a:xfrm>
-              <a:off x="0" y="0"/>
-              <a:ext cx="12192000" cy="1885950"/>
-            </a:xfrm>
-            <a:custGeom>
-              <a:avLst/>
-              <a:gdLst/>
-              <a:ahLst/>
-              <a:cxnLst/>
-              <a:rect l="l" t="t" r="r" b="b"/>
-              <a:pathLst>
-                <a:path w="12192000" h="1885950">
-                  <a:moveTo>
-                    <a:pt x="12192000" y="0"/>
-                  </a:moveTo>
-                  <a:lnTo>
-                    <a:pt x="0" y="0"/>
-                  </a:lnTo>
-                  <a:lnTo>
-                    <a:pt x="0" y="1885950"/>
-                  </a:lnTo>
-                  <a:lnTo>
-                    <a:pt x="12192000" y="1885950"/>
-                  </a:lnTo>
-                  <a:lnTo>
-                    <a:pt x="12192000" y="0"/>
-                  </a:lnTo>
-                  <a:close/>
-                </a:path>
-              </a:pathLst>
-            </a:custGeom>
-            <a:solidFill>
-              <a:srgbClr val="273B5C"/>
-            </a:solidFill>
-          </p:spPr>
-          <p:txBody>
-            <a:bodyPr wrap="square" lIns="0" tIns="0" rIns="0" bIns="0" rtlCol="0"/>
-            <a:lstStyle/>
-            <a:p>
-              <a:endParaRPr/>
-            </a:p>
-          </p:txBody>
-        </p:sp>
-        <p:sp>
-          <p:nvSpPr>
-            <p:cNvPr id="7" name="object 7"/>
-            <p:cNvSpPr/>
-            <p:nvPr/>
-          </p:nvSpPr>
-          <p:spPr>
-            <a:xfrm>
-              <a:off x="0" y="0"/>
-              <a:ext cx="12192000" cy="1885950"/>
-            </a:xfrm>
-            <a:custGeom>
-              <a:avLst/>
-              <a:gdLst/>
-              <a:ahLst/>
-              <a:cxnLst/>
-              <a:rect l="l" t="t" r="r" b="b"/>
-              <a:pathLst>
-                <a:path w="12192000" h="1885950">
-                  <a:moveTo>
-                    <a:pt x="0" y="1885950"/>
-                  </a:moveTo>
-                  <a:lnTo>
-                    <a:pt x="12192000" y="1885950"/>
-                  </a:lnTo>
-                  <a:lnTo>
-                    <a:pt x="12192000" y="0"/>
-                  </a:lnTo>
-                  <a:lnTo>
-                    <a:pt x="0" y="0"/>
-                  </a:lnTo>
-                  <a:lnTo>
-                    <a:pt x="0" y="1885950"/>
-                  </a:lnTo>
-                  <a:close/>
-                </a:path>
-              </a:pathLst>
-            </a:custGeom>
-            <a:ln w="15875">
-              <a:solidFill>
-                <a:srgbClr val="273B5C"/>
-              </a:solidFill>
-            </a:ln>
-          </p:spPr>
-          <p:txBody>
-            <a:bodyPr wrap="square" lIns="0" tIns="0" rIns="0" bIns="0" rtlCol="0"/>
-            <a:lstStyle/>
-            <a:p>
-              <a:endParaRPr/>
-            </a:p>
-          </p:txBody>
-        </p:sp>
-      </p:grpSp>
-      <p:sp>
-        <p:nvSpPr>
-          <p:cNvPr id="8" name="object 8"/>
-          <p:cNvSpPr txBox="1">
-            <a:spLocks noGrp="1"/>
-          </p:cNvSpPr>
-          <p:nvPr>
-            <p:ph type="title"/>
-          </p:nvPr>
-        </p:nvSpPr>
-        <p:spPr>
-          <a:xfrm>
-            <a:off x="3863594" y="524827"/>
-            <a:ext cx="4460240" cy="758190"/>
-          </a:xfrm>
-          <a:prstGeom prst="rect">
-            <a:avLst/>
-          </a:prstGeom>
-        </p:spPr>
-        <p:txBody>
-          <a:bodyPr vert="horz" wrap="square" lIns="0" tIns="13335" rIns="0" bIns="0" rtlCol="0">
-            <a:spAutoFit/>
-          </a:bodyPr>
-          <a:lstStyle/>
-          <a:p>
-            <a:pPr marL="12700">
-              <a:lnSpc>
-                <a:spcPct val="100000"/>
-              </a:lnSpc>
-              <a:spcBef>
-                <a:spcPts val="105"/>
-              </a:spcBef>
-            </a:pPr>
-            <a:r>
-              <a:rPr spc="25"/>
-              <a:t>A</a:t>
-            </a:r>
-            <a:r>
-              <a:rPr spc="-5"/>
-              <a:t>p</a:t>
-            </a:r>
-            <a:r>
-              <a:rPr spc="-55"/>
-              <a:t>l</a:t>
-            </a:r>
-            <a:r>
-              <a:rPr spc="-45"/>
-              <a:t>i</a:t>
-            </a:r>
-            <a:r>
-              <a:rPr spc="-5"/>
-              <a:t>c</a:t>
-            </a:r>
-            <a:r>
-              <a:rPr spc="15"/>
-              <a:t>a</a:t>
-            </a:r>
-            <a:r>
-              <a:rPr spc="-5"/>
-              <a:t>ç</a:t>
-            </a:r>
-            <a:r>
-              <a:rPr spc="15"/>
-              <a:t>ã</a:t>
-            </a:r>
-            <a:r>
-              <a:rPr spc="120"/>
-              <a:t>o</a:t>
-            </a:r>
-            <a:r>
-              <a:rPr spc="-670"/>
-              <a:t> </a:t>
-            </a:r>
-            <a:r>
-              <a:rPr spc="585"/>
-              <a:t>J</a:t>
-            </a:r>
-            <a:r>
-              <a:rPr spc="-45"/>
-              <a:t>a</a:t>
-            </a:r>
-            <a:r>
-              <a:rPr spc="-75"/>
-              <a:t>va</a:t>
-            </a:r>
-          </a:p>
-        </p:txBody>
-      </p:sp>
-      <p:grpSp>
-        <p:nvGrpSpPr>
-          <p:cNvPr id="9" name="object 9"/>
-          <p:cNvGrpSpPr/>
-          <p:nvPr/>
-        </p:nvGrpSpPr>
-        <p:grpSpPr>
-          <a:xfrm>
-            <a:off x="128807" y="242570"/>
-            <a:ext cx="7967980" cy="6615430"/>
-            <a:chOff x="142875" y="238125"/>
-            <a:chExt cx="7967980" cy="6615430"/>
-          </a:xfrm>
-        </p:grpSpPr>
-        <p:sp>
-          <p:nvSpPr>
-            <p:cNvPr id="10" name="object 10"/>
-            <p:cNvSpPr/>
-            <p:nvPr/>
-          </p:nvSpPr>
-          <p:spPr>
-            <a:xfrm>
-              <a:off x="1962150" y="1495425"/>
-              <a:ext cx="904875" cy="742950"/>
-            </a:xfrm>
-            <a:custGeom>
-              <a:avLst/>
-              <a:gdLst/>
-              <a:ahLst/>
-              <a:cxnLst/>
-              <a:rect l="l" t="t" r="r" b="b"/>
-              <a:pathLst>
-                <a:path w="904875" h="742950">
-                  <a:moveTo>
-                    <a:pt x="452500" y="0"/>
-                  </a:moveTo>
-                  <a:lnTo>
-                    <a:pt x="0" y="371475"/>
-                  </a:lnTo>
-                  <a:lnTo>
-                    <a:pt x="452500" y="742950"/>
-                  </a:lnTo>
-                  <a:lnTo>
-                    <a:pt x="904875" y="371475"/>
-                  </a:lnTo>
-                  <a:lnTo>
-                    <a:pt x="452500" y="0"/>
-                  </a:lnTo>
-                  <a:close/>
-                </a:path>
-              </a:pathLst>
-            </a:custGeom>
-            <a:solidFill>
-              <a:srgbClr val="273B5C"/>
-            </a:solidFill>
-          </p:spPr>
-          <p:txBody>
-            <a:bodyPr wrap="square" lIns="0" tIns="0" rIns="0" bIns="0" rtlCol="0"/>
-            <a:lstStyle/>
-            <a:p>
-              <a:endParaRPr/>
-            </a:p>
-          </p:txBody>
-        </p:sp>
-        <p:sp>
-          <p:nvSpPr>
-            <p:cNvPr id="11" name="object 11"/>
-            <p:cNvSpPr/>
-            <p:nvPr/>
-          </p:nvSpPr>
-          <p:spPr>
-            <a:xfrm>
-              <a:off x="1962150" y="1495425"/>
-              <a:ext cx="904875" cy="742950"/>
-            </a:xfrm>
-            <a:custGeom>
-              <a:avLst/>
-              <a:gdLst/>
-              <a:ahLst/>
-              <a:cxnLst/>
-              <a:rect l="l" t="t" r="r" b="b"/>
-              <a:pathLst>
-                <a:path w="904875" h="742950">
-                  <a:moveTo>
-                    <a:pt x="0" y="371475"/>
-                  </a:moveTo>
-                  <a:lnTo>
-                    <a:pt x="904875" y="371475"/>
-                  </a:lnTo>
-                </a:path>
-                <a:path w="904875" h="742950">
-                  <a:moveTo>
-                    <a:pt x="0" y="371475"/>
-                  </a:moveTo>
-                  <a:lnTo>
-                    <a:pt x="452500" y="0"/>
-                  </a:lnTo>
-                  <a:lnTo>
-                    <a:pt x="904875" y="371475"/>
-                  </a:lnTo>
-                  <a:lnTo>
-                    <a:pt x="452500" y="742950"/>
-                  </a:lnTo>
-                  <a:lnTo>
-                    <a:pt x="0" y="371475"/>
-                  </a:lnTo>
-                  <a:close/>
-                </a:path>
-              </a:pathLst>
-            </a:custGeom>
-            <a:ln w="15875">
-              <a:solidFill>
-                <a:srgbClr val="273B5C"/>
-              </a:solidFill>
-            </a:ln>
-          </p:spPr>
-          <p:txBody>
-            <a:bodyPr wrap="square" lIns="0" tIns="0" rIns="0" bIns="0" rtlCol="0"/>
-            <a:lstStyle/>
-            <a:p>
-              <a:endParaRPr/>
-            </a:p>
-          </p:txBody>
-        </p:sp>
-        <p:pic>
-          <p:nvPicPr>
-            <p:cNvPr id="12" name="object 12"/>
-            <p:cNvPicPr/>
-            <p:nvPr/>
-          </p:nvPicPr>
-          <p:blipFill>
-            <a:blip r:embed="rId3" cstate="print"/>
-            <a:stretch>
-              <a:fillRect/>
-            </a:stretch>
-          </p:blipFill>
-          <p:spPr>
-            <a:xfrm>
-              <a:off x="142875" y="238125"/>
-              <a:ext cx="1400175" cy="1400175"/>
-            </a:xfrm>
-            <a:prstGeom prst="rect">
-              <a:avLst/>
-            </a:prstGeom>
-          </p:spPr>
-        </p:pic>
-        <p:pic>
-          <p:nvPicPr>
-            <p:cNvPr id="13" name="object 13"/>
-            <p:cNvPicPr/>
-            <p:nvPr/>
-          </p:nvPicPr>
-          <p:blipFill>
-            <a:blip r:embed="rId4" cstate="print"/>
-            <a:stretch>
-              <a:fillRect/>
-            </a:stretch>
-          </p:blipFill>
-          <p:spPr>
-            <a:xfrm>
-              <a:off x="3714750" y="2171636"/>
-              <a:ext cx="4395851" cy="4681601"/>
-            </a:xfrm>
-            <a:prstGeom prst="rect">
-              <a:avLst/>
-            </a:prstGeom>
-          </p:spPr>
-        </p:pic>
-      </p:grpSp>
-      <p:pic>
-        <p:nvPicPr>
-          <p:cNvPr id="1026" name="Picture 2" descr="Request: New Slack Desktop Icon? · Issue #1610 ·  PapirusDevelopmentTeam/papirus-icon-theme · GitHub">
-            <a:extLst>
-              <a:ext uri="{FF2B5EF4-FFF2-40B4-BE49-F238E27FC236}">
-                <a16:creationId xmlns:a16="http://schemas.microsoft.com/office/drawing/2014/main" id="{0DD9CCD9-F232-FE49-1037-F0F2DCE32A15}"/>
-              </a:ext>
-            </a:extLst>
-          </p:cNvPr>
-          <p:cNvPicPr>
-            <a:picLocks noChangeAspect="1" noChangeArrowheads="1"/>
-          </p:cNvPicPr>
-          <p:nvPr/>
-        </p:nvPicPr>
-        <p:blipFill>
-          <a:blip r:embed="rId5" cstate="print">
-            <a:extLst>
-              <a:ext uri="{28A0092B-C50C-407E-A947-70E740481C1C}">
-                <a14:useLocalDpi xmlns:a14="http://schemas.microsoft.com/office/drawing/2010/main" val="0"/>
-              </a:ext>
-            </a:extLst>
-          </a:blip>
-          <a:srcRect/>
-          <a:stretch>
-            <a:fillRect/>
-          </a:stretch>
-        </p:blipFill>
-        <p:spPr bwMode="auto">
-          <a:xfrm>
-            <a:off x="290732" y="2045303"/>
-            <a:ext cx="1447800" cy="1447800"/>
-          </a:xfrm>
-          <a:prstGeom prst="roundRect">
-            <a:avLst>
-              <a:gd name="adj" fmla="val 4167"/>
-            </a:avLst>
-          </a:prstGeom>
-          <a:solidFill>
-            <a:srgbClr val="FFFFFF"/>
-          </a:solidFill>
-          <a:ln w="76200" cap="sq">
-            <a:solidFill>
-              <a:srgbClr val="273B5C"/>
-            </a:solidFill>
-            <a:miter lim="800000"/>
-          </a:ln>
-          <a:effectLst>
-            <a:reflection blurRad="12700" stA="28000" endPos="28000" dist="5000" dir="5400000" sy="-100000" algn="bl" rotWithShape="0"/>
-          </a:effectLst>
-          <a:scene3d>
-            <a:camera prst="orthographicFront"/>
-            <a:lightRig rig="threePt" dir="t">
-              <a:rot lat="0" lon="0" rev="2700000"/>
-            </a:lightRig>
-          </a:scene3d>
-          <a:sp3d>
-            <a:bevelT h="38100"/>
-            <a:contourClr>
-              <a:srgbClr val="C0C0C0"/>
-            </a:contourClr>
-          </a:sp3d>
-          <a:extLst>
-            <a:ext uri="{909E8E84-426E-40DD-AFC4-6F175D3DCCD1}">
-              <a14:hiddenFill xmlns:a14="http://schemas.microsoft.com/office/drawing/2010/main">
-                <a:solidFill>
-                  <a:srgbClr val="FFFFFF"/>
-                </a:solidFill>
-              </a14:hiddenFill>
-            </a:ext>
-          </a:extLst>
-        </p:spPr>
-      </p:pic>
-      <p:pic>
-        <p:nvPicPr>
-          <p:cNvPr id="1030" name="Picture 6" descr="JDBC - Persistence Services | openHAB">
-            <a:extLst>
-              <a:ext uri="{FF2B5EF4-FFF2-40B4-BE49-F238E27FC236}">
-                <a16:creationId xmlns:a16="http://schemas.microsoft.com/office/drawing/2014/main" id="{7A264B40-197F-3517-6F05-9D6474D07F61}"/>
-              </a:ext>
-            </a:extLst>
-          </p:cNvPr>
-          <p:cNvPicPr>
-            <a:picLocks noChangeAspect="1" noChangeArrowheads="1"/>
-          </p:cNvPicPr>
-          <p:nvPr/>
-        </p:nvPicPr>
-        <p:blipFill>
-          <a:blip r:embed="rId6" cstate="print">
-            <a:extLst>
-              <a:ext uri="{28A0092B-C50C-407E-A947-70E740481C1C}">
-                <a14:useLocalDpi xmlns:a14="http://schemas.microsoft.com/office/drawing/2010/main" val="0"/>
-              </a:ext>
-            </a:extLst>
-          </a:blip>
-          <a:srcRect/>
-          <a:stretch>
-            <a:fillRect/>
-          </a:stretch>
-        </p:blipFill>
-        <p:spPr bwMode="auto">
-          <a:xfrm>
-            <a:off x="679061" y="4622367"/>
-            <a:ext cx="1269021" cy="1993063"/>
-          </a:xfrm>
-          <a:prstGeom prst="roundRect">
-            <a:avLst>
-              <a:gd name="adj" fmla="val 4167"/>
-            </a:avLst>
-          </a:prstGeom>
-          <a:solidFill>
-            <a:srgbClr val="FFFFFF"/>
-          </a:solidFill>
-          <a:ln w="76200" cap="sq">
-            <a:solidFill>
-              <a:srgbClr val="273B5C"/>
-            </a:solidFill>
-            <a:miter lim="800000"/>
-          </a:ln>
-          <a:effectLst>
-            <a:reflection blurRad="12700" stA="28000" endPos="28000" dist="5000" dir="5400000" sy="-100000" algn="bl" rotWithShape="0"/>
-          </a:effectLst>
-          <a:scene3d>
-            <a:camera prst="orthographicFront"/>
-            <a:lightRig rig="threePt" dir="t">
-              <a:rot lat="0" lon="0" rev="2700000"/>
-            </a:lightRig>
-          </a:scene3d>
-          <a:sp3d>
-            <a:bevelT h="38100"/>
-            <a:contourClr>
-              <a:srgbClr val="C0C0C0"/>
-            </a:contourClr>
-          </a:sp3d>
-          <a:extLst>
-            <a:ext uri="{909E8E84-426E-40DD-AFC4-6F175D3DCCD1}">
-              <a14:hiddenFill xmlns:a14="http://schemas.microsoft.com/office/drawing/2010/main">
-                <a:solidFill>
-                  <a:srgbClr val="FFFFFF"/>
-                </a:solidFill>
-              </a14:hiddenFill>
-            </a:ext>
-          </a:extLst>
-        </p:spPr>
-      </p:pic>
-      <p:pic>
-        <p:nvPicPr>
-          <p:cNvPr id="15" name="Imagem 14">
-            <a:extLst>
-              <a:ext uri="{FF2B5EF4-FFF2-40B4-BE49-F238E27FC236}">
-                <a16:creationId xmlns:a16="http://schemas.microsoft.com/office/drawing/2014/main" id="{837EDEAA-4198-B6FC-6812-497D01AC2E6A}"/>
-              </a:ext>
-            </a:extLst>
-          </p:cNvPr>
-          <p:cNvPicPr>
-            <a:picLocks noChangeAspect="1"/>
-          </p:cNvPicPr>
-          <p:nvPr/>
-        </p:nvPicPr>
-        <p:blipFill>
-          <a:blip r:embed="rId7"/>
-          <a:stretch>
-            <a:fillRect/>
-          </a:stretch>
-        </p:blipFill>
-        <p:spPr>
-          <a:xfrm>
-            <a:off x="8417432" y="2865467"/>
-            <a:ext cx="2941072" cy="768512"/>
-          </a:xfrm>
-          <a:prstGeom prst="roundRect">
-            <a:avLst>
-              <a:gd name="adj" fmla="val 4167"/>
-            </a:avLst>
-          </a:prstGeom>
-          <a:solidFill>
-            <a:srgbClr val="FFFFFF"/>
-          </a:solidFill>
-          <a:ln w="76200" cap="sq">
-            <a:solidFill>
-              <a:srgbClr val="273B5C"/>
-            </a:solidFill>
-            <a:miter lim="800000"/>
-          </a:ln>
-          <a:effectLst>
-            <a:reflection blurRad="12700" stA="28000" endPos="28000" dist="5000" dir="5400000" sy="-100000" algn="bl" rotWithShape="0"/>
-          </a:effectLst>
-          <a:scene3d>
-            <a:camera prst="orthographicFront"/>
-            <a:lightRig rig="threePt" dir="t">
-              <a:rot lat="0" lon="0" rev="2700000"/>
-            </a:lightRig>
-          </a:scene3d>
-          <a:sp3d>
-            <a:bevelT h="38100"/>
-            <a:contourClr>
-              <a:srgbClr val="C0C0C0"/>
-            </a:contourClr>
-          </a:sp3d>
-        </p:spPr>
-      </p:pic>
-      <p:pic>
-        <p:nvPicPr>
-          <p:cNvPr id="1032" name="Picture 8" descr="Unicode Systems LLC - Software Application Development for Financial  Services &amp; Banking">
-            <a:extLst>
-              <a:ext uri="{FF2B5EF4-FFF2-40B4-BE49-F238E27FC236}">
-                <a16:creationId xmlns:a16="http://schemas.microsoft.com/office/drawing/2014/main" id="{162BEDC1-9A27-FF34-3048-CDAD7F4B30B7}"/>
-              </a:ext>
-            </a:extLst>
-          </p:cNvPr>
-          <p:cNvPicPr>
-            <a:picLocks noChangeAspect="1" noChangeArrowheads="1"/>
-          </p:cNvPicPr>
-          <p:nvPr/>
-        </p:nvPicPr>
-        <p:blipFill>
-          <a:blip r:embed="rId8">
-            <a:extLst>
-              <a:ext uri="{28A0092B-C50C-407E-A947-70E740481C1C}">
-                <a14:useLocalDpi xmlns:a14="http://schemas.microsoft.com/office/drawing/2010/main" val="0"/>
-              </a:ext>
-            </a:extLst>
-          </a:blip>
-          <a:srcRect/>
-          <a:stretch>
-            <a:fillRect/>
-          </a:stretch>
-        </p:blipFill>
-        <p:spPr bwMode="auto">
-          <a:xfrm>
-            <a:off x="8715878" y="4810202"/>
-            <a:ext cx="2156983" cy="1697510"/>
-          </a:xfrm>
-          <a:prstGeom prst="roundRect">
-            <a:avLst>
-              <a:gd name="adj" fmla="val 4167"/>
-            </a:avLst>
-          </a:prstGeom>
-          <a:solidFill>
-            <a:srgbClr val="FFFFFF"/>
-          </a:solidFill>
-          <a:ln w="76200" cap="sq">
-            <a:solidFill>
-              <a:srgbClr val="273B5C"/>
-            </a:solidFill>
-            <a:miter lim="800000"/>
-          </a:ln>
-          <a:effectLst>
-            <a:reflection blurRad="12700" stA="28000" endPos="28000" dist="5000" dir="5400000" sy="-100000" algn="bl" rotWithShape="0"/>
-          </a:effectLst>
-          <a:scene3d>
-            <a:camera prst="orthographicFront"/>
-            <a:lightRig rig="threePt" dir="t">
-              <a:rot lat="0" lon="0" rev="2700000"/>
-            </a:lightRig>
-          </a:scene3d>
-          <a:sp3d>
-            <a:bevelT h="38100"/>
-            <a:contourClr>
-              <a:srgbClr val="C0C0C0"/>
-            </a:contourClr>
-          </a:sp3d>
-          <a:extLst>
-            <a:ext uri="{909E8E84-426E-40DD-AFC4-6F175D3DCCD1}">
-              <a14:hiddenFill xmlns:a14="http://schemas.microsoft.com/office/drawing/2010/main">
-                <a:solidFill>
-                  <a:srgbClr val="FFFFFF"/>
-                </a:solidFill>
-              </a14:hiddenFill>
-            </a:ext>
-          </a:extLst>
-        </p:spPr>
-      </p:pic>
-      <p:pic>
-        <p:nvPicPr>
-          <p:cNvPr id="1034" name="Picture 10" descr="Histórico - ícones de arquivos e pastas grátis">
-            <a:extLst>
-              <a:ext uri="{FF2B5EF4-FFF2-40B4-BE49-F238E27FC236}">
-                <a16:creationId xmlns:a16="http://schemas.microsoft.com/office/drawing/2014/main" id="{E46CE0DA-060A-48B2-4A17-2DEE1A7A8E4C}"/>
-              </a:ext>
-            </a:extLst>
-          </p:cNvPr>
-          <p:cNvPicPr>
-            <a:picLocks noChangeAspect="1" noChangeArrowheads="1"/>
-          </p:cNvPicPr>
-          <p:nvPr/>
-        </p:nvPicPr>
-        <p:blipFill>
-          <a:blip r:embed="rId9" cstate="print">
-            <a:extLst>
-              <a:ext uri="{28A0092B-C50C-407E-A947-70E740481C1C}">
-                <a14:useLocalDpi xmlns:a14="http://schemas.microsoft.com/office/drawing/2010/main" val="0"/>
-              </a:ext>
-            </a:extLst>
-          </a:blip>
-          <a:srcRect/>
-          <a:stretch>
-            <a:fillRect/>
-          </a:stretch>
-        </p:blipFill>
-        <p:spPr bwMode="auto">
-          <a:xfrm>
-            <a:off x="2269771" y="3246419"/>
-            <a:ext cx="1270462" cy="1270462"/>
-          </a:xfrm>
-          <a:prstGeom prst="roundRect">
-            <a:avLst>
-              <a:gd name="adj" fmla="val 4167"/>
-            </a:avLst>
-          </a:prstGeom>
-          <a:solidFill>
-            <a:srgbClr val="FFFFFF"/>
-          </a:solidFill>
-          <a:ln w="76200" cap="sq">
-            <a:solidFill>
-              <a:srgbClr val="273B5C"/>
-            </a:solidFill>
-            <a:miter lim="800000"/>
-          </a:ln>
-          <a:effectLst>
-            <a:reflection blurRad="12700" stA="28000" endPos="28000" dist="5000" dir="5400000" sy="-100000" algn="bl" rotWithShape="0"/>
-          </a:effectLst>
-          <a:scene3d>
-            <a:camera prst="orthographicFront"/>
-            <a:lightRig rig="threePt" dir="t">
-              <a:rot lat="0" lon="0" rev="2700000"/>
-            </a:lightRig>
-          </a:scene3d>
-          <a:sp3d>
-            <a:bevelT h="38100"/>
-            <a:contourClr>
-              <a:srgbClr val="C0C0C0"/>
-            </a:contourClr>
-          </a:sp3d>
-          <a:extLst>
-            <a:ext uri="{909E8E84-426E-40DD-AFC4-6F175D3DCCD1}">
-              <a14:hiddenFill xmlns:a14="http://schemas.microsoft.com/office/drawing/2010/main">
-                <a:solidFill>
-                  <a:srgbClr val="FFFFFF"/>
-                </a:solidFill>
-              </a14:hiddenFill>
-            </a:ext>
-          </a:extLst>
-        </p:spPr>
-      </p:pic>
-    </p:spTree>
   </p:cSld>
   <p:clrMapOvr>
     <a:masterClrMapping/>
@@ -14473,15 +15362,6 @@
 </file>
 
 <file path=customXml/item1.xml><?xml version="1.0" encoding="utf-8"?>
-<?mso-contentType ?>
-<FormTemplates xmlns="http://schemas.microsoft.com/sharepoint/v3/contenttype/forms">
-  <Display>DocumentLibraryForm</Display>
-  <Edit>DocumentLibraryForm</Edit>
-  <New>DocumentLibraryForm</New>
-</FormTemplates>
-</file>
-
-<file path=customXml/item2.xml><?xml version="1.0" encoding="utf-8"?>
 <ct:contentTypeSchema xmlns:ct="http://schemas.microsoft.com/office/2006/metadata/contentType" xmlns:ma="http://schemas.microsoft.com/office/2006/metadata/properties/metaAttributes" ct:_="" ma:_="" ma:contentTypeName="Document" ma:contentTypeID="0x0101009B5AD57055759343B2439CDC4FB2AA8F" ma:contentTypeVersion="7" ma:contentTypeDescription="Create a new document." ma:contentTypeScope="" ma:versionID="35bded6307d720816387be0a7f506850">
   <xsd:schema xmlns:xsd="http://www.w3.org/2001/XMLSchema" xmlns:xs="http://www.w3.org/2001/XMLSchema" xmlns:p="http://schemas.microsoft.com/office/2006/metadata/properties" xmlns:ns3="bd154c79-e350-4d67-947a-6d0920345f00" xmlns:ns4="c6a49ece-9843-408c-b2c2-37afa12ee2fc" targetNamespace="http://schemas.microsoft.com/office/2006/metadata/properties" ma:root="true" ma:fieldsID="703c861a787b1bd2d757c1d05d3ac2b8" ns3:_="" ns4:_="">
     <xsd:import namespace="bd154c79-e350-4d67-947a-6d0920345f00"/>
@@ -14666,6 +15546,15 @@
 </ct:contentTypeSchema>
 </file>
 
+<file path=customXml/item2.xml><?xml version="1.0" encoding="utf-8"?>
+<?mso-contentType ?>
+<FormTemplates xmlns="http://schemas.microsoft.com/sharepoint/v3/contenttype/forms">
+  <Display>DocumentLibraryForm</Display>
+  <Edit>DocumentLibraryForm</Edit>
+  <New>DocumentLibraryForm</New>
+</FormTemplates>
+</file>
+
 <file path=customXml/item3.xml><?xml version="1.0" encoding="utf-8"?>
 <p:properties xmlns:p="http://schemas.microsoft.com/office/2006/metadata/properties" xmlns:xsi="http://www.w3.org/2001/XMLSchema-instance" xmlns:pc="http://schemas.microsoft.com/office/infopath/2007/PartnerControls">
   <documentManagement/>
@@ -14673,14 +15562,6 @@
 </file>
 
 <file path=customXml/itemProps1.xml><?xml version="1.0" encoding="utf-8"?>
-<ds:datastoreItem xmlns:ds="http://schemas.openxmlformats.org/officeDocument/2006/customXml" ds:itemID="{7539E6D1-A962-4F63-9A62-D3BB2BBFD735}">
-  <ds:schemaRefs>
-    <ds:schemaRef ds:uri="http://schemas.microsoft.com/sharepoint/v3/contenttype/forms"/>
-  </ds:schemaRefs>
-</ds:datastoreItem>
-</file>
-
-<file path=customXml/itemProps2.xml><?xml version="1.0" encoding="utf-8"?>
 <ds:datastoreItem xmlns:ds="http://schemas.openxmlformats.org/officeDocument/2006/customXml" ds:itemID="{64FAB04D-67D1-45F3-BA75-2F5023F21031}">
   <ds:schemaRefs>
     <ds:schemaRef ds:uri="bd154c79-e350-4d67-947a-6d0920345f00"/>
@@ -14695,6 +15576,14 @@
     <ds:schemaRef ds:uri="http://schemas.microsoft.com/office/infopath/2007/PartnerControls"/>
     <ds:schemaRef ds:uri="http://schemas.openxmlformats.org/package/2006/metadata/core-properties"/>
     <ds:schemaRef ds:uri="http://www.w3.org/2001/XMLSchema"/>
+  </ds:schemaRefs>
+</ds:datastoreItem>
+</file>
+
+<file path=customXml/itemProps2.xml><?xml version="1.0" encoding="utf-8"?>
+<ds:datastoreItem xmlns:ds="http://schemas.openxmlformats.org/officeDocument/2006/customXml" ds:itemID="{7539E6D1-A962-4F63-9A62-D3BB2BBFD735}">
+  <ds:schemaRefs>
+    <ds:schemaRef ds:uri="http://schemas.microsoft.com/sharepoint/v3/contenttype/forms"/>
   </ds:schemaRefs>
 </ds:datastoreItem>
 </file>
